--- a/TLR_ver4.5_new_PNAS.pptx
+++ b/TLR_ver4.5_new_PNAS.pptx
@@ -970,11 +970,11 @@
           <c:showPercent val="0"/>
           <c:showBubbleSize val="0"/>
         </c:dLbls>
-        <c:axId val="1805540632"/>
-        <c:axId val="1805543880"/>
+        <c:axId val="-1974768360"/>
+        <c:axId val="-1974765064"/>
       </c:scatterChart>
       <c:valAx>
-        <c:axId val="1805540632"/>
+        <c:axId val="-1974768360"/>
         <c:scaling>
           <c:orientation val="minMax"/>
           <c:max val="1.0"/>
@@ -992,13 +992,13 @@
             </a:solidFill>
           </a:ln>
         </c:spPr>
-        <c:crossAx val="1805543880"/>
+        <c:crossAx val="-1974765064"/>
         <c:crosses val="autoZero"/>
         <c:crossBetween val="midCat"/>
         <c:majorUnit val="0.2"/>
       </c:valAx>
       <c:valAx>
-        <c:axId val="1805543880"/>
+        <c:axId val="-1974765064"/>
         <c:scaling>
           <c:orientation val="minMax"/>
         </c:scaling>
@@ -1022,7 +1022,7 @@
             </a:solidFill>
           </a:ln>
         </c:spPr>
-        <c:crossAx val="1805540632"/>
+        <c:crossAx val="-1974768360"/>
         <c:crosses val="autoZero"/>
         <c:crossBetween val="midCat"/>
         <c:majorUnit val="0.2"/>
@@ -1151,7 +1151,7 @@
           <a:p>
             <a:fld id="{BECA4E7E-F650-714E-BA06-849E12597C72}" type="datetimeFigureOut">
               <a:rPr lang="en-US" smtClean="0"/>
-              <a:t>11/26/13</a:t>
+              <a:t>12/10/13</a:t>
             </a:fld>
             <a:endParaRPr lang="en-US"/>
           </a:p>
@@ -2333,7 +2333,7 @@
             <a:fld id="{0DA042B0-5508-8A40-9A09-F8377543C8AB}" type="datetimeFigureOut">
               <a:rPr lang="en-US" smtClean="0"/>
               <a:pPr/>
-              <a:t>11/26/13</a:t>
+              <a:t>12/10/13</a:t>
             </a:fld>
             <a:endParaRPr lang="en-US" dirty="0"/>
           </a:p>
@@ -2505,7 +2505,7 @@
             <a:fld id="{0DA042B0-5508-8A40-9A09-F8377543C8AB}" type="datetimeFigureOut">
               <a:rPr lang="en-US" smtClean="0"/>
               <a:pPr/>
-              <a:t>11/26/13</a:t>
+              <a:t>12/10/13</a:t>
             </a:fld>
             <a:endParaRPr lang="en-US" dirty="0"/>
           </a:p>
@@ -2687,7 +2687,7 @@
             <a:fld id="{0DA042B0-5508-8A40-9A09-F8377543C8AB}" type="datetimeFigureOut">
               <a:rPr lang="en-US" smtClean="0"/>
               <a:pPr/>
-              <a:t>11/26/13</a:t>
+              <a:t>12/10/13</a:t>
             </a:fld>
             <a:endParaRPr lang="en-US" dirty="0"/>
           </a:p>
@@ -2859,7 +2859,7 @@
             <a:fld id="{0DA042B0-5508-8A40-9A09-F8377543C8AB}" type="datetimeFigureOut">
               <a:rPr lang="en-US" smtClean="0"/>
               <a:pPr/>
-              <a:t>11/26/13</a:t>
+              <a:t>12/10/13</a:t>
             </a:fld>
             <a:endParaRPr lang="en-US" dirty="0"/>
           </a:p>
@@ -3107,7 +3107,7 @@
             <a:fld id="{0DA042B0-5508-8A40-9A09-F8377543C8AB}" type="datetimeFigureOut">
               <a:rPr lang="en-US" smtClean="0"/>
               <a:pPr/>
-              <a:t>11/26/13</a:t>
+              <a:t>12/10/13</a:t>
             </a:fld>
             <a:endParaRPr lang="en-US" dirty="0"/>
           </a:p>
@@ -3397,7 +3397,7 @@
             <a:fld id="{0DA042B0-5508-8A40-9A09-F8377543C8AB}" type="datetimeFigureOut">
               <a:rPr lang="en-US" smtClean="0"/>
               <a:pPr/>
-              <a:t>11/26/13</a:t>
+              <a:t>12/10/13</a:t>
             </a:fld>
             <a:endParaRPr lang="en-US" dirty="0"/>
           </a:p>
@@ -3821,7 +3821,7 @@
             <a:fld id="{0DA042B0-5508-8A40-9A09-F8377543C8AB}" type="datetimeFigureOut">
               <a:rPr lang="en-US" smtClean="0"/>
               <a:pPr/>
-              <a:t>11/26/13</a:t>
+              <a:t>12/10/13</a:t>
             </a:fld>
             <a:endParaRPr lang="en-US" dirty="0"/>
           </a:p>
@@ -3941,7 +3941,7 @@
             <a:fld id="{0DA042B0-5508-8A40-9A09-F8377543C8AB}" type="datetimeFigureOut">
               <a:rPr lang="en-US" smtClean="0"/>
               <a:pPr/>
-              <a:t>11/26/13</a:t>
+              <a:t>12/10/13</a:t>
             </a:fld>
             <a:endParaRPr lang="en-US" dirty="0"/>
           </a:p>
@@ -4038,7 +4038,7 @@
             <a:fld id="{0DA042B0-5508-8A40-9A09-F8377543C8AB}" type="datetimeFigureOut">
               <a:rPr lang="en-US" smtClean="0"/>
               <a:pPr/>
-              <a:t>11/26/13</a:t>
+              <a:t>12/10/13</a:t>
             </a:fld>
             <a:endParaRPr lang="en-US" dirty="0"/>
           </a:p>
@@ -4317,7 +4317,7 @@
             <a:fld id="{0DA042B0-5508-8A40-9A09-F8377543C8AB}" type="datetimeFigureOut">
               <a:rPr lang="en-US" smtClean="0"/>
               <a:pPr/>
-              <a:t>11/26/13</a:t>
+              <a:t>12/10/13</a:t>
             </a:fld>
             <a:endParaRPr lang="en-US" dirty="0"/>
           </a:p>
@@ -4576,7 +4576,7 @@
             <a:fld id="{0DA042B0-5508-8A40-9A09-F8377543C8AB}" type="datetimeFigureOut">
               <a:rPr lang="en-US" smtClean="0"/>
               <a:pPr/>
-              <a:t>11/26/13</a:t>
+              <a:t>12/10/13</a:t>
             </a:fld>
             <a:endParaRPr lang="en-US" dirty="0"/>
           </a:p>
@@ -4791,7 +4791,7 @@
             <a:fld id="{0DA042B0-5508-8A40-9A09-F8377543C8AB}" type="datetimeFigureOut">
               <a:rPr lang="en-US" smtClean="0"/>
               <a:pPr/>
-              <a:t>11/26/13</a:t>
+              <a:t>12/10/13</a:t>
             </a:fld>
             <a:endParaRPr lang="en-US" dirty="0"/>
           </a:p>
@@ -5511,10 +5511,6 @@
               </a:rPr>
               <a:t> module</a:t>
             </a:r>
-            <a:endParaRPr lang="en-US" sz="1100" dirty="0">
-              <a:latin typeface="Arial"/>
-              <a:cs typeface="Arial"/>
-            </a:endParaRPr>
           </a:p>
         </p:txBody>
       </p:sp>
@@ -5603,10 +5599,6 @@
               </a:rPr>
               <a:t>module</a:t>
             </a:r>
-            <a:endParaRPr lang="en-US" sz="1100" dirty="0">
-              <a:latin typeface="Arial"/>
-              <a:cs typeface="Arial"/>
-            </a:endParaRPr>
           </a:p>
         </p:txBody>
       </p:sp>
@@ -5695,10 +5687,6 @@
               </a:rPr>
               <a:t>module</a:t>
             </a:r>
-            <a:endParaRPr lang="en-US" sz="1100" dirty="0">
-              <a:latin typeface="Arial"/>
-              <a:cs typeface="Arial"/>
-            </a:endParaRPr>
           </a:p>
         </p:txBody>
       </p:sp>
@@ -6663,10 +6651,6 @@
               </a:rPr>
               <a:t>1 ng/ml</a:t>
             </a:r>
-            <a:endParaRPr lang="en-US" sz="800" b="1" dirty="0">
-              <a:latin typeface="Arial"/>
-              <a:cs typeface="Arial"/>
-            </a:endParaRPr>
           </a:p>
         </p:txBody>
       </p:sp>
@@ -7688,10 +7672,6 @@
               </a:rPr>
               <a:t> - /-</a:t>
             </a:r>
-            <a:endParaRPr lang="en-US" sz="800" b="1" baseline="30000" dirty="0">
-              <a:latin typeface="Arial"/>
-              <a:cs typeface="Arial"/>
-            </a:endParaRPr>
           </a:p>
         </p:txBody>
       </p:sp>
@@ -7730,10 +7710,6 @@
               </a:rPr>
               <a:t>- / - </a:t>
             </a:r>
-            <a:endParaRPr lang="en-US" sz="800" b="1" baseline="30000" dirty="0">
-              <a:latin typeface="Arial"/>
-              <a:cs typeface="Arial"/>
-            </a:endParaRPr>
           </a:p>
         </p:txBody>
       </p:sp>
@@ -7804,10 +7780,6 @@
               </a:rPr>
               <a:t>np</a:t>
             </a:r>
-            <a:endParaRPr lang="en-US" sz="800" b="1" baseline="-25000" dirty="0">
-              <a:latin typeface="Arial"/>
-              <a:cs typeface="Arial"/>
-            </a:endParaRPr>
           </a:p>
         </p:txBody>
       </p:sp>
@@ -8195,10 +8167,6 @@
               </a:rPr>
               <a:t>0</a:t>
             </a:r>
-            <a:endParaRPr lang="en-US" sz="700" b="1" dirty="0">
-              <a:latin typeface="Arial"/>
-              <a:cs typeface="Arial"/>
-            </a:endParaRPr>
           </a:p>
         </p:txBody>
       </p:sp>
@@ -8230,10 +8198,6 @@
               </a:rPr>
               <a:t>10</a:t>
             </a:r>
-            <a:endParaRPr lang="en-US" sz="700" b="1" dirty="0">
-              <a:latin typeface="Arial"/>
-              <a:cs typeface="Arial"/>
-            </a:endParaRPr>
           </a:p>
         </p:txBody>
       </p:sp>
@@ -8265,10 +8229,6 @@
               </a:rPr>
               <a:t>30</a:t>
             </a:r>
-            <a:endParaRPr lang="en-US" sz="700" b="1" dirty="0">
-              <a:latin typeface="Arial"/>
-              <a:cs typeface="Arial"/>
-            </a:endParaRPr>
           </a:p>
         </p:txBody>
       </p:sp>
@@ -8300,10 +8260,6 @@
               </a:rPr>
               <a:t>60</a:t>
             </a:r>
-            <a:endParaRPr lang="en-US" sz="700" b="1" dirty="0">
-              <a:latin typeface="Arial"/>
-              <a:cs typeface="Arial"/>
-            </a:endParaRPr>
           </a:p>
         </p:txBody>
       </p:sp>
@@ -8335,10 +8291,6 @@
               </a:rPr>
               <a:t>120</a:t>
             </a:r>
-            <a:endParaRPr lang="en-US" sz="700" b="1" dirty="0">
-              <a:latin typeface="Arial"/>
-              <a:cs typeface="Arial"/>
-            </a:endParaRPr>
           </a:p>
         </p:txBody>
       </p:sp>
@@ -8370,10 +8322,6 @@
               </a:rPr>
               <a:t>240</a:t>
             </a:r>
-            <a:endParaRPr lang="en-US" sz="700" b="1" dirty="0">
-              <a:latin typeface="Arial"/>
-              <a:cs typeface="Arial"/>
-            </a:endParaRPr>
           </a:p>
         </p:txBody>
       </p:sp>
@@ -8494,10 +8442,6 @@
               </a:rPr>
               <a:t>10</a:t>
             </a:r>
-            <a:endParaRPr lang="en-US" sz="700" b="1" dirty="0">
-              <a:latin typeface="Arial"/>
-              <a:cs typeface="Arial"/>
-            </a:endParaRPr>
           </a:p>
         </p:txBody>
       </p:sp>
@@ -8529,10 +8473,6 @@
               </a:rPr>
               <a:t>30</a:t>
             </a:r>
-            <a:endParaRPr lang="en-US" sz="700" b="1" dirty="0">
-              <a:latin typeface="Arial"/>
-              <a:cs typeface="Arial"/>
-            </a:endParaRPr>
           </a:p>
         </p:txBody>
       </p:sp>
@@ -8564,10 +8504,6 @@
               </a:rPr>
               <a:t>60</a:t>
             </a:r>
-            <a:endParaRPr lang="en-US" sz="700" b="1" dirty="0">
-              <a:latin typeface="Arial"/>
-              <a:cs typeface="Arial"/>
-            </a:endParaRPr>
           </a:p>
         </p:txBody>
       </p:sp>
@@ -8599,10 +8535,6 @@
               </a:rPr>
               <a:t>120</a:t>
             </a:r>
-            <a:endParaRPr lang="en-US" sz="700" b="1" dirty="0">
-              <a:latin typeface="Arial"/>
-              <a:cs typeface="Arial"/>
-            </a:endParaRPr>
           </a:p>
         </p:txBody>
       </p:sp>
@@ -8634,10 +8566,6 @@
               </a:rPr>
               <a:t>240</a:t>
             </a:r>
-            <a:endParaRPr lang="en-US" sz="700" b="1" dirty="0">
-              <a:latin typeface="Arial"/>
-              <a:cs typeface="Arial"/>
-            </a:endParaRPr>
           </a:p>
         </p:txBody>
       </p:sp>
@@ -8763,10 +8691,6 @@
               </a:rPr>
               <a:t>0</a:t>
             </a:r>
-            <a:endParaRPr lang="en-US" sz="700" b="1" dirty="0">
-              <a:latin typeface="Arial"/>
-              <a:cs typeface="Arial"/>
-            </a:endParaRPr>
           </a:p>
         </p:txBody>
       </p:sp>
@@ -8798,10 +8722,6 @@
               </a:rPr>
               <a:t>10</a:t>
             </a:r>
-            <a:endParaRPr lang="en-US" sz="700" b="1" dirty="0">
-              <a:latin typeface="Arial"/>
-              <a:cs typeface="Arial"/>
-            </a:endParaRPr>
           </a:p>
         </p:txBody>
       </p:sp>
@@ -8833,10 +8753,6 @@
               </a:rPr>
               <a:t>30</a:t>
             </a:r>
-            <a:endParaRPr lang="en-US" sz="700" b="1" dirty="0">
-              <a:latin typeface="Arial"/>
-              <a:cs typeface="Arial"/>
-            </a:endParaRPr>
           </a:p>
         </p:txBody>
       </p:sp>
@@ -8868,10 +8784,6 @@
               </a:rPr>
               <a:t>60</a:t>
             </a:r>
-            <a:endParaRPr lang="en-US" sz="700" b="1" dirty="0">
-              <a:latin typeface="Arial"/>
-              <a:cs typeface="Arial"/>
-            </a:endParaRPr>
           </a:p>
         </p:txBody>
       </p:sp>
@@ -8903,10 +8815,6 @@
               </a:rPr>
               <a:t>120</a:t>
             </a:r>
-            <a:endParaRPr lang="en-US" sz="700" b="1" dirty="0">
-              <a:latin typeface="Arial"/>
-              <a:cs typeface="Arial"/>
-            </a:endParaRPr>
           </a:p>
         </p:txBody>
       </p:sp>
@@ -8938,10 +8846,6 @@
               </a:rPr>
               <a:t>240</a:t>
             </a:r>
-            <a:endParaRPr lang="en-US" sz="700" b="1" dirty="0">
-              <a:latin typeface="Arial"/>
-              <a:cs typeface="Arial"/>
-            </a:endParaRPr>
           </a:p>
         </p:txBody>
       </p:sp>
@@ -9009,10 +8913,6 @@
               </a:rPr>
               <a:t>0</a:t>
             </a:r>
-            <a:endParaRPr lang="en-US" sz="700" b="1" dirty="0">
-              <a:latin typeface="Arial"/>
-              <a:cs typeface="Arial"/>
-            </a:endParaRPr>
           </a:p>
         </p:txBody>
       </p:sp>
@@ -9044,10 +8944,6 @@
               </a:rPr>
               <a:t>10</a:t>
             </a:r>
-            <a:endParaRPr lang="en-US" sz="700" b="1" dirty="0">
-              <a:latin typeface="Arial"/>
-              <a:cs typeface="Arial"/>
-            </a:endParaRPr>
           </a:p>
         </p:txBody>
       </p:sp>
@@ -9079,10 +8975,6 @@
               </a:rPr>
               <a:t>30</a:t>
             </a:r>
-            <a:endParaRPr lang="en-US" sz="700" b="1" dirty="0">
-              <a:latin typeface="Arial"/>
-              <a:cs typeface="Arial"/>
-            </a:endParaRPr>
           </a:p>
         </p:txBody>
       </p:sp>
@@ -9114,10 +9006,6 @@
               </a:rPr>
               <a:t>60</a:t>
             </a:r>
-            <a:endParaRPr lang="en-US" sz="700" b="1" dirty="0">
-              <a:latin typeface="Arial"/>
-              <a:cs typeface="Arial"/>
-            </a:endParaRPr>
           </a:p>
         </p:txBody>
       </p:sp>
@@ -9149,10 +9037,6 @@
               </a:rPr>
               <a:t>120</a:t>
             </a:r>
-            <a:endParaRPr lang="en-US" sz="700" b="1" dirty="0">
-              <a:latin typeface="Arial"/>
-              <a:cs typeface="Arial"/>
-            </a:endParaRPr>
           </a:p>
         </p:txBody>
       </p:sp>
@@ -9184,10 +9068,6 @@
               </a:rPr>
               <a:t>240</a:t>
             </a:r>
-            <a:endParaRPr lang="en-US" sz="700" b="1" dirty="0">
-              <a:latin typeface="Arial"/>
-              <a:cs typeface="Arial"/>
-            </a:endParaRPr>
           </a:p>
         </p:txBody>
       </p:sp>
@@ -9396,10 +9276,6 @@
               </a:rPr>
               <a:t>np</a:t>
             </a:r>
-            <a:endParaRPr lang="en-US" sz="800" b="1" baseline="-25000" dirty="0">
-              <a:latin typeface="Arial"/>
-              <a:cs typeface="Arial"/>
-            </a:endParaRPr>
           </a:p>
         </p:txBody>
       </p:sp>
@@ -9503,10 +9379,6 @@
               </a:rPr>
               <a:t>0</a:t>
             </a:r>
-            <a:endParaRPr lang="en-US" sz="800" dirty="0">
-              <a:latin typeface="Arial"/>
-              <a:cs typeface="Arial"/>
-            </a:endParaRPr>
           </a:p>
         </p:txBody>
       </p:sp>
@@ -9538,10 +9410,6 @@
               </a:rPr>
               <a:t>20</a:t>
             </a:r>
-            <a:endParaRPr lang="en-US" sz="800" dirty="0">
-              <a:latin typeface="Arial"/>
-              <a:cs typeface="Arial"/>
-            </a:endParaRPr>
           </a:p>
         </p:txBody>
       </p:sp>
@@ -9573,10 +9441,6 @@
               </a:rPr>
               <a:t>60</a:t>
             </a:r>
-            <a:endParaRPr lang="en-US" sz="800" dirty="0">
-              <a:latin typeface="Arial"/>
-              <a:cs typeface="Arial"/>
-            </a:endParaRPr>
           </a:p>
         </p:txBody>
       </p:sp>
@@ -9608,10 +9472,6 @@
               </a:rPr>
               <a:t>120</a:t>
             </a:r>
-            <a:endParaRPr lang="en-US" sz="800" dirty="0">
-              <a:latin typeface="Arial"/>
-              <a:cs typeface="Arial"/>
-            </a:endParaRPr>
           </a:p>
         </p:txBody>
       </p:sp>
@@ -9643,10 +9503,6 @@
               </a:rPr>
               <a:t>40</a:t>
             </a:r>
-            <a:endParaRPr lang="en-US" sz="800" dirty="0">
-              <a:latin typeface="Arial"/>
-              <a:cs typeface="Arial"/>
-            </a:endParaRPr>
           </a:p>
         </p:txBody>
       </p:sp>
@@ -9678,10 +9534,6 @@
               </a:rPr>
               <a:t>100</a:t>
             </a:r>
-            <a:endParaRPr lang="en-US" sz="800" dirty="0">
-              <a:latin typeface="Arial"/>
-              <a:cs typeface="Arial"/>
-            </a:endParaRPr>
           </a:p>
         </p:txBody>
       </p:sp>
@@ -9711,19 +9563,8 @@
                 <a:latin typeface="Arial"/>
                 <a:cs typeface="Arial"/>
               </a:rPr>
-              <a:t>8</a:t>
-            </a:r>
-            <a:r>
-              <a:rPr lang="en-US" sz="800" dirty="0">
-                <a:latin typeface="Arial"/>
-                <a:cs typeface="Arial"/>
-              </a:rPr>
-              <a:t>0</a:t>
-            </a:r>
-            <a:endParaRPr lang="en-US" sz="800" dirty="0">
-              <a:latin typeface="Arial"/>
-              <a:cs typeface="Arial"/>
-            </a:endParaRPr>
+              <a:t>80</a:t>
+            </a:r>
           </a:p>
         </p:txBody>
       </p:sp>
@@ -9755,10 +9596,6 @@
               </a:rPr>
               <a:t>0.6</a:t>
             </a:r>
-            <a:endParaRPr lang="en-US" sz="800" dirty="0">
-              <a:latin typeface="Arial"/>
-              <a:cs typeface="Arial"/>
-            </a:endParaRPr>
           </a:p>
         </p:txBody>
       </p:sp>
@@ -9790,10 +9627,6 @@
               </a:rPr>
               <a:t>0.4</a:t>
             </a:r>
-            <a:endParaRPr lang="en-US" sz="800" dirty="0">
-              <a:latin typeface="Arial"/>
-              <a:cs typeface="Arial"/>
-            </a:endParaRPr>
           </a:p>
         </p:txBody>
       </p:sp>
@@ -9825,10 +9658,6 @@
               </a:rPr>
               <a:t>0.2</a:t>
             </a:r>
-            <a:endParaRPr lang="en-US" sz="800" dirty="0">
-              <a:latin typeface="Arial"/>
-              <a:cs typeface="Arial"/>
-            </a:endParaRPr>
           </a:p>
         </p:txBody>
       </p:sp>
@@ -9860,10 +9689,6 @@
               </a:rPr>
               <a:t>0</a:t>
             </a:r>
-            <a:endParaRPr lang="en-US" sz="800" dirty="0">
-              <a:latin typeface="Arial"/>
-              <a:cs typeface="Arial"/>
-            </a:endParaRPr>
           </a:p>
         </p:txBody>
       </p:sp>
@@ -9895,10 +9720,6 @@
               </a:rPr>
               <a:t>Time (min)</a:t>
             </a:r>
-            <a:endParaRPr lang="en-US" sz="800" dirty="0">
-              <a:latin typeface="Arial"/>
-              <a:cs typeface="Arial"/>
-            </a:endParaRPr>
           </a:p>
         </p:txBody>
       </p:sp>
@@ -9930,10 +9751,6 @@
               </a:rPr>
               <a:t>0.8</a:t>
             </a:r>
-            <a:endParaRPr lang="en-US" sz="800" dirty="0">
-              <a:latin typeface="Arial"/>
-              <a:cs typeface="Arial"/>
-            </a:endParaRPr>
           </a:p>
         </p:txBody>
       </p:sp>
@@ -9965,10 +9782,6 @@
               </a:rPr>
               <a:t>0.4</a:t>
             </a:r>
-            <a:endParaRPr lang="en-US" sz="800" dirty="0">
-              <a:latin typeface="Arial"/>
-              <a:cs typeface="Arial"/>
-            </a:endParaRPr>
           </a:p>
         </p:txBody>
       </p:sp>
@@ -10000,10 +9813,6 @@
               </a:rPr>
               <a:t>0</a:t>
             </a:r>
-            <a:endParaRPr lang="en-US" sz="800" dirty="0">
-              <a:latin typeface="Arial"/>
-              <a:cs typeface="Arial"/>
-            </a:endParaRPr>
           </a:p>
         </p:txBody>
       </p:sp>
@@ -10035,10 +9844,6 @@
               </a:rPr>
               <a:t>0.8</a:t>
             </a:r>
-            <a:endParaRPr lang="en-US" sz="800" dirty="0">
-              <a:latin typeface="Arial"/>
-              <a:cs typeface="Arial"/>
-            </a:endParaRPr>
           </a:p>
         </p:txBody>
       </p:sp>
@@ -10070,10 +9875,6 @@
               </a:rPr>
               <a:t>0.4</a:t>
             </a:r>
-            <a:endParaRPr lang="en-US" sz="800" dirty="0">
-              <a:latin typeface="Arial"/>
-              <a:cs typeface="Arial"/>
-            </a:endParaRPr>
           </a:p>
         </p:txBody>
       </p:sp>
@@ -10105,10 +9906,6 @@
               </a:rPr>
               <a:t>0</a:t>
             </a:r>
-            <a:endParaRPr lang="en-US" sz="800" dirty="0">
-              <a:latin typeface="Arial"/>
-              <a:cs typeface="Arial"/>
-            </a:endParaRPr>
           </a:p>
         </p:txBody>
       </p:sp>
@@ -10140,10 +9937,6 @@
               </a:rPr>
               <a:t>0</a:t>
             </a:r>
-            <a:endParaRPr lang="en-US" sz="800" dirty="0">
-              <a:latin typeface="Arial"/>
-              <a:cs typeface="Arial"/>
-            </a:endParaRPr>
           </a:p>
         </p:txBody>
       </p:sp>
@@ -10173,19 +9966,8 @@
                 <a:latin typeface="Arial"/>
                 <a:cs typeface="Arial"/>
               </a:rPr>
-              <a:t>3</a:t>
-            </a:r>
-            <a:r>
-              <a:rPr lang="en-US" sz="800" dirty="0">
-                <a:latin typeface="Arial"/>
-                <a:cs typeface="Arial"/>
-              </a:rPr>
-              <a:t>0</a:t>
-            </a:r>
-            <a:endParaRPr lang="en-US" sz="800" dirty="0">
-              <a:latin typeface="Arial"/>
-              <a:cs typeface="Arial"/>
-            </a:endParaRPr>
+              <a:t>30</a:t>
+            </a:r>
           </a:p>
         </p:txBody>
       </p:sp>
@@ -10217,10 +9999,6 @@
               </a:rPr>
               <a:t>90</a:t>
             </a:r>
-            <a:endParaRPr lang="en-US" sz="800" dirty="0">
-              <a:latin typeface="Arial"/>
-              <a:cs typeface="Arial"/>
-            </a:endParaRPr>
           </a:p>
         </p:txBody>
       </p:sp>
@@ -10252,10 +10030,6 @@
               </a:rPr>
               <a:t>180</a:t>
             </a:r>
-            <a:endParaRPr lang="en-US" sz="800" dirty="0">
-              <a:latin typeface="Arial"/>
-              <a:cs typeface="Arial"/>
-            </a:endParaRPr>
           </a:p>
         </p:txBody>
       </p:sp>
@@ -10285,19 +10059,8 @@
                 <a:latin typeface="Arial"/>
                 <a:cs typeface="Arial"/>
               </a:rPr>
-              <a:t>6</a:t>
-            </a:r>
-            <a:r>
-              <a:rPr lang="en-US" sz="800" dirty="0">
-                <a:latin typeface="Arial"/>
-                <a:cs typeface="Arial"/>
-              </a:rPr>
-              <a:t>0</a:t>
-            </a:r>
-            <a:endParaRPr lang="en-US" sz="800" dirty="0">
-              <a:latin typeface="Arial"/>
-              <a:cs typeface="Arial"/>
-            </a:endParaRPr>
+              <a:t>60</a:t>
+            </a:r>
           </a:p>
         </p:txBody>
       </p:sp>
@@ -10329,10 +10092,6 @@
               </a:rPr>
               <a:t>150</a:t>
             </a:r>
-            <a:endParaRPr lang="en-US" sz="800" dirty="0">
-              <a:latin typeface="Arial"/>
-              <a:cs typeface="Arial"/>
-            </a:endParaRPr>
           </a:p>
         </p:txBody>
       </p:sp>
@@ -10364,10 +10123,6 @@
               </a:rPr>
               <a:t>120</a:t>
             </a:r>
-            <a:endParaRPr lang="en-US" sz="800" dirty="0">
-              <a:latin typeface="Arial"/>
-              <a:cs typeface="Arial"/>
-            </a:endParaRPr>
           </a:p>
         </p:txBody>
       </p:sp>
@@ -10399,10 +10154,6 @@
               </a:rPr>
               <a:t>Time (min)</a:t>
             </a:r>
-            <a:endParaRPr lang="en-US" sz="800" dirty="0">
-              <a:latin typeface="Arial"/>
-              <a:cs typeface="Arial"/>
-            </a:endParaRPr>
           </a:p>
         </p:txBody>
       </p:sp>
@@ -10434,10 +10185,6 @@
               </a:rPr>
               <a:t>210</a:t>
             </a:r>
-            <a:endParaRPr lang="en-US" sz="800" dirty="0">
-              <a:latin typeface="Arial"/>
-              <a:cs typeface="Arial"/>
-            </a:endParaRPr>
           </a:p>
         </p:txBody>
       </p:sp>
@@ -10469,10 +10216,6 @@
               </a:rPr>
               <a:t>240</a:t>
             </a:r>
-            <a:endParaRPr lang="en-US" sz="800" dirty="0">
-              <a:latin typeface="Arial"/>
-              <a:cs typeface="Arial"/>
-            </a:endParaRPr>
           </a:p>
         </p:txBody>
       </p:sp>
@@ -10511,10 +10254,6 @@
               </a:rPr>
               <a:t> exp.</a:t>
             </a:r>
-            <a:endParaRPr lang="en-US" sz="700" dirty="0">
-              <a:latin typeface="Arial"/>
-              <a:cs typeface="Arial"/>
-            </a:endParaRPr>
           </a:p>
         </p:txBody>
       </p:sp>
@@ -10616,10 +10355,6 @@
                 </a:rPr>
                 <a:t> exp.</a:t>
               </a:r>
-              <a:endParaRPr lang="en-US" sz="700" dirty="0">
-                <a:latin typeface="Arial"/>
-                <a:cs typeface="Arial"/>
-              </a:endParaRPr>
             </a:p>
           </p:txBody>
         </p:sp>
@@ -10708,10 +10443,6 @@
                 </a:rPr>
                 <a:t>.</a:t>
               </a:r>
-              <a:endParaRPr lang="en-US" sz="700" dirty="0">
-                <a:latin typeface="Arial"/>
-                <a:cs typeface="Arial"/>
-              </a:endParaRPr>
             </a:p>
           </p:txBody>
         </p:sp>
@@ -10765,10 +10496,6 @@
                 </a:rPr>
                 <a:t> exp.</a:t>
               </a:r>
-              <a:endParaRPr lang="en-US" sz="700" dirty="0">
-                <a:latin typeface="Arial"/>
-                <a:cs typeface="Arial"/>
-              </a:endParaRPr>
             </a:p>
           </p:txBody>
         </p:sp>
@@ -10920,10 +10647,6 @@
                   </a:rPr>
                   <a:t>.</a:t>
                 </a:r>
-                <a:endParaRPr lang="en-US" sz="700" dirty="0">
-                  <a:latin typeface="Arial"/>
-                  <a:cs typeface="Arial"/>
-                </a:endParaRPr>
               </a:p>
             </p:txBody>
           </p:sp>
@@ -10957,10 +10680,6 @@
               </a:rPr>
               <a:t>0</a:t>
             </a:r>
-            <a:endParaRPr lang="en-US" sz="800" dirty="0">
-              <a:latin typeface="Arial"/>
-              <a:cs typeface="Arial"/>
-            </a:endParaRPr>
           </a:p>
         </p:txBody>
       </p:sp>
@@ -10990,19 +10709,8 @@
                 <a:latin typeface="Arial"/>
                 <a:cs typeface="Arial"/>
               </a:rPr>
-              <a:t>3</a:t>
-            </a:r>
-            <a:r>
-              <a:rPr lang="en-US" sz="800" dirty="0">
-                <a:latin typeface="Arial"/>
-                <a:cs typeface="Arial"/>
-              </a:rPr>
-              <a:t>0</a:t>
-            </a:r>
-            <a:endParaRPr lang="en-US" sz="800" dirty="0">
-              <a:latin typeface="Arial"/>
-              <a:cs typeface="Arial"/>
-            </a:endParaRPr>
+              <a:t>30</a:t>
+            </a:r>
           </a:p>
         </p:txBody>
       </p:sp>
@@ -11034,10 +10742,6 @@
               </a:rPr>
               <a:t>90</a:t>
             </a:r>
-            <a:endParaRPr lang="en-US" sz="800" dirty="0">
-              <a:latin typeface="Arial"/>
-              <a:cs typeface="Arial"/>
-            </a:endParaRPr>
           </a:p>
         </p:txBody>
       </p:sp>
@@ -11069,10 +10773,6 @@
               </a:rPr>
               <a:t>180</a:t>
             </a:r>
-            <a:endParaRPr lang="en-US" sz="800" dirty="0">
-              <a:latin typeface="Arial"/>
-              <a:cs typeface="Arial"/>
-            </a:endParaRPr>
           </a:p>
         </p:txBody>
       </p:sp>
@@ -11102,19 +10802,8 @@
                 <a:latin typeface="Arial"/>
                 <a:cs typeface="Arial"/>
               </a:rPr>
-              <a:t>6</a:t>
-            </a:r>
-            <a:r>
-              <a:rPr lang="en-US" sz="800" dirty="0">
-                <a:latin typeface="Arial"/>
-                <a:cs typeface="Arial"/>
-              </a:rPr>
-              <a:t>0</a:t>
-            </a:r>
-            <a:endParaRPr lang="en-US" sz="800" dirty="0">
-              <a:latin typeface="Arial"/>
-              <a:cs typeface="Arial"/>
-            </a:endParaRPr>
+              <a:t>60</a:t>
+            </a:r>
           </a:p>
         </p:txBody>
       </p:sp>
@@ -11146,10 +10835,6 @@
               </a:rPr>
               <a:t>150</a:t>
             </a:r>
-            <a:endParaRPr lang="en-US" sz="800" dirty="0">
-              <a:latin typeface="Arial"/>
-              <a:cs typeface="Arial"/>
-            </a:endParaRPr>
           </a:p>
         </p:txBody>
       </p:sp>
@@ -11181,10 +10866,6 @@
               </a:rPr>
               <a:t>120</a:t>
             </a:r>
-            <a:endParaRPr lang="en-US" sz="800" dirty="0">
-              <a:latin typeface="Arial"/>
-              <a:cs typeface="Arial"/>
-            </a:endParaRPr>
           </a:p>
         </p:txBody>
       </p:sp>
@@ -11216,10 +10897,6 @@
               </a:rPr>
               <a:t>210</a:t>
             </a:r>
-            <a:endParaRPr lang="en-US" sz="800" dirty="0">
-              <a:latin typeface="Arial"/>
-              <a:cs typeface="Arial"/>
-            </a:endParaRPr>
           </a:p>
         </p:txBody>
       </p:sp>
@@ -11251,10 +10928,6 @@
               </a:rPr>
               <a:t>240</a:t>
             </a:r>
-            <a:endParaRPr lang="en-US" sz="800" dirty="0">
-              <a:latin typeface="Arial"/>
-              <a:cs typeface="Arial"/>
-            </a:endParaRPr>
           </a:p>
         </p:txBody>
       </p:sp>
@@ -11284,14 +10957,7 @@
                 <a:latin typeface="Arial"/>
                 <a:cs typeface="Arial"/>
               </a:rPr>
-              <a:t>Figure 1. </a:t>
-            </a:r>
-            <a:r>
-              <a:rPr lang="en-US" sz="1100" b="1" dirty="0">
-                <a:latin typeface="Arial"/>
-                <a:cs typeface="Arial"/>
-              </a:rPr>
-              <a:t>Distinct dynamics in MyD88-dependent and TRIF-dependent pathway, in TLR4 signaling. </a:t>
+              <a:t>Figure 1. Distinct dynamics in MyD88-dependent and TRIF-dependent pathway, in TLR4 signaling. </a:t>
             </a:r>
             <a:r>
               <a:rPr lang="en-US" sz="1100" dirty="0">
@@ -11312,20 +10978,146 @@
                 <a:latin typeface="Arial"/>
                 <a:cs typeface="Arial"/>
               </a:rPr>
+              <a:t>)  The four modules of the model. (</a:t>
+            </a:r>
+            <a:r>
+              <a:rPr lang="en-US" sz="1100" i="1" dirty="0">
+                <a:latin typeface="Arial"/>
+                <a:cs typeface="Arial"/>
+              </a:rPr>
+              <a:t>B</a:t>
+            </a:r>
+            <a:r>
+              <a:rPr lang="en-US" sz="1100" dirty="0">
+                <a:latin typeface="Arial"/>
+                <a:cs typeface="Arial"/>
+              </a:rPr>
               <a:t>) </a:t>
             </a:r>
             <a:r>
+              <a:rPr lang="en-US" sz="1100" i="1" dirty="0">
+                <a:latin typeface="Arial"/>
+                <a:cs typeface="Arial"/>
+              </a:rPr>
+              <a:t>Top: </a:t>
+            </a:r>
+            <a:r>
               <a:rPr lang="en-US" sz="1100" dirty="0">
                 <a:latin typeface="Arial"/>
                 <a:cs typeface="Arial"/>
               </a:rPr>
-              <a:t> The four modules of the model. (</a:t>
+              <a:t>The IKK kinase assay in 1ng/ml and 100ng/ml LPS stimulation for </a:t>
+            </a:r>
+            <a:r>
+              <a:rPr lang="en-US" sz="1100" dirty="0" err="1">
+                <a:latin typeface="Arial"/>
+                <a:cs typeface="Arial"/>
+              </a:rPr>
+              <a:t>wt</a:t>
+            </a:r>
+            <a:r>
+              <a:rPr lang="en-US" sz="1100" dirty="0">
+                <a:latin typeface="Arial"/>
+                <a:cs typeface="Arial"/>
+              </a:rPr>
+              <a:t>, </a:t>
             </a:r>
             <a:r>
               <a:rPr lang="en-US" sz="1100" i="1" dirty="0">
                 <a:latin typeface="Arial"/>
                 <a:cs typeface="Arial"/>
               </a:rPr>
+              <a:t>trif</a:t>
+            </a:r>
+            <a:r>
+              <a:rPr lang="en-US" sz="1100" i="1" baseline="30000" dirty="0">
+                <a:latin typeface="Arial"/>
+                <a:cs typeface="Arial"/>
+              </a:rPr>
+              <a:t>-/-</a:t>
+            </a:r>
+            <a:r>
+              <a:rPr lang="en-US" sz="1100" i="1" dirty="0">
+                <a:latin typeface="Arial"/>
+                <a:cs typeface="Arial"/>
+              </a:rPr>
+              <a:t> </a:t>
+            </a:r>
+            <a:r>
+              <a:rPr lang="en-US" sz="1100" dirty="0">
+                <a:latin typeface="Arial"/>
+                <a:cs typeface="Arial"/>
+              </a:rPr>
+              <a:t>and </a:t>
+            </a:r>
+            <a:r>
+              <a:rPr lang="en-US" sz="1100" i="1" dirty="0">
+                <a:latin typeface="Arial"/>
+                <a:cs typeface="Arial"/>
+              </a:rPr>
+              <a:t>myd88</a:t>
+            </a:r>
+            <a:r>
+              <a:rPr lang="en-US" sz="1100" i="1" baseline="30000" dirty="0">
+                <a:latin typeface="Arial"/>
+                <a:cs typeface="Arial"/>
+              </a:rPr>
+              <a:t>-/-</a:t>
+            </a:r>
+            <a:r>
+              <a:rPr lang="en-US" sz="1100" dirty="0">
+                <a:latin typeface="Arial"/>
+                <a:cs typeface="Arial"/>
+              </a:rPr>
+              <a:t>. </a:t>
+            </a:r>
+            <a:r>
+              <a:rPr lang="en-US" sz="1100" i="1" dirty="0">
+                <a:latin typeface="Arial"/>
+                <a:cs typeface="Arial"/>
+              </a:rPr>
+              <a:t>Middle:</a:t>
+            </a:r>
+            <a:r>
+              <a:rPr lang="en-US" sz="1100" dirty="0">
+                <a:latin typeface="Arial"/>
+                <a:cs typeface="Arial"/>
+              </a:rPr>
+              <a:t> Nuclear NF-κB activity measured by EMSA. </a:t>
+            </a:r>
+            <a:r>
+              <a:rPr lang="en-US" sz="1100" i="1" dirty="0">
+                <a:latin typeface="Arial"/>
+                <a:cs typeface="Arial"/>
+              </a:rPr>
+              <a:t>Bottom: </a:t>
+            </a:r>
+            <a:r>
+              <a:rPr lang="en-US" sz="1100" dirty="0">
+                <a:latin typeface="Arial"/>
+                <a:cs typeface="Arial"/>
+              </a:rPr>
+              <a:t>IRF3 activity measured by nuclear phosphorylation. (</a:t>
+            </a:r>
+            <a:r>
+              <a:rPr lang="en-US" sz="1100" i="1" dirty="0">
+                <a:latin typeface="Arial"/>
+                <a:cs typeface="Arial"/>
+              </a:rPr>
+              <a:t>C-D</a:t>
+            </a:r>
+            <a:r>
+              <a:rPr lang="en-US" sz="1100" dirty="0">
+                <a:latin typeface="Arial"/>
+                <a:cs typeface="Arial"/>
+              </a:rPr>
+              <a:t>) The model’s simulation results against the data quantified from (</a:t>
+            </a:r>
+            <a:r>
+              <a:rPr lang="en-US" sz="1100" i="1" dirty="0">
+                <a:latin typeface="Arial"/>
+                <a:cs typeface="Arial"/>
+              </a:rPr>
               <a:t>B</a:t>
             </a:r>
             <a:r>
@@ -11333,299 +11125,85 @@
                 <a:latin typeface="Arial"/>
                 <a:cs typeface="Arial"/>
               </a:rPr>
-              <a:t>) </a:t>
+              <a:t>). “exp.” stands for experimental measurements; “</a:t>
+            </a:r>
+            <a:r>
+              <a:rPr lang="en-US" sz="1100" dirty="0" err="1">
+                <a:latin typeface="Arial"/>
+                <a:cs typeface="Arial"/>
+              </a:rPr>
+              <a:t>sim</a:t>
+            </a:r>
+            <a:r>
+              <a:rPr lang="en-US" sz="1100" dirty="0">
+                <a:latin typeface="Arial"/>
+                <a:cs typeface="Arial"/>
+              </a:rPr>
+              <a:t>.” stands for simulation result; “</a:t>
+            </a:r>
+            <a:r>
+              <a:rPr lang="en-US" sz="1100" dirty="0" err="1">
+                <a:latin typeface="Arial"/>
+                <a:cs typeface="Arial"/>
+              </a:rPr>
+              <a:t>mko</a:t>
+            </a:r>
+            <a:r>
+              <a:rPr lang="en-US" sz="1100" dirty="0">
+                <a:latin typeface="Arial"/>
+                <a:cs typeface="Arial"/>
+              </a:rPr>
+              <a:t>” stands for </a:t>
             </a:r>
             <a:r>
               <a:rPr lang="en-US" sz="1100" i="1" dirty="0">
                 <a:latin typeface="Arial"/>
                 <a:cs typeface="Arial"/>
               </a:rPr>
-              <a:t>Top: </a:t>
+              <a:t>myd88</a:t>
             </a:r>
             <a:r>
               <a:rPr lang="en-US" sz="1100" dirty="0">
                 <a:latin typeface="Arial"/>
                 <a:cs typeface="Arial"/>
               </a:rPr>
-              <a:t>The </a:t>
+              <a:t> condition; “</a:t>
+            </a:r>
+            <a:r>
+              <a:rPr lang="en-US" sz="1100" dirty="0" err="1">
+                <a:latin typeface="Arial"/>
+                <a:cs typeface="Arial"/>
+              </a:rPr>
+              <a:t>tko</a:t>
             </a:r>
             <a:r>
               <a:rPr lang="en-US" sz="1100" dirty="0">
                 <a:latin typeface="Arial"/>
                 <a:cs typeface="Arial"/>
               </a:rPr>
-              <a:t>IKK kinase assay in 1ng/ml and 100ng/ml LPS stimulation for </a:t>
-            </a:r>
-            <a:r>
-              <a:rPr lang="en-US" sz="1100" dirty="0" err="1">
-                <a:latin typeface="Arial"/>
-                <a:cs typeface="Arial"/>
-              </a:rPr>
-              <a:t>wt</a:t>
+              <a:t>” stands for </a:t>
+            </a:r>
+            <a:r>
+              <a:rPr lang="en-US" sz="1100" i="1" dirty="0">
+                <a:latin typeface="Arial"/>
+                <a:cs typeface="Arial"/>
+              </a:rPr>
+              <a:t>trif</a:t>
+            </a:r>
+            <a:r>
+              <a:rPr lang="en-US" sz="1100" i="1" baseline="30000" dirty="0">
+                <a:latin typeface="Arial"/>
+                <a:cs typeface="Arial"/>
+              </a:rPr>
+              <a:t>-/-</a:t>
             </a:r>
             <a:r>
               <a:rPr lang="en-US" sz="1100" dirty="0">
                 <a:latin typeface="Arial"/>
                 <a:cs typeface="Arial"/>
               </a:rPr>
-              <a:t>, </a:t>
-            </a:r>
-            <a:r>
-              <a:rPr lang="en-US" sz="1100" i="1" dirty="0">
-                <a:latin typeface="Arial"/>
-                <a:cs typeface="Arial"/>
-              </a:rPr>
-              <a:t>trif</a:t>
-            </a:r>
-            <a:r>
-              <a:rPr lang="en-US" sz="1100" i="1" baseline="30000" dirty="0">
-                <a:latin typeface="Arial"/>
-                <a:cs typeface="Arial"/>
-              </a:rPr>
-              <a:t>-/-</a:t>
-            </a:r>
-            <a:r>
-              <a:rPr lang="en-US" sz="1100" i="1" dirty="0">
-                <a:latin typeface="Arial"/>
-                <a:cs typeface="Arial"/>
-              </a:rPr>
-              <a:t> </a:t>
-            </a:r>
-            <a:r>
-              <a:rPr lang="en-US" sz="1100" dirty="0">
-                <a:latin typeface="Arial"/>
-                <a:cs typeface="Arial"/>
-              </a:rPr>
-              <a:t>and </a:t>
-            </a:r>
-            <a:r>
-              <a:rPr lang="en-US" sz="1100" i="1" dirty="0">
-                <a:latin typeface="Arial"/>
-                <a:cs typeface="Arial"/>
-              </a:rPr>
-              <a:t>myd88</a:t>
-            </a:r>
-            <a:r>
-              <a:rPr lang="en-US" sz="1100" i="1" baseline="30000" dirty="0">
-                <a:latin typeface="Arial"/>
-                <a:cs typeface="Arial"/>
-              </a:rPr>
-              <a:t>-/-</a:t>
-            </a:r>
-            <a:r>
-              <a:rPr lang="en-US" sz="1100" dirty="0">
-                <a:latin typeface="Arial"/>
-                <a:cs typeface="Arial"/>
-              </a:rPr>
-              <a:t>. </a:t>
-            </a:r>
-            <a:r>
-              <a:rPr lang="en-US" sz="1100" i="1" dirty="0">
-                <a:latin typeface="Arial"/>
-                <a:cs typeface="Arial"/>
-              </a:rPr>
-              <a:t>Middle:</a:t>
-            </a:r>
-            <a:r>
-              <a:rPr lang="en-US" sz="1100" dirty="0">
-                <a:latin typeface="Arial"/>
-                <a:cs typeface="Arial"/>
-              </a:rPr>
-              <a:t> </a:t>
-            </a:r>
-            <a:r>
-              <a:rPr lang="en-US" sz="1100" dirty="0">
-                <a:latin typeface="Arial"/>
-                <a:cs typeface="Arial"/>
-              </a:rPr>
-              <a:t>Nuclear NF-κB activity </a:t>
-            </a:r>
-            <a:r>
-              <a:rPr lang="en-US" sz="1100" dirty="0">
-                <a:latin typeface="Arial"/>
-                <a:cs typeface="Arial"/>
-              </a:rPr>
-              <a:t>measured </a:t>
-            </a:r>
-            <a:r>
-              <a:rPr lang="en-US" sz="1100" dirty="0">
-                <a:latin typeface="Arial"/>
-                <a:cs typeface="Arial"/>
-              </a:rPr>
-              <a:t>by </a:t>
-            </a:r>
-            <a:r>
-              <a:rPr lang="en-US" sz="1100" dirty="0">
-                <a:latin typeface="Arial"/>
-                <a:cs typeface="Arial"/>
-              </a:rPr>
-              <a:t>EMSA. </a:t>
-            </a:r>
-            <a:r>
-              <a:rPr lang="en-US" sz="1100" i="1" dirty="0">
-                <a:latin typeface="Arial"/>
-                <a:cs typeface="Arial"/>
-              </a:rPr>
-              <a:t>Bottom: </a:t>
-            </a:r>
-            <a:r>
-              <a:rPr lang="en-US" sz="1100" dirty="0">
-                <a:latin typeface="Arial"/>
-                <a:cs typeface="Arial"/>
-              </a:rPr>
-              <a:t>IRF3 </a:t>
-            </a:r>
-            <a:r>
-              <a:rPr lang="en-US" sz="1100" dirty="0">
-                <a:latin typeface="Arial"/>
-                <a:cs typeface="Arial"/>
-              </a:rPr>
-              <a:t>activity </a:t>
-            </a:r>
-            <a:r>
-              <a:rPr lang="en-US" sz="1100" dirty="0">
-                <a:latin typeface="Arial"/>
-                <a:cs typeface="Arial"/>
-              </a:rPr>
-              <a:t>measured </a:t>
-            </a:r>
-            <a:r>
-              <a:rPr lang="en-US" sz="1100" dirty="0">
-                <a:latin typeface="Arial"/>
-                <a:cs typeface="Arial"/>
-              </a:rPr>
-              <a:t>by nuclear </a:t>
-            </a:r>
-            <a:r>
-              <a:rPr lang="en-US" sz="1100" dirty="0">
-                <a:latin typeface="Arial"/>
-                <a:cs typeface="Arial"/>
-              </a:rPr>
-              <a:t>phosphorylation. </a:t>
-            </a:r>
-            <a:r>
-              <a:rPr lang="en-US" sz="1100" dirty="0">
-                <a:latin typeface="Arial"/>
-                <a:cs typeface="Arial"/>
-              </a:rPr>
-              <a:t>(</a:t>
-            </a:r>
-            <a:r>
-              <a:rPr lang="en-US" sz="1100" i="1" dirty="0">
-                <a:latin typeface="Arial"/>
-                <a:cs typeface="Arial"/>
-              </a:rPr>
-              <a:t>C-D</a:t>
-            </a:r>
-            <a:r>
-              <a:rPr lang="en-US" sz="1100" dirty="0">
-                <a:latin typeface="Arial"/>
-                <a:cs typeface="Arial"/>
-              </a:rPr>
-              <a:t>) The model’s simulation results against the data quantified from </a:t>
-            </a:r>
-            <a:r>
-              <a:rPr lang="en-US" sz="1100" dirty="0">
-                <a:latin typeface="Arial"/>
-                <a:cs typeface="Arial"/>
-              </a:rPr>
-              <a:t>(</a:t>
-            </a:r>
-            <a:r>
-              <a:rPr lang="en-US" sz="1100" i="1" dirty="0">
-                <a:latin typeface="Arial"/>
-                <a:cs typeface="Arial"/>
-              </a:rPr>
-              <a:t>B</a:t>
-            </a:r>
-            <a:r>
-              <a:rPr lang="en-US" sz="1100" dirty="0">
-                <a:latin typeface="Arial"/>
-                <a:cs typeface="Arial"/>
-              </a:rPr>
-              <a:t>). “exp.” stands for experimental measurements; “</a:t>
-            </a:r>
-            <a:r>
-              <a:rPr lang="en-US" sz="1100" dirty="0" err="1">
-                <a:latin typeface="Arial"/>
-                <a:cs typeface="Arial"/>
-              </a:rPr>
-              <a:t>sim</a:t>
-            </a:r>
-            <a:r>
-              <a:rPr lang="en-US" sz="1100" dirty="0">
-                <a:latin typeface="Arial"/>
-                <a:cs typeface="Arial"/>
-              </a:rPr>
-              <a:t>.” stands for simulation result; “</a:t>
-            </a:r>
-            <a:r>
-              <a:rPr lang="en-US" sz="1100" dirty="0" err="1">
-                <a:latin typeface="Arial"/>
-                <a:cs typeface="Arial"/>
-              </a:rPr>
-              <a:t>mko</a:t>
-            </a:r>
-            <a:r>
-              <a:rPr lang="en-US" sz="1100" dirty="0">
-                <a:latin typeface="Arial"/>
-                <a:cs typeface="Arial"/>
-              </a:rPr>
-              <a:t>” stands for </a:t>
-            </a:r>
-            <a:r>
-              <a:rPr lang="en-US" sz="1100" i="1" dirty="0">
-                <a:latin typeface="Arial"/>
-                <a:cs typeface="Arial"/>
-              </a:rPr>
-              <a:t>myd88</a:t>
-            </a:r>
-            <a:r>
-              <a:rPr lang="en-US" sz="1100" dirty="0">
-                <a:latin typeface="Arial"/>
-                <a:cs typeface="Arial"/>
-              </a:rPr>
-              <a:t> condition; “</a:t>
-            </a:r>
-            <a:r>
-              <a:rPr lang="en-US" sz="1100" dirty="0" err="1">
-                <a:latin typeface="Arial"/>
-                <a:cs typeface="Arial"/>
-              </a:rPr>
-              <a:t>tko</a:t>
-            </a:r>
-            <a:r>
-              <a:rPr lang="en-US" sz="1100" dirty="0">
-                <a:latin typeface="Arial"/>
-                <a:cs typeface="Arial"/>
-              </a:rPr>
-              <a:t>” stands for </a:t>
-            </a:r>
-            <a:r>
-              <a:rPr lang="en-US" sz="1100" i="1" dirty="0">
-                <a:latin typeface="Arial"/>
-                <a:cs typeface="Arial"/>
-              </a:rPr>
-              <a:t>trif</a:t>
-            </a:r>
-            <a:r>
-              <a:rPr lang="en-US" sz="1100" i="1" baseline="30000" dirty="0">
-                <a:latin typeface="Arial"/>
-                <a:cs typeface="Arial"/>
-              </a:rPr>
-              <a:t>-/-</a:t>
-            </a:r>
-            <a:r>
-              <a:rPr lang="en-US" sz="1100" dirty="0">
-                <a:latin typeface="Arial"/>
-                <a:cs typeface="Arial"/>
-              </a:rPr>
               <a:t>condition. </a:t>
             </a:r>
-            <a:endParaRPr lang="en-US" sz="1100" dirty="0">
-              <a:latin typeface="Arial"/>
-              <a:cs typeface="Arial"/>
-            </a:endParaRPr>
           </a:p>
         </p:txBody>
       </p:sp>
@@ -11713,10 +11291,6 @@
               </a:rPr>
               <a:t>0</a:t>
             </a:r>
-            <a:endParaRPr lang="en-US" sz="800" dirty="0">
-              <a:latin typeface="Arial"/>
-              <a:cs typeface="Arial"/>
-            </a:endParaRPr>
           </a:p>
         </p:txBody>
       </p:sp>
@@ -11748,10 +11322,6 @@
               </a:rPr>
               <a:t>20</a:t>
             </a:r>
-            <a:endParaRPr lang="en-US" sz="800" dirty="0">
-              <a:latin typeface="Arial"/>
-              <a:cs typeface="Arial"/>
-            </a:endParaRPr>
           </a:p>
         </p:txBody>
       </p:sp>
@@ -11783,10 +11353,6 @@
               </a:rPr>
               <a:t>60</a:t>
             </a:r>
-            <a:endParaRPr lang="en-US" sz="800" dirty="0">
-              <a:latin typeface="Arial"/>
-              <a:cs typeface="Arial"/>
-            </a:endParaRPr>
           </a:p>
         </p:txBody>
       </p:sp>
@@ -11818,10 +11384,6 @@
               </a:rPr>
               <a:t>120</a:t>
             </a:r>
-            <a:endParaRPr lang="en-US" sz="800" dirty="0">
-              <a:latin typeface="Arial"/>
-              <a:cs typeface="Arial"/>
-            </a:endParaRPr>
           </a:p>
         </p:txBody>
       </p:sp>
@@ -11853,10 +11415,6 @@
               </a:rPr>
               <a:t>40</a:t>
             </a:r>
-            <a:endParaRPr lang="en-US" sz="800" dirty="0">
-              <a:latin typeface="Arial"/>
-              <a:cs typeface="Arial"/>
-            </a:endParaRPr>
           </a:p>
         </p:txBody>
       </p:sp>
@@ -11888,10 +11446,6 @@
               </a:rPr>
               <a:t>100</a:t>
             </a:r>
-            <a:endParaRPr lang="en-US" sz="800" dirty="0">
-              <a:latin typeface="Arial"/>
-              <a:cs typeface="Arial"/>
-            </a:endParaRPr>
           </a:p>
         </p:txBody>
       </p:sp>
@@ -11921,19 +11475,8 @@
                 <a:latin typeface="Arial"/>
                 <a:cs typeface="Arial"/>
               </a:rPr>
-              <a:t>8</a:t>
-            </a:r>
-            <a:r>
-              <a:rPr lang="en-US" sz="800" dirty="0">
-                <a:latin typeface="Arial"/>
-                <a:cs typeface="Arial"/>
-              </a:rPr>
-              <a:t>0</a:t>
-            </a:r>
-            <a:endParaRPr lang="en-US" sz="800" dirty="0">
-              <a:latin typeface="Arial"/>
-              <a:cs typeface="Arial"/>
-            </a:endParaRPr>
+              <a:t>80</a:t>
+            </a:r>
           </a:p>
         </p:txBody>
       </p:sp>
@@ -11965,10 +11508,6 @@
               </a:rPr>
               <a:t>Time (min)</a:t>
             </a:r>
-            <a:endParaRPr lang="en-US" sz="800" dirty="0">
-              <a:latin typeface="Arial"/>
-              <a:cs typeface="Arial"/>
-            </a:endParaRPr>
           </a:p>
         </p:txBody>
       </p:sp>
@@ -12000,10 +11539,6 @@
               </a:rPr>
               <a:t>0.8</a:t>
             </a:r>
-            <a:endParaRPr lang="en-US" sz="800" dirty="0">
-              <a:latin typeface="Arial"/>
-              <a:cs typeface="Arial"/>
-            </a:endParaRPr>
           </a:p>
         </p:txBody>
       </p:sp>
@@ -12035,10 +11570,6 @@
               </a:rPr>
               <a:t>0.4</a:t>
             </a:r>
-            <a:endParaRPr lang="en-US" sz="800" dirty="0">
-              <a:latin typeface="Arial"/>
-              <a:cs typeface="Arial"/>
-            </a:endParaRPr>
           </a:p>
         </p:txBody>
       </p:sp>
@@ -12070,10 +11601,6 @@
               </a:rPr>
               <a:t>0</a:t>
             </a:r>
-            <a:endParaRPr lang="en-US" sz="800" dirty="0">
-              <a:latin typeface="Arial"/>
-              <a:cs typeface="Arial"/>
-            </a:endParaRPr>
           </a:p>
         </p:txBody>
       </p:sp>
@@ -12222,10 +11749,6 @@
                 </a:rPr>
                 <a:t> exp.</a:t>
               </a:r>
-              <a:endParaRPr lang="en-US" sz="700" dirty="0">
-                <a:latin typeface="Arial"/>
-                <a:cs typeface="Arial"/>
-              </a:endParaRPr>
             </a:p>
           </p:txBody>
         </p:sp>
@@ -12311,10 +11834,6 @@
                 </a:rPr>
                 <a:t> exp.</a:t>
               </a:r>
-              <a:endParaRPr lang="en-US" sz="700" dirty="0">
-                <a:latin typeface="Arial"/>
-                <a:cs typeface="Arial"/>
-              </a:endParaRPr>
             </a:p>
           </p:txBody>
         </p:sp>
@@ -12477,10 +11996,6 @@
                 </a:rPr>
                 <a:t>.</a:t>
               </a:r>
-              <a:endParaRPr lang="en-US" sz="700" dirty="0">
-                <a:latin typeface="Arial"/>
-                <a:cs typeface="Arial"/>
-              </a:endParaRPr>
             </a:p>
           </p:txBody>
         </p:sp>
@@ -12510,14 +12025,7 @@
                   <a:latin typeface="Arial"/>
                   <a:cs typeface="Arial"/>
                 </a:rPr>
-                <a:t>t</a:t>
-              </a:r>
-              <a:r>
-                <a:rPr lang="en-US" altLang="zh-CN" sz="700" dirty="0" err="1">
-                  <a:latin typeface="Arial"/>
-                  <a:cs typeface="Arial"/>
-                </a:rPr>
-                <a:t>ko</a:t>
+                <a:t>tko</a:t>
               </a:r>
               <a:r>
                 <a:rPr lang="en-US" altLang="zh-CN" sz="700" dirty="0">
@@ -12596,10 +12104,6 @@
                 </a:rPr>
                 <a:t>.</a:t>
               </a:r>
-              <a:endParaRPr lang="en-US" sz="700" dirty="0">
-                <a:latin typeface="Arial"/>
-                <a:cs typeface="Arial"/>
-              </a:endParaRPr>
             </a:p>
           </p:txBody>
         </p:sp>
@@ -13071,21 +12575,7 @@
                 <a:latin typeface="Arial"/>
                 <a:cs typeface="Arial"/>
               </a:rPr>
-              <a:t>Figure </a:t>
-            </a:r>
-            <a:r>
-              <a:rPr lang="en-US" sz="1100" b="1" dirty="0">
-                <a:latin typeface="Arial"/>
-                <a:cs typeface="Arial"/>
-              </a:rPr>
-              <a:t>S5. </a:t>
-            </a:r>
-            <a:r>
-              <a:rPr lang="en-US" sz="1100" b="1" dirty="0">
-                <a:latin typeface="Arial"/>
-                <a:cs typeface="Arial"/>
-              </a:rPr>
-              <a:t>Sensitivity analysis of the NF-κB response time. </a:t>
+              <a:t>Figure S5. Sensitivity analysis of the NF-κB response time. </a:t>
             </a:r>
             <a:r>
               <a:rPr lang="en-US" sz="1100" dirty="0">
@@ -13205,15 +12695,23 @@
                 <a:ea typeface="宋体"/>
                 <a:cs typeface="Arial"/>
               </a:rPr>
-              <a:t>Figure </a:t>
-            </a:r>
-            <a:r>
-              <a:rPr lang="en-US" sz="1100" b="1" dirty="0">
+              <a:t>Figure S6. Stochasticity in activation of TRIF-dependent pathway is responsible for the two clusters of LPS responses; Variability in MyD88-dependent pathway contributes to the heterogeneity in the peak response time. </a:t>
+            </a:r>
+            <a:r>
+              <a:rPr lang="en-US" sz="1100" dirty="0">
                 <a:latin typeface="Arial"/>
                 <a:ea typeface="宋体"/>
                 <a:cs typeface="Arial"/>
               </a:rPr>
-              <a:t>S6. Stochasticity in activation of TRIF-dependent pathway is responsible for the two clusters of LPS responses; Variability in MyD88-dependent pathway contributes to the heterogeneity in the peak response time. </a:t>
+              <a:t>Heat-map of the 200 simulations when randomized the fraction of activation in MyD88 activation (</a:t>
+            </a:r>
+            <a:r>
+              <a:rPr lang="en-US" sz="1100" i="1" dirty="0">
+                <a:latin typeface="Arial"/>
+                <a:ea typeface="宋体"/>
+                <a:cs typeface="Arial"/>
+              </a:rPr>
+              <a:t>B</a:t>
             </a:r>
             <a:r>
               <a:rPr lang="en-US" sz="1100" dirty="0">
@@ -13221,7 +12719,7 @@
                 <a:ea typeface="宋体"/>
                 <a:cs typeface="Arial"/>
               </a:rPr>
-              <a:t>Heat-map of the 200 simulations when randomized the fraction of activation in MyD88 activation (</a:t>
+              <a:t>) or TRIF activation (</a:t>
             </a:r>
             <a:r>
               <a:rPr lang="en-US" sz="1100" i="1" dirty="0">
@@ -13229,31 +12727,7 @@
                 <a:ea typeface="宋体"/>
                 <a:cs typeface="Arial"/>
               </a:rPr>
-              <a:t>B</a:t>
-            </a:r>
-            <a:r>
-              <a:rPr lang="en-US" sz="1100" dirty="0">
-                <a:latin typeface="Arial"/>
-                <a:ea typeface="宋体"/>
-                <a:cs typeface="Arial"/>
-              </a:rPr>
-              <a:t>) or TRIF activation (</a:t>
-            </a:r>
-            <a:r>
-              <a:rPr lang="en-US" sz="1100" i="1" dirty="0">
-                <a:latin typeface="Arial"/>
-                <a:ea typeface="宋体"/>
-                <a:cs typeface="Arial"/>
-              </a:rPr>
-              <a:t>C</a:t>
-            </a:r>
-            <a:r>
-              <a:rPr lang="en-US" sz="1100" i="1" dirty="0">
-                <a:latin typeface="Arial"/>
-                <a:ea typeface="宋体"/>
-                <a:cs typeface="Arial"/>
-              </a:rPr>
-              <a:t>, right</a:t>
+              <a:t>C, right</a:t>
             </a:r>
             <a:r>
               <a:rPr lang="en-US" sz="1100" dirty="0">
@@ -16030,10 +15504,6 @@
               </a:rPr>
               <a:t>0.12</a:t>
             </a:r>
-            <a:endParaRPr lang="en-US" sz="900" dirty="0">
-              <a:latin typeface="Arial"/>
-              <a:cs typeface="Arial"/>
-            </a:endParaRPr>
           </a:p>
         </p:txBody>
       </p:sp>
@@ -16065,10 +15535,6 @@
               </a:rPr>
               <a:t>0.1</a:t>
             </a:r>
-            <a:endParaRPr lang="en-US" sz="900" dirty="0">
-              <a:latin typeface="Arial"/>
-              <a:cs typeface="Arial"/>
-            </a:endParaRPr>
           </a:p>
         </p:txBody>
       </p:sp>
@@ -16100,10 +15566,6 @@
               </a:rPr>
               <a:t>0.08</a:t>
             </a:r>
-            <a:endParaRPr lang="en-US" sz="900" dirty="0">
-              <a:latin typeface="Arial"/>
-              <a:cs typeface="Arial"/>
-            </a:endParaRPr>
           </a:p>
         </p:txBody>
       </p:sp>
@@ -16135,10 +15597,6 @@
               </a:rPr>
               <a:t>0.06</a:t>
             </a:r>
-            <a:endParaRPr lang="en-US" sz="900" dirty="0">
-              <a:latin typeface="Arial"/>
-              <a:cs typeface="Arial"/>
-            </a:endParaRPr>
           </a:p>
         </p:txBody>
       </p:sp>
@@ -16170,10 +15628,6 @@
               </a:rPr>
               <a:t>0.04</a:t>
             </a:r>
-            <a:endParaRPr lang="en-US" sz="900" dirty="0">
-              <a:latin typeface="Arial"/>
-              <a:cs typeface="Arial"/>
-            </a:endParaRPr>
           </a:p>
         </p:txBody>
       </p:sp>
@@ -16205,10 +15659,6 @@
               </a:rPr>
               <a:t>0.02</a:t>
             </a:r>
-            <a:endParaRPr lang="en-US" sz="900" dirty="0">
-              <a:latin typeface="Arial"/>
-              <a:cs typeface="Arial"/>
-            </a:endParaRPr>
           </a:p>
         </p:txBody>
       </p:sp>
@@ -16240,10 +15690,6 @@
               </a:rPr>
               <a:t>0</a:t>
             </a:r>
-            <a:endParaRPr lang="en-US" sz="900" dirty="0">
-              <a:latin typeface="Arial"/>
-              <a:cs typeface="Arial"/>
-            </a:endParaRPr>
           </a:p>
         </p:txBody>
       </p:sp>
@@ -16275,10 +15721,6 @@
               </a:rPr>
               <a:t>0</a:t>
             </a:r>
-            <a:endParaRPr lang="en-US" sz="900" dirty="0">
-              <a:latin typeface="Arial"/>
-              <a:cs typeface="Arial"/>
-            </a:endParaRPr>
           </a:p>
         </p:txBody>
       </p:sp>
@@ -16310,10 +15752,6 @@
               </a:rPr>
               <a:t>60</a:t>
             </a:r>
-            <a:endParaRPr lang="en-US" sz="900" dirty="0">
-              <a:latin typeface="Arial"/>
-              <a:cs typeface="Arial"/>
-            </a:endParaRPr>
           </a:p>
         </p:txBody>
       </p:sp>
@@ -16345,10 +15783,6 @@
               </a:rPr>
               <a:t>120</a:t>
             </a:r>
-            <a:endParaRPr lang="en-US" sz="900" dirty="0">
-              <a:latin typeface="Arial"/>
-              <a:cs typeface="Arial"/>
-            </a:endParaRPr>
           </a:p>
         </p:txBody>
       </p:sp>
@@ -16380,10 +15814,6 @@
               </a:rPr>
               <a:t>180</a:t>
             </a:r>
-            <a:endParaRPr lang="en-US" sz="900" dirty="0">
-              <a:latin typeface="Arial"/>
-              <a:cs typeface="Arial"/>
-            </a:endParaRPr>
           </a:p>
         </p:txBody>
       </p:sp>
@@ -16415,10 +15845,6 @@
               </a:rPr>
               <a:t>240</a:t>
             </a:r>
-            <a:endParaRPr lang="en-US" sz="900" dirty="0">
-              <a:latin typeface="Arial"/>
-              <a:cs typeface="Arial"/>
-            </a:endParaRPr>
           </a:p>
         </p:txBody>
       </p:sp>
@@ -16558,10 +15984,6 @@
               </a:rPr>
               <a:t>Both</a:t>
             </a:r>
-            <a:endParaRPr lang="en-US" sz="900" dirty="0">
-              <a:latin typeface="Arial"/>
-              <a:cs typeface="Arial"/>
-            </a:endParaRPr>
           </a:p>
         </p:txBody>
       </p:sp>
@@ -16593,10 +16015,6 @@
               </a:rPr>
               <a:t>TRIF pathway</a:t>
             </a:r>
-            <a:endParaRPr lang="en-US" sz="900" dirty="0">
-              <a:latin typeface="Arial"/>
-              <a:cs typeface="Arial"/>
-            </a:endParaRPr>
           </a:p>
         </p:txBody>
       </p:sp>
@@ -16628,10 +16046,6 @@
               </a:rPr>
               <a:t>MyD88 pathway</a:t>
             </a:r>
-            <a:endParaRPr lang="en-US" sz="900" dirty="0">
-              <a:latin typeface="Arial"/>
-              <a:cs typeface="Arial"/>
-            </a:endParaRPr>
           </a:p>
         </p:txBody>
       </p:sp>
@@ -16702,10 +16116,6 @@
               </a:rPr>
               <a:t>Time (min)</a:t>
             </a:r>
-            <a:endParaRPr lang="en-US" sz="900" dirty="0">
-              <a:latin typeface="Arial"/>
-              <a:cs typeface="Arial"/>
-            </a:endParaRPr>
           </a:p>
         </p:txBody>
       </p:sp>
@@ -16822,10 +16232,6 @@
               </a:rPr>
               <a:t>120</a:t>
             </a:r>
-            <a:endParaRPr lang="en-US" sz="900" dirty="0">
-              <a:latin typeface="Arial"/>
-              <a:cs typeface="Arial"/>
-            </a:endParaRPr>
           </a:p>
         </p:txBody>
       </p:sp>
@@ -16857,10 +16263,6 @@
               </a:rPr>
               <a:t>60</a:t>
             </a:r>
-            <a:endParaRPr lang="en-US" sz="900" dirty="0">
-              <a:latin typeface="Arial"/>
-              <a:cs typeface="Arial"/>
-            </a:endParaRPr>
           </a:p>
         </p:txBody>
       </p:sp>
@@ -16892,10 +16294,6 @@
               </a:rPr>
               <a:t>0</a:t>
             </a:r>
-            <a:endParaRPr lang="en-US" sz="900" dirty="0">
-              <a:latin typeface="Arial"/>
-              <a:cs typeface="Arial"/>
-            </a:endParaRPr>
           </a:p>
         </p:txBody>
       </p:sp>
@@ -16927,10 +16325,6 @@
               </a:rPr>
               <a:t>240</a:t>
             </a:r>
-            <a:endParaRPr lang="en-US" sz="900" dirty="0">
-              <a:latin typeface="Arial"/>
-              <a:cs typeface="Arial"/>
-            </a:endParaRPr>
           </a:p>
         </p:txBody>
       </p:sp>
@@ -16962,10 +16356,6 @@
               </a:rPr>
               <a:t>180</a:t>
             </a:r>
-            <a:endParaRPr lang="en-US" sz="900" dirty="0">
-              <a:latin typeface="Arial"/>
-              <a:cs typeface="Arial"/>
-            </a:endParaRPr>
           </a:p>
         </p:txBody>
       </p:sp>
@@ -17004,10 +16394,6 @@
               </a:rPr>
               <a:t>-1</a:t>
             </a:r>
-            <a:endParaRPr lang="en-US" sz="900" baseline="30000" dirty="0">
-              <a:latin typeface="Arial"/>
-              <a:cs typeface="Arial"/>
-            </a:endParaRPr>
           </a:p>
         </p:txBody>
       </p:sp>
@@ -17046,10 +16432,6 @@
               </a:rPr>
               <a:t>0</a:t>
             </a:r>
-            <a:endParaRPr lang="en-US" sz="900" baseline="30000" dirty="0">
-              <a:latin typeface="Arial"/>
-              <a:cs typeface="Arial"/>
-            </a:endParaRPr>
           </a:p>
         </p:txBody>
       </p:sp>
@@ -17088,10 +16470,6 @@
               </a:rPr>
               <a:t>1</a:t>
             </a:r>
-            <a:endParaRPr lang="en-US" sz="900" baseline="30000" dirty="0">
-              <a:latin typeface="Arial"/>
-              <a:cs typeface="Arial"/>
-            </a:endParaRPr>
           </a:p>
         </p:txBody>
       </p:sp>
@@ -17130,10 +16508,6 @@
               </a:rPr>
               <a:t>2</a:t>
             </a:r>
-            <a:endParaRPr lang="en-US" sz="900" baseline="30000" dirty="0">
-              <a:latin typeface="Arial"/>
-              <a:cs typeface="Arial"/>
-            </a:endParaRPr>
           </a:p>
         </p:txBody>
       </p:sp>
@@ -17165,10 +16539,6 @@
               </a:rPr>
               <a:t>LPS dose (ng/ml)</a:t>
             </a:r>
-            <a:endParaRPr lang="en-US" sz="900" dirty="0">
-              <a:latin typeface="Arial"/>
-              <a:cs typeface="Arial"/>
-            </a:endParaRPr>
           </a:p>
         </p:txBody>
       </p:sp>
@@ -17262,19 +16632,8 @@
                 <a:latin typeface="Arial"/>
                 <a:cs typeface="Arial"/>
               </a:rPr>
-              <a:t>3</a:t>
-            </a:r>
-            <a:r>
-              <a:rPr lang="en-US" sz="900" dirty="0">
-                <a:latin typeface="Arial"/>
-                <a:cs typeface="Arial"/>
-              </a:rPr>
-              <a:t>0</a:t>
-            </a:r>
-            <a:endParaRPr lang="en-US" sz="900" dirty="0">
-              <a:latin typeface="Arial"/>
-              <a:cs typeface="Arial"/>
-            </a:endParaRPr>
+              <a:t>30</a:t>
+            </a:r>
           </a:p>
         </p:txBody>
       </p:sp>
@@ -17304,19 +16663,8 @@
                 <a:latin typeface="Arial"/>
                 <a:cs typeface="Arial"/>
               </a:rPr>
-              <a:t>1</a:t>
-            </a:r>
-            <a:r>
-              <a:rPr lang="en-US" sz="900" dirty="0">
-                <a:latin typeface="Arial"/>
-                <a:cs typeface="Arial"/>
-              </a:rPr>
-              <a:t>0</a:t>
-            </a:r>
-            <a:endParaRPr lang="en-US" sz="900" dirty="0">
-              <a:latin typeface="Arial"/>
-              <a:cs typeface="Arial"/>
-            </a:endParaRPr>
+              <a:t>10</a:t>
+            </a:r>
           </a:p>
         </p:txBody>
       </p:sp>
@@ -17348,10 +16696,6 @@
               </a:rPr>
               <a:t>0</a:t>
             </a:r>
-            <a:endParaRPr lang="en-US" sz="900" dirty="0">
-              <a:latin typeface="Arial"/>
-              <a:cs typeface="Arial"/>
-            </a:endParaRPr>
           </a:p>
         </p:txBody>
       </p:sp>
@@ -17381,19 +16725,8 @@
                 <a:latin typeface="Arial"/>
                 <a:cs typeface="Arial"/>
               </a:rPr>
-              <a:t>6</a:t>
-            </a:r>
-            <a:r>
-              <a:rPr lang="en-US" sz="900" dirty="0">
-                <a:latin typeface="Arial"/>
-                <a:cs typeface="Arial"/>
-              </a:rPr>
-              <a:t>0</a:t>
-            </a:r>
-            <a:endParaRPr lang="en-US" sz="900" dirty="0">
-              <a:latin typeface="Arial"/>
-              <a:cs typeface="Arial"/>
-            </a:endParaRPr>
+              <a:t>60</a:t>
+            </a:r>
           </a:p>
         </p:txBody>
       </p:sp>
@@ -17432,10 +16765,6 @@
               </a:rPr>
               <a:t>-1</a:t>
             </a:r>
-            <a:endParaRPr lang="en-US" sz="900" baseline="30000" dirty="0">
-              <a:latin typeface="Arial"/>
-              <a:cs typeface="Arial"/>
-            </a:endParaRPr>
           </a:p>
         </p:txBody>
       </p:sp>
@@ -17474,10 +16803,6 @@
               </a:rPr>
               <a:t>0</a:t>
             </a:r>
-            <a:endParaRPr lang="en-US" sz="900" baseline="30000" dirty="0">
-              <a:latin typeface="Arial"/>
-              <a:cs typeface="Arial"/>
-            </a:endParaRPr>
           </a:p>
         </p:txBody>
       </p:sp>
@@ -17516,10 +16841,6 @@
               </a:rPr>
               <a:t>1</a:t>
             </a:r>
-            <a:endParaRPr lang="en-US" sz="900" baseline="30000" dirty="0">
-              <a:latin typeface="Arial"/>
-              <a:cs typeface="Arial"/>
-            </a:endParaRPr>
           </a:p>
         </p:txBody>
       </p:sp>
@@ -17558,10 +16879,6 @@
               </a:rPr>
               <a:t>2</a:t>
             </a:r>
-            <a:endParaRPr lang="en-US" sz="900" baseline="30000" dirty="0">
-              <a:latin typeface="Arial"/>
-              <a:cs typeface="Arial"/>
-            </a:endParaRPr>
           </a:p>
         </p:txBody>
       </p:sp>
@@ -17593,10 +16910,6 @@
               </a:rPr>
               <a:t>LPS dose (ng/ml)</a:t>
             </a:r>
-            <a:endParaRPr lang="en-US" sz="900" dirty="0">
-              <a:latin typeface="Arial"/>
-              <a:cs typeface="Arial"/>
-            </a:endParaRPr>
           </a:p>
         </p:txBody>
       </p:sp>
@@ -17724,10 +17037,6 @@
               </a:rPr>
               <a:t>LPS dose (ng/ml)</a:t>
             </a:r>
-            <a:endParaRPr lang="en-US" sz="900" dirty="0">
-              <a:latin typeface="Arial"/>
-              <a:cs typeface="Arial"/>
-            </a:endParaRPr>
           </a:p>
         </p:txBody>
       </p:sp>
@@ -17997,10 +17306,6 @@
               </a:rPr>
               <a:t>20</a:t>
             </a:r>
-            <a:endParaRPr lang="en-US" sz="900" dirty="0">
-              <a:latin typeface="Arial"/>
-              <a:cs typeface="Arial"/>
-            </a:endParaRPr>
           </a:p>
         </p:txBody>
       </p:sp>
@@ -18032,10 +17337,6 @@
               </a:rPr>
               <a:t>40</a:t>
             </a:r>
-            <a:endParaRPr lang="en-US" sz="900" dirty="0">
-              <a:latin typeface="Arial"/>
-              <a:cs typeface="Arial"/>
-            </a:endParaRPr>
           </a:p>
         </p:txBody>
       </p:sp>
@@ -18065,19 +17366,8 @@
                 <a:latin typeface="Arial"/>
                 <a:cs typeface="Arial"/>
               </a:rPr>
-              <a:t>5</a:t>
-            </a:r>
-            <a:r>
-              <a:rPr lang="en-US" sz="900" dirty="0">
-                <a:latin typeface="Arial"/>
-                <a:cs typeface="Arial"/>
-              </a:rPr>
-              <a:t>0</a:t>
-            </a:r>
-            <a:endParaRPr lang="en-US" sz="900" dirty="0">
-              <a:latin typeface="Arial"/>
-              <a:cs typeface="Arial"/>
-            </a:endParaRPr>
+              <a:t>50</a:t>
+            </a:r>
           </a:p>
         </p:txBody>
       </p:sp>
@@ -18107,19 +17397,8 @@
                 <a:latin typeface="Arial"/>
                 <a:cs typeface="Arial"/>
               </a:rPr>
-              <a:t>3</a:t>
-            </a:r>
-            <a:r>
-              <a:rPr lang="en-US" sz="900" dirty="0">
-                <a:latin typeface="Arial"/>
-                <a:cs typeface="Arial"/>
-              </a:rPr>
-              <a:t>0</a:t>
-            </a:r>
-            <a:endParaRPr lang="en-US" sz="900" dirty="0">
-              <a:latin typeface="Arial"/>
-              <a:cs typeface="Arial"/>
-            </a:endParaRPr>
+              <a:t>30</a:t>
+            </a:r>
           </a:p>
         </p:txBody>
       </p:sp>
@@ -18149,19 +17428,8 @@
                 <a:latin typeface="Arial"/>
                 <a:cs typeface="Arial"/>
               </a:rPr>
-              <a:t>1</a:t>
-            </a:r>
-            <a:r>
-              <a:rPr lang="en-US" sz="900" dirty="0">
-                <a:latin typeface="Arial"/>
-                <a:cs typeface="Arial"/>
-              </a:rPr>
-              <a:t>0</a:t>
-            </a:r>
-            <a:endParaRPr lang="en-US" sz="900" dirty="0">
-              <a:latin typeface="Arial"/>
-              <a:cs typeface="Arial"/>
-            </a:endParaRPr>
+              <a:t>10</a:t>
+            </a:r>
           </a:p>
         </p:txBody>
       </p:sp>
@@ -18193,10 +17461,6 @@
               </a:rPr>
               <a:t>0</a:t>
             </a:r>
-            <a:endParaRPr lang="en-US" sz="900" dirty="0">
-              <a:latin typeface="Arial"/>
-              <a:cs typeface="Arial"/>
-            </a:endParaRPr>
           </a:p>
         </p:txBody>
       </p:sp>
@@ -18226,19 +17490,8 @@
                 <a:latin typeface="Arial"/>
                 <a:cs typeface="Arial"/>
               </a:rPr>
-              <a:t>6</a:t>
-            </a:r>
-            <a:r>
-              <a:rPr lang="en-US" sz="900" dirty="0">
-                <a:latin typeface="Arial"/>
-                <a:cs typeface="Arial"/>
-              </a:rPr>
-              <a:t>0</a:t>
-            </a:r>
-            <a:endParaRPr lang="en-US" sz="900" dirty="0">
-              <a:latin typeface="Arial"/>
-              <a:cs typeface="Arial"/>
-            </a:endParaRPr>
+              <a:t>60</a:t>
+            </a:r>
           </a:p>
         </p:txBody>
       </p:sp>
@@ -18277,10 +17530,6 @@
               </a:rPr>
               <a:t>-1</a:t>
             </a:r>
-            <a:endParaRPr lang="en-US" sz="900" baseline="30000" dirty="0">
-              <a:latin typeface="Arial"/>
-              <a:cs typeface="Arial"/>
-            </a:endParaRPr>
           </a:p>
         </p:txBody>
       </p:sp>
@@ -18319,10 +17568,6 @@
               </a:rPr>
               <a:t>0</a:t>
             </a:r>
-            <a:endParaRPr lang="en-US" sz="900" baseline="30000" dirty="0">
-              <a:latin typeface="Arial"/>
-              <a:cs typeface="Arial"/>
-            </a:endParaRPr>
           </a:p>
         </p:txBody>
       </p:sp>
@@ -18361,10 +17606,6 @@
               </a:rPr>
               <a:t>1</a:t>
             </a:r>
-            <a:endParaRPr lang="en-US" sz="900" baseline="30000" dirty="0">
-              <a:latin typeface="Arial"/>
-              <a:cs typeface="Arial"/>
-            </a:endParaRPr>
           </a:p>
         </p:txBody>
       </p:sp>
@@ -18403,10 +17644,6 @@
               </a:rPr>
               <a:t>2</a:t>
             </a:r>
-            <a:endParaRPr lang="en-US" sz="900" baseline="30000" dirty="0">
-              <a:latin typeface="Arial"/>
-              <a:cs typeface="Arial"/>
-            </a:endParaRPr>
           </a:p>
         </p:txBody>
       </p:sp>
@@ -18438,10 +17675,6 @@
               </a:rPr>
               <a:t>20</a:t>
             </a:r>
-            <a:endParaRPr lang="en-US" sz="900" dirty="0">
-              <a:latin typeface="Arial"/>
-              <a:cs typeface="Arial"/>
-            </a:endParaRPr>
           </a:p>
         </p:txBody>
       </p:sp>
@@ -18473,10 +17706,6 @@
               </a:rPr>
               <a:t>40</a:t>
             </a:r>
-            <a:endParaRPr lang="en-US" sz="900" dirty="0">
-              <a:latin typeface="Arial"/>
-              <a:cs typeface="Arial"/>
-            </a:endParaRPr>
           </a:p>
         </p:txBody>
       </p:sp>
@@ -18506,19 +17735,8 @@
                 <a:latin typeface="Arial"/>
                 <a:cs typeface="Arial"/>
               </a:rPr>
-              <a:t>5</a:t>
-            </a:r>
-            <a:r>
-              <a:rPr lang="en-US" sz="900" dirty="0">
-                <a:latin typeface="Arial"/>
-                <a:cs typeface="Arial"/>
-              </a:rPr>
-              <a:t>0</a:t>
-            </a:r>
-            <a:endParaRPr lang="en-US" sz="900" dirty="0">
-              <a:latin typeface="Arial"/>
-              <a:cs typeface="Arial"/>
-            </a:endParaRPr>
+              <a:t>50</a:t>
+            </a:r>
           </a:p>
         </p:txBody>
       </p:sp>
@@ -18895,10 +18113,6 @@
               </a:rPr>
               <a:t>0</a:t>
             </a:r>
-            <a:endParaRPr lang="en-US" sz="900" dirty="0">
-              <a:latin typeface="Arial"/>
-              <a:cs typeface="Arial"/>
-            </a:endParaRPr>
           </a:p>
         </p:txBody>
       </p:sp>
@@ -18930,10 +18144,6 @@
               </a:rPr>
               <a:t>0.2</a:t>
             </a:r>
-            <a:endParaRPr lang="en-US" sz="900" dirty="0">
-              <a:latin typeface="Arial"/>
-              <a:cs typeface="Arial"/>
-            </a:endParaRPr>
           </a:p>
         </p:txBody>
       </p:sp>
@@ -18965,10 +18175,6 @@
               </a:rPr>
               <a:t>0.4</a:t>
             </a:r>
-            <a:endParaRPr lang="en-US" sz="900" dirty="0">
-              <a:latin typeface="Arial"/>
-              <a:cs typeface="Arial"/>
-            </a:endParaRPr>
           </a:p>
         </p:txBody>
       </p:sp>
@@ -19000,10 +18206,6 @@
               </a:rPr>
               <a:t>0.6</a:t>
             </a:r>
-            <a:endParaRPr lang="en-US" sz="900" dirty="0">
-              <a:latin typeface="Arial"/>
-              <a:cs typeface="Arial"/>
-            </a:endParaRPr>
           </a:p>
         </p:txBody>
       </p:sp>
@@ -19035,10 +18237,6 @@
               </a:rPr>
               <a:t>0.8</a:t>
             </a:r>
-            <a:endParaRPr lang="en-US" sz="900" dirty="0">
-              <a:latin typeface="Arial"/>
-              <a:cs typeface="Arial"/>
-            </a:endParaRPr>
           </a:p>
         </p:txBody>
       </p:sp>
@@ -19070,10 +18268,6 @@
               </a:rPr>
               <a:t>1</a:t>
             </a:r>
-            <a:endParaRPr lang="en-US" sz="900" dirty="0">
-              <a:latin typeface="Arial"/>
-              <a:cs typeface="Arial"/>
-            </a:endParaRPr>
           </a:p>
         </p:txBody>
       </p:sp>
@@ -19126,10 +18320,6 @@
               </a:rPr>
               <a:t>b</a:t>
             </a:r>
-            <a:endParaRPr lang="en-US" sz="900" b="1" baseline="-25000" dirty="0">
-              <a:latin typeface="Arial"/>
-              <a:cs typeface="Arial"/>
-            </a:endParaRPr>
           </a:p>
         </p:txBody>
       </p:sp>
@@ -19270,10 +18460,6 @@
               </a:rPr>
               <a:t>2.6</a:t>
             </a:r>
-            <a:endParaRPr lang="en-US" sz="900" dirty="0">
-              <a:latin typeface="Helvetica"/>
-              <a:cs typeface="Helvetica"/>
-            </a:endParaRPr>
           </a:p>
         </p:txBody>
       </p:sp>
@@ -19306,10 +18492,6 @@
               </a:rPr>
               <a:t>3.2</a:t>
             </a:r>
-            <a:endParaRPr lang="en-US" sz="900" dirty="0">
-              <a:latin typeface="Helvetica"/>
-              <a:cs typeface="Helvetica"/>
-            </a:endParaRPr>
           </a:p>
         </p:txBody>
       </p:sp>
@@ -19342,10 +18524,6 @@
               </a:rPr>
               <a:t>2.8</a:t>
             </a:r>
-            <a:endParaRPr lang="en-US" sz="900" dirty="0">
-              <a:latin typeface="Helvetica"/>
-              <a:cs typeface="Helvetica"/>
-            </a:endParaRPr>
           </a:p>
         </p:txBody>
       </p:sp>
@@ -19378,10 +18556,6 @@
               </a:rPr>
               <a:t>2.4</a:t>
             </a:r>
-            <a:endParaRPr lang="en-US" sz="900" dirty="0">
-              <a:latin typeface="Helvetica"/>
-              <a:cs typeface="Helvetica"/>
-            </a:endParaRPr>
           </a:p>
         </p:txBody>
       </p:sp>
@@ -19414,10 +18588,6 @@
               </a:rPr>
               <a:t>2.2</a:t>
             </a:r>
-            <a:endParaRPr lang="en-US" sz="900" dirty="0">
-              <a:latin typeface="Helvetica"/>
-              <a:cs typeface="Helvetica"/>
-            </a:endParaRPr>
           </a:p>
         </p:txBody>
       </p:sp>
@@ -19476,10 +18646,6 @@
               </a:rPr>
               <a:t>0.02</a:t>
             </a:r>
-            <a:endParaRPr lang="en-US" sz="900" dirty="0">
-              <a:latin typeface="Arial"/>
-              <a:cs typeface="Arial"/>
-            </a:endParaRPr>
           </a:p>
         </p:txBody>
       </p:sp>
@@ -19511,10 +18677,6 @@
               </a:rPr>
               <a:t>0.01</a:t>
             </a:r>
-            <a:endParaRPr lang="en-US" sz="900" dirty="0">
-              <a:latin typeface="Arial"/>
-              <a:cs typeface="Arial"/>
-            </a:endParaRPr>
           </a:p>
         </p:txBody>
       </p:sp>
@@ -19546,10 +18708,6 @@
               </a:rPr>
               <a:t>0</a:t>
             </a:r>
-            <a:endParaRPr lang="en-US" sz="900" dirty="0">
-              <a:latin typeface="Arial"/>
-              <a:cs typeface="Arial"/>
-            </a:endParaRPr>
           </a:p>
         </p:txBody>
       </p:sp>
@@ -19581,10 +18739,6 @@
               </a:rPr>
               <a:t>LPS dose (ng/ml)</a:t>
             </a:r>
-            <a:endParaRPr lang="en-US" sz="900" dirty="0">
-              <a:latin typeface="Arial"/>
-              <a:cs typeface="Arial"/>
-            </a:endParaRPr>
           </a:p>
         </p:txBody>
       </p:sp>
@@ -19747,10 +18901,6 @@
               </a:rPr>
               <a:t>-2</a:t>
             </a:r>
-            <a:endParaRPr lang="en-US" sz="900" baseline="30000" dirty="0">
-              <a:latin typeface="Arial"/>
-              <a:cs typeface="Arial"/>
-            </a:endParaRPr>
           </a:p>
         </p:txBody>
       </p:sp>
@@ -19789,10 +18939,6 @@
               </a:rPr>
               <a:t>0</a:t>
             </a:r>
-            <a:endParaRPr lang="en-US" sz="900" baseline="30000" dirty="0">
-              <a:latin typeface="Arial"/>
-              <a:cs typeface="Arial"/>
-            </a:endParaRPr>
           </a:p>
         </p:txBody>
       </p:sp>
@@ -19831,10 +18977,6 @@
               </a:rPr>
               <a:t>2</a:t>
             </a:r>
-            <a:endParaRPr lang="en-US" sz="900" baseline="30000" dirty="0">
-              <a:latin typeface="Arial"/>
-              <a:cs typeface="Arial"/>
-            </a:endParaRPr>
           </a:p>
         </p:txBody>
       </p:sp>
@@ -19866,10 +19008,6 @@
               </a:rPr>
               <a:t>LPS dose (ng/ml)</a:t>
             </a:r>
-            <a:endParaRPr lang="en-US" sz="900" dirty="0">
-              <a:latin typeface="Arial"/>
-              <a:cs typeface="Arial"/>
-            </a:endParaRPr>
           </a:p>
         </p:txBody>
       </p:sp>
@@ -19901,10 +19039,6 @@
               </a:rPr>
               <a:t>0</a:t>
             </a:r>
-            <a:endParaRPr lang="en-US" sz="900" dirty="0">
-              <a:latin typeface="Arial"/>
-              <a:cs typeface="Arial"/>
-            </a:endParaRPr>
           </a:p>
         </p:txBody>
       </p:sp>
@@ -19936,10 +19070,6 @@
               </a:rPr>
               <a:t>24</a:t>
             </a:r>
-            <a:endParaRPr lang="en-US" sz="900" dirty="0">
-              <a:latin typeface="Arial"/>
-              <a:cs typeface="Arial"/>
-            </a:endParaRPr>
           </a:p>
         </p:txBody>
       </p:sp>
@@ -19969,19 +19099,8 @@
                 <a:latin typeface="Arial"/>
                 <a:cs typeface="Arial"/>
               </a:rPr>
-              <a:t>4</a:t>
-            </a:r>
-            <a:r>
-              <a:rPr lang="en-US" sz="900" dirty="0">
-                <a:latin typeface="Arial"/>
-                <a:cs typeface="Arial"/>
-              </a:rPr>
-              <a:t>8</a:t>
-            </a:r>
-            <a:endParaRPr lang="en-US" sz="900" dirty="0">
-              <a:latin typeface="Arial"/>
-              <a:cs typeface="Arial"/>
-            </a:endParaRPr>
+              <a:t>48</a:t>
+            </a:r>
           </a:p>
         </p:txBody>
       </p:sp>
@@ -20437,10 +19556,6 @@
               </a:rPr>
               <a:t>TRIF pathway</a:t>
             </a:r>
-            <a:endParaRPr lang="en-US" sz="800" dirty="0">
-              <a:latin typeface="Arial"/>
-              <a:cs typeface="Arial"/>
-            </a:endParaRPr>
           </a:p>
         </p:txBody>
       </p:sp>
@@ -20472,10 +19587,6 @@
               </a:rPr>
               <a:t>MyD88 pathway</a:t>
             </a:r>
-            <a:endParaRPr lang="en-US" sz="800" dirty="0">
-              <a:latin typeface="Arial"/>
-              <a:cs typeface="Arial"/>
-            </a:endParaRPr>
           </a:p>
         </p:txBody>
       </p:sp>
@@ -20505,63 +19616,126 @@
                 <a:latin typeface="Arial"/>
                 <a:cs typeface="Arial"/>
               </a:rPr>
-              <a:t>Figure 3</a:t>
-            </a:r>
-            <a:r>
-              <a:rPr lang="en-US" sz="1100" b="1" dirty="0">
-                <a:latin typeface="Arial"/>
-                <a:cs typeface="Arial"/>
-              </a:rPr>
-              <a:t>. </a:t>
-            </a:r>
-            <a:r>
-              <a:rPr lang="en-US" sz="1100" b="1" dirty="0">
-                <a:latin typeface="Arial"/>
-                <a:cs typeface="Arial"/>
-              </a:rPr>
-              <a:t>Signalosome affects IKK dynamics.</a:t>
+              <a:t>Figure 3. Signalosome affects IKK dynamics.</a:t>
             </a:r>
             <a:r>
               <a:rPr lang="en-US" sz="1100" dirty="0">
                 <a:latin typeface="Arial"/>
                 <a:cs typeface="Arial"/>
               </a:rPr>
-              <a:t> </a:t>
+              <a:t> (</a:t>
+            </a:r>
+            <a:r>
+              <a:rPr lang="en-US" sz="1100" i="1" dirty="0">
+                <a:latin typeface="Arial"/>
+                <a:cs typeface="Arial"/>
+              </a:rPr>
+              <a:t>A</a:t>
             </a:r>
             <a:r>
               <a:rPr lang="en-US" sz="1100" dirty="0">
                 <a:latin typeface="Arial"/>
                 <a:cs typeface="Arial"/>
               </a:rPr>
-              <a:t>(</a:t>
+              <a:t>) The </a:t>
+            </a:r>
+            <a:r>
+              <a:rPr lang="en-US" sz="1100" dirty="0" err="1">
+                <a:latin typeface="Arial"/>
+                <a:cs typeface="Arial"/>
+              </a:rPr>
+              <a:t>MyDDosome</a:t>
+            </a:r>
+            <a:r>
+              <a:rPr lang="en-US" sz="1100" dirty="0">
+                <a:latin typeface="Arial"/>
+                <a:cs typeface="Arial"/>
+              </a:rPr>
+              <a:t> assemble model. (</a:t>
             </a:r>
             <a:r>
               <a:rPr lang="en-US" sz="1100" i="1" dirty="0">
                 <a:latin typeface="Arial"/>
                 <a:cs typeface="Arial"/>
               </a:rPr>
-              <a:t>A</a:t>
+              <a:t>B</a:t>
             </a:r>
             <a:r>
               <a:rPr lang="en-US" sz="1100" dirty="0">
                 <a:latin typeface="Arial"/>
                 <a:cs typeface="Arial"/>
               </a:rPr>
-              <a:t>) The </a:t>
-            </a:r>
-            <a:r>
-              <a:rPr lang="en-US" sz="1100" dirty="0" err="1">
-                <a:latin typeface="Arial"/>
-                <a:cs typeface="Arial"/>
-              </a:rPr>
-              <a:t>MyDDosome</a:t>
+              <a:t>) The hill coefficient vs. k</a:t>
+            </a:r>
+            <a:r>
+              <a:rPr lang="en-US" sz="1100" baseline="-25000" dirty="0">
+                <a:latin typeface="Arial"/>
+                <a:cs typeface="Arial"/>
+              </a:rPr>
+              <a:t>f</a:t>
             </a:r>
             <a:r>
               <a:rPr lang="en-US" sz="1100" dirty="0">
                 <a:latin typeface="Arial"/>
                 <a:cs typeface="Arial"/>
               </a:rPr>
-              <a:t> assemble model. (</a:t>
+              <a:t>/k</a:t>
+            </a:r>
+            <a:r>
+              <a:rPr lang="en-US" sz="1100" baseline="-25000" dirty="0">
+                <a:latin typeface="Arial"/>
+                <a:cs typeface="Arial"/>
+              </a:rPr>
+              <a:t>b</a:t>
+            </a:r>
+            <a:r>
+              <a:rPr lang="en-US" sz="1100" dirty="0">
+                <a:latin typeface="Arial"/>
+                <a:cs typeface="Arial"/>
+              </a:rPr>
+              <a:t>. (</a:t>
+            </a:r>
+            <a:r>
+              <a:rPr lang="en-US" altLang="zh-CN" sz="1100" i="1" dirty="0">
+                <a:latin typeface="Arial"/>
+                <a:cs typeface="Arial"/>
+              </a:rPr>
+              <a:t>C</a:t>
+            </a:r>
+            <a:r>
+              <a:rPr lang="en-US" sz="1100" dirty="0">
+                <a:latin typeface="Arial"/>
+                <a:cs typeface="Arial"/>
+              </a:rPr>
+              <a:t>) The IKK peak activity in TRIF and MyD88 knockouts vs. LPS concentration, predicted by model based on Hill kinetics with Hill coefficient from the range when k</a:t>
+            </a:r>
+            <a:r>
+              <a:rPr lang="en-US" sz="1100" baseline="-25000" dirty="0">
+                <a:latin typeface="Arial"/>
+                <a:cs typeface="Arial"/>
+              </a:rPr>
+              <a:t>f</a:t>
+            </a:r>
+            <a:r>
+              <a:rPr lang="en-US" sz="1100" dirty="0">
+                <a:latin typeface="Arial"/>
+                <a:cs typeface="Arial"/>
+              </a:rPr>
+              <a:t>/k</a:t>
+            </a:r>
+            <a:r>
+              <a:rPr lang="en-US" sz="1100" baseline="-25000" dirty="0">
+                <a:latin typeface="Arial"/>
+                <a:cs typeface="Arial"/>
+              </a:rPr>
+              <a:t>b </a:t>
+            </a:r>
+            <a:r>
+              <a:rPr lang="en-US" sz="1100" dirty="0">
+                <a:latin typeface="Arial"/>
+                <a:cs typeface="Arial"/>
+              </a:rPr>
+              <a:t>is from 0.1 to 1 in (</a:t>
             </a:r>
             <a:r>
               <a:rPr lang="en-US" sz="1100" i="1" dirty="0">
@@ -20575,159 +19749,22 @@
                 <a:latin typeface="Arial"/>
                 <a:cs typeface="Arial"/>
               </a:rPr>
-              <a:t>) The hill coefficient vs. k</a:t>
-            </a:r>
-            <a:r>
-              <a:rPr lang="en-US" sz="1100" baseline="-25000" dirty="0">
-                <a:latin typeface="Arial"/>
-                <a:cs typeface="Arial"/>
-              </a:rPr>
-              <a:t>f</a:t>
+              <a:t>). (</a:t>
+            </a:r>
+            <a:r>
+              <a:rPr lang="en-US" sz="1100" i="1" dirty="0">
+                <a:latin typeface="Arial"/>
+                <a:cs typeface="Arial"/>
+              </a:rPr>
+              <a:t>D</a:t>
             </a:r>
             <a:r>
               <a:rPr lang="en-US" sz="1100" dirty="0">
                 <a:latin typeface="Arial"/>
                 <a:cs typeface="Arial"/>
               </a:rPr>
-              <a:t>/k</a:t>
-            </a:r>
-            <a:r>
-              <a:rPr lang="en-US" sz="1100" baseline="-25000" dirty="0">
-                <a:latin typeface="Arial"/>
-                <a:cs typeface="Arial"/>
-              </a:rPr>
-              <a:t>b</a:t>
-            </a:r>
-            <a:r>
-              <a:rPr lang="en-US" sz="1100" dirty="0">
-                <a:latin typeface="Arial"/>
-                <a:cs typeface="Arial"/>
-              </a:rPr>
-              <a:t>. </a:t>
-            </a:r>
-            <a:r>
-              <a:rPr lang="en-US" sz="1100" dirty="0">
-                <a:latin typeface="Arial"/>
-                <a:cs typeface="Arial"/>
-              </a:rPr>
-              <a:t>(</a:t>
-            </a:r>
-            <a:r>
-              <a:rPr lang="en-US" altLang="zh-CN" sz="1100" i="1" dirty="0">
-                <a:latin typeface="Arial"/>
-                <a:cs typeface="Arial"/>
-              </a:rPr>
-              <a:t>C</a:t>
-            </a:r>
-            <a:r>
-              <a:rPr lang="en-US" sz="1100" dirty="0">
-                <a:latin typeface="Arial"/>
-                <a:cs typeface="Arial"/>
-              </a:rPr>
-              <a:t>) The IKK peak activity in TRIF and MyD88 knockouts vs. LPS concentration, predicted by </a:t>
-            </a:r>
-            <a:r>
-              <a:rPr lang="en-US" sz="1100" dirty="0">
-                <a:latin typeface="Arial"/>
-                <a:cs typeface="Arial"/>
-              </a:rPr>
-              <a:t>model </a:t>
-            </a:r>
-            <a:r>
-              <a:rPr lang="en-US" sz="1100" dirty="0">
-                <a:latin typeface="Arial"/>
-                <a:cs typeface="Arial"/>
-              </a:rPr>
-              <a:t>based on Hill </a:t>
-            </a:r>
-            <a:r>
-              <a:rPr lang="en-US" sz="1100" dirty="0">
-                <a:latin typeface="Arial"/>
-                <a:cs typeface="Arial"/>
-              </a:rPr>
-              <a:t>kinetics with Hill coefficient from the range when k</a:t>
-            </a:r>
-            <a:r>
-              <a:rPr lang="en-US" sz="1100" baseline="-25000" dirty="0">
-                <a:latin typeface="Arial"/>
-                <a:cs typeface="Arial"/>
-              </a:rPr>
-              <a:t>f</a:t>
-            </a:r>
-            <a:r>
-              <a:rPr lang="en-US" sz="1100" dirty="0">
-                <a:latin typeface="Arial"/>
-                <a:cs typeface="Arial"/>
-              </a:rPr>
-              <a:t>/</a:t>
-            </a:r>
-            <a:r>
-              <a:rPr lang="en-US" sz="1100" dirty="0">
-                <a:latin typeface="Arial"/>
-                <a:cs typeface="Arial"/>
-              </a:rPr>
-              <a:t>k</a:t>
-            </a:r>
-            <a:r>
-              <a:rPr lang="en-US" sz="1100" baseline="-25000" dirty="0">
-                <a:latin typeface="Arial"/>
-                <a:cs typeface="Arial"/>
-              </a:rPr>
-              <a:t>b </a:t>
-            </a:r>
-            <a:r>
-              <a:rPr lang="en-US" sz="1100" dirty="0">
-                <a:latin typeface="Arial"/>
-                <a:cs typeface="Arial"/>
-              </a:rPr>
-              <a:t>is from 0.1 to 1 in (</a:t>
-            </a:r>
-            <a:r>
-              <a:rPr lang="en-US" sz="1100" i="1" dirty="0">
-                <a:latin typeface="Arial"/>
-                <a:cs typeface="Arial"/>
-              </a:rPr>
-              <a:t>B</a:t>
-            </a:r>
-            <a:r>
-              <a:rPr lang="en-US" sz="1100" dirty="0">
-                <a:latin typeface="Arial"/>
-                <a:cs typeface="Arial"/>
-              </a:rPr>
-              <a:t>). (</a:t>
-            </a:r>
-            <a:r>
-              <a:rPr lang="en-US" sz="1100" i="1" dirty="0">
-                <a:latin typeface="Arial"/>
-                <a:cs typeface="Arial"/>
-              </a:rPr>
-              <a:t>D</a:t>
-            </a:r>
-            <a:r>
-              <a:rPr lang="en-US" sz="1100" dirty="0">
-                <a:latin typeface="Arial"/>
-                <a:cs typeface="Arial"/>
-              </a:rPr>
-              <a:t>) Quantification </a:t>
-            </a:r>
-            <a:r>
-              <a:rPr lang="en-US" sz="1100" dirty="0">
-                <a:latin typeface="Arial"/>
-                <a:cs typeface="Arial"/>
-              </a:rPr>
-              <a:t>of the peak </a:t>
-            </a:r>
-            <a:r>
-              <a:rPr lang="en-US" sz="1100" dirty="0">
-                <a:latin typeface="Arial"/>
-                <a:cs typeface="Arial"/>
-              </a:rPr>
-              <a:t>level from the experimental result in Fig. S4.</a:t>
-            </a:r>
-            <a:endParaRPr lang="en-US" sz="1100" dirty="0">
-              <a:latin typeface="Arial"/>
-              <a:cs typeface="Arial"/>
-            </a:endParaRPr>
+              <a:t>) Quantification of the peak level from the experimental result in Fig. S4.</a:t>
+            </a:r>
           </a:p>
         </p:txBody>
       </p:sp>
@@ -20766,10 +19803,6 @@
               </a:rPr>
               <a:t>-2</a:t>
             </a:r>
-            <a:endParaRPr lang="en-US" sz="900" baseline="30000" dirty="0">
-              <a:latin typeface="Arial"/>
-              <a:cs typeface="Arial"/>
-            </a:endParaRPr>
           </a:p>
         </p:txBody>
       </p:sp>
@@ -20808,10 +19841,6 @@
               </a:rPr>
               <a:t>0</a:t>
             </a:r>
-            <a:endParaRPr lang="en-US" sz="900" baseline="30000" dirty="0">
-              <a:latin typeface="Arial"/>
-              <a:cs typeface="Arial"/>
-            </a:endParaRPr>
           </a:p>
         </p:txBody>
       </p:sp>
@@ -20850,10 +19879,6 @@
               </a:rPr>
               <a:t>2</a:t>
             </a:r>
-            <a:endParaRPr lang="en-US" sz="900" baseline="30000" dirty="0">
-              <a:latin typeface="Arial"/>
-              <a:cs typeface="Arial"/>
-            </a:endParaRPr>
           </a:p>
         </p:txBody>
       </p:sp>
@@ -25085,10 +24110,6 @@
               </a:rPr>
               <a:t>TLR4</a:t>
             </a:r>
-            <a:endParaRPr lang="en-US" sz="800" b="1" dirty="0">
-              <a:latin typeface="Arial"/>
-              <a:cs typeface="Arial"/>
-            </a:endParaRPr>
           </a:p>
         </p:txBody>
       </p:sp>
@@ -25159,13 +24180,6 @@
               </a:rPr>
               <a:t>Ligand-induced</a:t>
             </a:r>
-            <a:endParaRPr lang="en-US" sz="900" b="1" dirty="0">
-              <a:solidFill>
-                <a:schemeClr val="accent6"/>
-              </a:solidFill>
-              <a:latin typeface="Arial"/>
-              <a:cs typeface="Arial"/>
-            </a:endParaRPr>
           </a:p>
         </p:txBody>
       </p:sp>
@@ -25201,13 +24215,6 @@
               </a:rPr>
               <a:t>Constitutive</a:t>
             </a:r>
-            <a:endParaRPr lang="en-US" sz="900" b="1" dirty="0">
-              <a:solidFill>
-                <a:schemeClr val="accent6"/>
-              </a:solidFill>
-              <a:latin typeface="Arial"/>
-              <a:cs typeface="Arial"/>
-            </a:endParaRPr>
           </a:p>
         </p:txBody>
       </p:sp>
@@ -25500,10 +24507,6 @@
               </a:rPr>
               <a:t>Both</a:t>
             </a:r>
-            <a:endParaRPr lang="en-US" sz="800" dirty="0">
-              <a:latin typeface="Arial"/>
-              <a:cs typeface="Arial"/>
-            </a:endParaRPr>
           </a:p>
         </p:txBody>
       </p:sp>
@@ -25535,10 +24538,6 @@
               </a:rPr>
               <a:t>TRIF pathway</a:t>
             </a:r>
-            <a:endParaRPr lang="en-US" sz="800" dirty="0">
-              <a:latin typeface="Arial"/>
-              <a:cs typeface="Arial"/>
-            </a:endParaRPr>
           </a:p>
         </p:txBody>
       </p:sp>
@@ -25570,10 +24569,6 @@
               </a:rPr>
               <a:t>MyD88 pathway</a:t>
             </a:r>
-            <a:endParaRPr lang="en-US" sz="800" dirty="0">
-              <a:latin typeface="Arial"/>
-              <a:cs typeface="Arial"/>
-            </a:endParaRPr>
           </a:p>
         </p:txBody>
       </p:sp>
@@ -25637,10 +24632,6 @@
               </a:rPr>
               <a:t>0.12</a:t>
             </a:r>
-            <a:endParaRPr lang="en-US" sz="800" dirty="0">
-              <a:latin typeface="Arial"/>
-              <a:cs typeface="Arial"/>
-            </a:endParaRPr>
           </a:p>
         </p:txBody>
       </p:sp>
@@ -25672,10 +24663,6 @@
               </a:rPr>
               <a:t>0.1</a:t>
             </a:r>
-            <a:endParaRPr lang="en-US" sz="800" dirty="0">
-              <a:latin typeface="Arial"/>
-              <a:cs typeface="Arial"/>
-            </a:endParaRPr>
           </a:p>
         </p:txBody>
       </p:sp>
@@ -25707,10 +24694,6 @@
               </a:rPr>
               <a:t>0.08</a:t>
             </a:r>
-            <a:endParaRPr lang="en-US" sz="800" dirty="0">
-              <a:latin typeface="Arial"/>
-              <a:cs typeface="Arial"/>
-            </a:endParaRPr>
           </a:p>
         </p:txBody>
       </p:sp>
@@ -25742,10 +24725,6 @@
               </a:rPr>
               <a:t>0.06</a:t>
             </a:r>
-            <a:endParaRPr lang="en-US" sz="800" dirty="0">
-              <a:latin typeface="Arial"/>
-              <a:cs typeface="Arial"/>
-            </a:endParaRPr>
           </a:p>
         </p:txBody>
       </p:sp>
@@ -25777,10 +24756,6 @@
               </a:rPr>
               <a:t>0.04</a:t>
             </a:r>
-            <a:endParaRPr lang="en-US" sz="800" dirty="0">
-              <a:latin typeface="Arial"/>
-              <a:cs typeface="Arial"/>
-            </a:endParaRPr>
           </a:p>
         </p:txBody>
       </p:sp>
@@ -25812,10 +24787,6 @@
               </a:rPr>
               <a:t>0.02</a:t>
             </a:r>
-            <a:endParaRPr lang="en-US" sz="800" dirty="0">
-              <a:latin typeface="Arial"/>
-              <a:cs typeface="Arial"/>
-            </a:endParaRPr>
           </a:p>
         </p:txBody>
       </p:sp>
@@ -25847,10 +24818,6 @@
               </a:rPr>
               <a:t>0</a:t>
             </a:r>
-            <a:endParaRPr lang="en-US" sz="800" dirty="0">
-              <a:latin typeface="Arial"/>
-              <a:cs typeface="Arial"/>
-            </a:endParaRPr>
           </a:p>
         </p:txBody>
       </p:sp>
@@ -25882,10 +24849,6 @@
               </a:rPr>
               <a:t>0</a:t>
             </a:r>
-            <a:endParaRPr lang="en-US" sz="800" dirty="0">
-              <a:latin typeface="Arial"/>
-              <a:cs typeface="Arial"/>
-            </a:endParaRPr>
           </a:p>
         </p:txBody>
       </p:sp>
@@ -25917,10 +24880,6 @@
               </a:rPr>
               <a:t>60</a:t>
             </a:r>
-            <a:endParaRPr lang="en-US" sz="800" dirty="0">
-              <a:latin typeface="Arial"/>
-              <a:cs typeface="Arial"/>
-            </a:endParaRPr>
           </a:p>
         </p:txBody>
       </p:sp>
@@ -25952,10 +24911,6 @@
               </a:rPr>
               <a:t>120</a:t>
             </a:r>
-            <a:endParaRPr lang="en-US" sz="800" dirty="0">
-              <a:latin typeface="Arial"/>
-              <a:cs typeface="Arial"/>
-            </a:endParaRPr>
           </a:p>
         </p:txBody>
       </p:sp>
@@ -25987,10 +24942,6 @@
               </a:rPr>
               <a:t>180</a:t>
             </a:r>
-            <a:endParaRPr lang="en-US" sz="800" dirty="0">
-              <a:latin typeface="Arial"/>
-              <a:cs typeface="Arial"/>
-            </a:endParaRPr>
           </a:p>
         </p:txBody>
       </p:sp>
@@ -26022,10 +24973,6 @@
               </a:rPr>
               <a:t>240</a:t>
             </a:r>
-            <a:endParaRPr lang="en-US" sz="800" dirty="0">
-              <a:latin typeface="Arial"/>
-              <a:cs typeface="Arial"/>
-            </a:endParaRPr>
           </a:p>
         </p:txBody>
       </p:sp>
@@ -26110,10 +25057,6 @@
               </a:rPr>
               <a:t>Time (min)</a:t>
             </a:r>
-            <a:endParaRPr lang="en-US" sz="800" dirty="0">
-              <a:latin typeface="Arial"/>
-              <a:cs typeface="Arial"/>
-            </a:endParaRPr>
           </a:p>
         </p:txBody>
       </p:sp>
@@ -26184,10 +25127,6 @@
               </a:rPr>
               <a:t>-1</a:t>
             </a:r>
-            <a:endParaRPr lang="en-US" sz="800" baseline="30000" dirty="0">
-              <a:latin typeface="Arial"/>
-              <a:cs typeface="Arial"/>
-            </a:endParaRPr>
           </a:p>
         </p:txBody>
       </p:sp>
@@ -26226,10 +25165,6 @@
               </a:rPr>
               <a:t>0</a:t>
             </a:r>
-            <a:endParaRPr lang="en-US" sz="800" baseline="30000" dirty="0">
-              <a:latin typeface="Arial"/>
-              <a:cs typeface="Arial"/>
-            </a:endParaRPr>
           </a:p>
         </p:txBody>
       </p:sp>
@@ -26268,10 +25203,6 @@
               </a:rPr>
               <a:t>1</a:t>
             </a:r>
-            <a:endParaRPr lang="en-US" sz="800" baseline="30000" dirty="0">
-              <a:latin typeface="Arial"/>
-              <a:cs typeface="Arial"/>
-            </a:endParaRPr>
           </a:p>
         </p:txBody>
       </p:sp>
@@ -26310,10 +25241,6 @@
               </a:rPr>
               <a:t>2</a:t>
             </a:r>
-            <a:endParaRPr lang="en-US" sz="800" baseline="30000" dirty="0">
-              <a:latin typeface="Arial"/>
-              <a:cs typeface="Arial"/>
-            </a:endParaRPr>
           </a:p>
         </p:txBody>
       </p:sp>
@@ -26377,10 +25304,6 @@
               </a:rPr>
               <a:t>180</a:t>
             </a:r>
-            <a:endParaRPr lang="en-US" sz="800" dirty="0">
-              <a:latin typeface="Arial"/>
-              <a:cs typeface="Arial"/>
-            </a:endParaRPr>
           </a:p>
         </p:txBody>
       </p:sp>
@@ -26412,10 +25335,6 @@
               </a:rPr>
               <a:t>120</a:t>
             </a:r>
-            <a:endParaRPr lang="en-US" sz="800" dirty="0">
-              <a:latin typeface="Arial"/>
-              <a:cs typeface="Arial"/>
-            </a:endParaRPr>
           </a:p>
         </p:txBody>
       </p:sp>
@@ -26447,10 +25366,6 @@
               </a:rPr>
               <a:t>60</a:t>
             </a:r>
-            <a:endParaRPr lang="en-US" sz="800" dirty="0">
-              <a:latin typeface="Arial"/>
-              <a:cs typeface="Arial"/>
-            </a:endParaRPr>
           </a:p>
         </p:txBody>
       </p:sp>
@@ -26482,10 +25397,6 @@
               </a:rPr>
               <a:t>0</a:t>
             </a:r>
-            <a:endParaRPr lang="en-US" sz="800" dirty="0">
-              <a:latin typeface="Arial"/>
-              <a:cs typeface="Arial"/>
-            </a:endParaRPr>
           </a:p>
         </p:txBody>
       </p:sp>
@@ -26517,10 +25428,6 @@
               </a:rPr>
               <a:t>240</a:t>
             </a:r>
-            <a:endParaRPr lang="en-US" sz="800" dirty="0">
-              <a:latin typeface="Arial"/>
-              <a:cs typeface="Arial"/>
-            </a:endParaRPr>
           </a:p>
         </p:txBody>
       </p:sp>
@@ -26552,10 +25459,6 @@
               </a:rPr>
               <a:t>LPS dose (ng/ml)</a:t>
             </a:r>
-            <a:endParaRPr lang="en-US" sz="800" dirty="0">
-              <a:latin typeface="Arial"/>
-              <a:cs typeface="Arial"/>
-            </a:endParaRPr>
           </a:p>
         </p:txBody>
       </p:sp>
@@ -26626,10 +25529,6 @@
               </a:rPr>
               <a:t>-1</a:t>
             </a:r>
-            <a:endParaRPr lang="en-US" sz="800" baseline="30000" dirty="0">
-              <a:latin typeface="Arial"/>
-              <a:cs typeface="Arial"/>
-            </a:endParaRPr>
           </a:p>
         </p:txBody>
       </p:sp>
@@ -26668,10 +25567,6 @@
               </a:rPr>
               <a:t>0</a:t>
             </a:r>
-            <a:endParaRPr lang="en-US" sz="800" baseline="30000" dirty="0">
-              <a:latin typeface="Arial"/>
-              <a:cs typeface="Arial"/>
-            </a:endParaRPr>
           </a:p>
         </p:txBody>
       </p:sp>
@@ -26710,10 +25605,6 @@
               </a:rPr>
               <a:t>1</a:t>
             </a:r>
-            <a:endParaRPr lang="en-US" sz="800" baseline="30000" dirty="0">
-              <a:latin typeface="Arial"/>
-              <a:cs typeface="Arial"/>
-            </a:endParaRPr>
           </a:p>
         </p:txBody>
       </p:sp>
@@ -26752,10 +25643,6 @@
               </a:rPr>
               <a:t>2</a:t>
             </a:r>
-            <a:endParaRPr lang="en-US" sz="800" baseline="30000" dirty="0">
-              <a:latin typeface="Arial"/>
-              <a:cs typeface="Arial"/>
-            </a:endParaRPr>
           </a:p>
         </p:txBody>
       </p:sp>
@@ -26819,10 +25706,6 @@
               </a:rPr>
               <a:t>90</a:t>
             </a:r>
-            <a:endParaRPr lang="en-US" sz="800" dirty="0">
-              <a:latin typeface="Arial"/>
-              <a:cs typeface="Arial"/>
-            </a:endParaRPr>
           </a:p>
         </p:txBody>
       </p:sp>
@@ -26854,10 +25737,6 @@
               </a:rPr>
               <a:t>60</a:t>
             </a:r>
-            <a:endParaRPr lang="en-US" sz="800" dirty="0">
-              <a:latin typeface="Arial"/>
-              <a:cs typeface="Arial"/>
-            </a:endParaRPr>
           </a:p>
         </p:txBody>
       </p:sp>
@@ -26887,19 +25766,8 @@
                 <a:latin typeface="Arial"/>
                 <a:cs typeface="Arial"/>
               </a:rPr>
-              <a:t>3</a:t>
-            </a:r>
-            <a:r>
-              <a:rPr lang="en-US" sz="800" dirty="0">
-                <a:latin typeface="Arial"/>
-                <a:cs typeface="Arial"/>
-              </a:rPr>
-              <a:t>0</a:t>
-            </a:r>
-            <a:endParaRPr lang="en-US" sz="800" dirty="0">
-              <a:latin typeface="Arial"/>
-              <a:cs typeface="Arial"/>
-            </a:endParaRPr>
+              <a:t>30</a:t>
+            </a:r>
           </a:p>
         </p:txBody>
       </p:sp>
@@ -26931,10 +25799,6 @@
               </a:rPr>
               <a:t>0</a:t>
             </a:r>
-            <a:endParaRPr lang="en-US" sz="800" dirty="0">
-              <a:latin typeface="Arial"/>
-              <a:cs typeface="Arial"/>
-            </a:endParaRPr>
           </a:p>
         </p:txBody>
       </p:sp>
@@ -26966,10 +25830,6 @@
               </a:rPr>
               <a:t>120</a:t>
             </a:r>
-            <a:endParaRPr lang="en-US" sz="800" dirty="0">
-              <a:latin typeface="Arial"/>
-              <a:cs typeface="Arial"/>
-            </a:endParaRPr>
           </a:p>
         </p:txBody>
       </p:sp>
@@ -27001,10 +25861,6 @@
               </a:rPr>
               <a:t>LPS dose (ng/ml)</a:t>
             </a:r>
-            <a:endParaRPr lang="en-US" sz="800" dirty="0">
-              <a:latin typeface="Arial"/>
-              <a:cs typeface="Arial"/>
-            </a:endParaRPr>
           </a:p>
         </p:txBody>
       </p:sp>
@@ -27158,10 +26014,6 @@
                 </a:rPr>
                 <a:t>Both</a:t>
               </a:r>
-              <a:endParaRPr lang="en-US" sz="800" dirty="0">
-                <a:latin typeface="Arial"/>
-                <a:cs typeface="Arial"/>
-              </a:endParaRPr>
             </a:p>
           </p:txBody>
         </p:sp>
@@ -27193,10 +26045,6 @@
                 </a:rPr>
                 <a:t>TRIF pathway</a:t>
               </a:r>
-              <a:endParaRPr lang="en-US" sz="800" dirty="0">
-                <a:latin typeface="Arial"/>
-                <a:cs typeface="Arial"/>
-              </a:endParaRPr>
             </a:p>
           </p:txBody>
         </p:sp>
@@ -27228,10 +26076,6 @@
                 </a:rPr>
                 <a:t>MyD88 pathway</a:t>
               </a:r>
-              <a:endParaRPr lang="en-US" sz="800" dirty="0">
-                <a:latin typeface="Arial"/>
-                <a:cs typeface="Arial"/>
-              </a:endParaRPr>
             </a:p>
           </p:txBody>
         </p:sp>
@@ -27295,10 +26139,6 @@
                 </a:rPr>
                 <a:t>0.12</a:t>
               </a:r>
-              <a:endParaRPr lang="en-US" sz="800" dirty="0">
-                <a:latin typeface="Arial"/>
-                <a:cs typeface="Arial"/>
-              </a:endParaRPr>
             </a:p>
           </p:txBody>
         </p:sp>
@@ -27330,10 +26170,6 @@
                 </a:rPr>
                 <a:t>0.1</a:t>
               </a:r>
-              <a:endParaRPr lang="en-US" sz="800" dirty="0">
-                <a:latin typeface="Arial"/>
-                <a:cs typeface="Arial"/>
-              </a:endParaRPr>
             </a:p>
           </p:txBody>
         </p:sp>
@@ -27365,10 +26201,6 @@
                 </a:rPr>
                 <a:t>0.08</a:t>
               </a:r>
-              <a:endParaRPr lang="en-US" sz="800" dirty="0">
-                <a:latin typeface="Arial"/>
-                <a:cs typeface="Arial"/>
-              </a:endParaRPr>
             </a:p>
           </p:txBody>
         </p:sp>
@@ -27400,10 +26232,6 @@
                 </a:rPr>
                 <a:t>0.06</a:t>
               </a:r>
-              <a:endParaRPr lang="en-US" sz="800" dirty="0">
-                <a:latin typeface="Arial"/>
-                <a:cs typeface="Arial"/>
-              </a:endParaRPr>
             </a:p>
           </p:txBody>
         </p:sp>
@@ -27435,10 +26263,6 @@
                 </a:rPr>
                 <a:t>0.04</a:t>
               </a:r>
-              <a:endParaRPr lang="en-US" sz="800" dirty="0">
-                <a:latin typeface="Arial"/>
-                <a:cs typeface="Arial"/>
-              </a:endParaRPr>
             </a:p>
           </p:txBody>
         </p:sp>
@@ -27470,10 +26294,6 @@
                 </a:rPr>
                 <a:t>0.02</a:t>
               </a:r>
-              <a:endParaRPr lang="en-US" sz="800" dirty="0">
-                <a:latin typeface="Arial"/>
-                <a:cs typeface="Arial"/>
-              </a:endParaRPr>
             </a:p>
           </p:txBody>
         </p:sp>
@@ -27505,10 +26325,6 @@
                 </a:rPr>
                 <a:t>0</a:t>
               </a:r>
-              <a:endParaRPr lang="en-US" sz="800" dirty="0">
-                <a:latin typeface="Arial"/>
-                <a:cs typeface="Arial"/>
-              </a:endParaRPr>
             </a:p>
           </p:txBody>
         </p:sp>
@@ -27540,10 +26356,6 @@
                 </a:rPr>
                 <a:t>0</a:t>
               </a:r>
-              <a:endParaRPr lang="en-US" sz="800" dirty="0">
-                <a:latin typeface="Arial"/>
-                <a:cs typeface="Arial"/>
-              </a:endParaRPr>
             </a:p>
           </p:txBody>
         </p:sp>
@@ -27575,10 +26387,6 @@
                 </a:rPr>
                 <a:t>60</a:t>
               </a:r>
-              <a:endParaRPr lang="en-US" sz="800" dirty="0">
-                <a:latin typeface="Arial"/>
-                <a:cs typeface="Arial"/>
-              </a:endParaRPr>
             </a:p>
           </p:txBody>
         </p:sp>
@@ -27610,10 +26418,6 @@
                 </a:rPr>
                 <a:t>120</a:t>
               </a:r>
-              <a:endParaRPr lang="en-US" sz="800" dirty="0">
-                <a:latin typeface="Arial"/>
-                <a:cs typeface="Arial"/>
-              </a:endParaRPr>
             </a:p>
           </p:txBody>
         </p:sp>
@@ -27645,10 +26449,6 @@
                 </a:rPr>
                 <a:t>180</a:t>
               </a:r>
-              <a:endParaRPr lang="en-US" sz="800" dirty="0">
-                <a:latin typeface="Arial"/>
-                <a:cs typeface="Arial"/>
-              </a:endParaRPr>
             </a:p>
           </p:txBody>
         </p:sp>
@@ -27680,10 +26480,6 @@
                 </a:rPr>
                 <a:t>240</a:t>
               </a:r>
-              <a:endParaRPr lang="en-US" sz="800" dirty="0">
-                <a:latin typeface="Arial"/>
-                <a:cs typeface="Arial"/>
-              </a:endParaRPr>
             </a:p>
           </p:txBody>
         </p:sp>
@@ -27768,10 +26564,6 @@
                 </a:rPr>
                 <a:t>Time (min)</a:t>
               </a:r>
-              <a:endParaRPr lang="en-US" sz="800" dirty="0">
-                <a:latin typeface="Arial"/>
-                <a:cs typeface="Arial"/>
-              </a:endParaRPr>
             </a:p>
           </p:txBody>
         </p:sp>
@@ -27842,10 +26634,6 @@
                 </a:rPr>
                 <a:t>-1</a:t>
               </a:r>
-              <a:endParaRPr lang="en-US" sz="800" baseline="30000" dirty="0">
-                <a:latin typeface="Arial"/>
-                <a:cs typeface="Arial"/>
-              </a:endParaRPr>
             </a:p>
           </p:txBody>
         </p:sp>
@@ -27884,10 +26672,6 @@
                 </a:rPr>
                 <a:t>0</a:t>
               </a:r>
-              <a:endParaRPr lang="en-US" sz="800" baseline="30000" dirty="0">
-                <a:latin typeface="Arial"/>
-                <a:cs typeface="Arial"/>
-              </a:endParaRPr>
             </a:p>
           </p:txBody>
         </p:sp>
@@ -27926,10 +26710,6 @@
                 </a:rPr>
                 <a:t>1</a:t>
               </a:r>
-              <a:endParaRPr lang="en-US" sz="800" baseline="30000" dirty="0">
-                <a:latin typeface="Arial"/>
-                <a:cs typeface="Arial"/>
-              </a:endParaRPr>
             </a:p>
           </p:txBody>
         </p:sp>
@@ -27968,10 +26748,6 @@
                 </a:rPr>
                 <a:t>2</a:t>
               </a:r>
-              <a:endParaRPr lang="en-US" sz="800" baseline="30000" dirty="0">
-                <a:latin typeface="Arial"/>
-                <a:cs typeface="Arial"/>
-              </a:endParaRPr>
             </a:p>
           </p:txBody>
         </p:sp>
@@ -28035,10 +26811,6 @@
                 </a:rPr>
                 <a:t>180</a:t>
               </a:r>
-              <a:endParaRPr lang="en-US" sz="800" dirty="0">
-                <a:latin typeface="Arial"/>
-                <a:cs typeface="Arial"/>
-              </a:endParaRPr>
             </a:p>
           </p:txBody>
         </p:sp>
@@ -28070,10 +26842,6 @@
                 </a:rPr>
                 <a:t>120</a:t>
               </a:r>
-              <a:endParaRPr lang="en-US" sz="800" dirty="0">
-                <a:latin typeface="Arial"/>
-                <a:cs typeface="Arial"/>
-              </a:endParaRPr>
             </a:p>
           </p:txBody>
         </p:sp>
@@ -28105,10 +26873,6 @@
                 </a:rPr>
                 <a:t>60</a:t>
               </a:r>
-              <a:endParaRPr lang="en-US" sz="800" dirty="0">
-                <a:latin typeface="Arial"/>
-                <a:cs typeface="Arial"/>
-              </a:endParaRPr>
             </a:p>
           </p:txBody>
         </p:sp>
@@ -28140,10 +26904,6 @@
                 </a:rPr>
                 <a:t>0</a:t>
               </a:r>
-              <a:endParaRPr lang="en-US" sz="800" dirty="0">
-                <a:latin typeface="Arial"/>
-                <a:cs typeface="Arial"/>
-              </a:endParaRPr>
             </a:p>
           </p:txBody>
         </p:sp>
@@ -28175,10 +26935,6 @@
                 </a:rPr>
                 <a:t>240</a:t>
               </a:r>
-              <a:endParaRPr lang="en-US" sz="800" dirty="0">
-                <a:latin typeface="Arial"/>
-                <a:cs typeface="Arial"/>
-              </a:endParaRPr>
             </a:p>
           </p:txBody>
         </p:sp>
@@ -28210,10 +26966,6 @@
                 </a:rPr>
                 <a:t>LPS dose (ng/ml)</a:t>
               </a:r>
-              <a:endParaRPr lang="en-US" sz="800" dirty="0">
-                <a:latin typeface="Arial"/>
-                <a:cs typeface="Arial"/>
-              </a:endParaRPr>
             </a:p>
           </p:txBody>
         </p:sp>
@@ -28284,10 +27036,6 @@
                 </a:rPr>
                 <a:t>-1</a:t>
               </a:r>
-              <a:endParaRPr lang="en-US" sz="800" baseline="30000" dirty="0">
-                <a:latin typeface="Arial"/>
-                <a:cs typeface="Arial"/>
-              </a:endParaRPr>
             </a:p>
           </p:txBody>
         </p:sp>
@@ -28326,10 +27074,6 @@
                 </a:rPr>
                 <a:t>0</a:t>
               </a:r>
-              <a:endParaRPr lang="en-US" sz="800" baseline="30000" dirty="0">
-                <a:latin typeface="Arial"/>
-                <a:cs typeface="Arial"/>
-              </a:endParaRPr>
             </a:p>
           </p:txBody>
         </p:sp>
@@ -28368,10 +27112,6 @@
                 </a:rPr>
                 <a:t>1</a:t>
               </a:r>
-              <a:endParaRPr lang="en-US" sz="800" baseline="30000" dirty="0">
-                <a:latin typeface="Arial"/>
-                <a:cs typeface="Arial"/>
-              </a:endParaRPr>
             </a:p>
           </p:txBody>
         </p:sp>
@@ -28410,10 +27150,6 @@
                 </a:rPr>
                 <a:t>2</a:t>
               </a:r>
-              <a:endParaRPr lang="en-US" sz="800" baseline="30000" dirty="0">
-                <a:latin typeface="Arial"/>
-                <a:cs typeface="Arial"/>
-              </a:endParaRPr>
             </a:p>
           </p:txBody>
         </p:sp>
@@ -28477,10 +27213,6 @@
                 </a:rPr>
                 <a:t>90</a:t>
               </a:r>
-              <a:endParaRPr lang="en-US" sz="800" dirty="0">
-                <a:latin typeface="Arial"/>
-                <a:cs typeface="Arial"/>
-              </a:endParaRPr>
             </a:p>
           </p:txBody>
         </p:sp>
@@ -28512,10 +27244,6 @@
                 </a:rPr>
                 <a:t>60</a:t>
               </a:r>
-              <a:endParaRPr lang="en-US" sz="800" dirty="0">
-                <a:latin typeface="Arial"/>
-                <a:cs typeface="Arial"/>
-              </a:endParaRPr>
             </a:p>
           </p:txBody>
         </p:sp>
@@ -28545,19 +27273,8 @@
                   <a:latin typeface="Arial"/>
                   <a:cs typeface="Arial"/>
                 </a:rPr>
-                <a:t>3</a:t>
+                <a:t>30</a:t>
               </a:r>
-              <a:r>
-                <a:rPr lang="en-US" sz="800" dirty="0">
-                  <a:latin typeface="Arial"/>
-                  <a:cs typeface="Arial"/>
-                </a:rPr>
-                <a:t>0</a:t>
-              </a:r>
-              <a:endParaRPr lang="en-US" sz="800" dirty="0">
-                <a:latin typeface="Arial"/>
-                <a:cs typeface="Arial"/>
-              </a:endParaRPr>
             </a:p>
           </p:txBody>
         </p:sp>
@@ -28589,10 +27306,6 @@
                 </a:rPr>
                 <a:t>0</a:t>
               </a:r>
-              <a:endParaRPr lang="en-US" sz="800" dirty="0">
-                <a:latin typeface="Arial"/>
-                <a:cs typeface="Arial"/>
-              </a:endParaRPr>
             </a:p>
           </p:txBody>
         </p:sp>
@@ -28624,10 +27337,6 @@
                 </a:rPr>
                 <a:t>120</a:t>
               </a:r>
-              <a:endParaRPr lang="en-US" sz="800" dirty="0">
-                <a:latin typeface="Arial"/>
-                <a:cs typeface="Arial"/>
-              </a:endParaRPr>
             </a:p>
           </p:txBody>
         </p:sp>
@@ -28659,10 +27368,6 @@
                 </a:rPr>
                 <a:t>LPS dose (ng/ml)</a:t>
               </a:r>
-              <a:endParaRPr lang="en-US" sz="800" dirty="0">
-                <a:latin typeface="Arial"/>
-                <a:cs typeface="Arial"/>
-              </a:endParaRPr>
             </a:p>
           </p:txBody>
         </p:sp>
@@ -28693,28 +27398,7 @@
                 <a:latin typeface="Arial"/>
                 <a:cs typeface="Arial"/>
               </a:rPr>
-              <a:t>Figure 4</a:t>
-            </a:r>
-            <a:r>
-              <a:rPr lang="en-US" sz="1100" b="1" dirty="0">
-                <a:latin typeface="Arial"/>
-                <a:cs typeface="Arial"/>
-              </a:rPr>
-              <a:t>. </a:t>
-            </a:r>
-            <a:r>
-              <a:rPr lang="en-US" sz="1100" b="1" dirty="0">
-                <a:latin typeface="Arial"/>
-                <a:cs typeface="Arial"/>
-              </a:rPr>
-              <a:t>The ligand induced-shuttling is responsible for the duration </a:t>
-            </a:r>
-            <a:r>
-              <a:rPr lang="en-US" sz="1100" b="1" dirty="0">
-                <a:latin typeface="Arial"/>
-                <a:cs typeface="Arial"/>
-              </a:rPr>
-              <a:t>specificity.</a:t>
+              <a:t>Figure 4. The ligand induced-shuttling is responsible for the duration specificity.</a:t>
             </a:r>
             <a:r>
               <a:rPr lang="en-US" sz="1100" dirty="0">
@@ -28735,117 +27419,104 @@
                 <a:latin typeface="Arial"/>
                 <a:cs typeface="Arial"/>
               </a:rPr>
-              <a:t>) Two receptor shuttling processes, the constitutive shuttling and the ligand-induced shuttling, </a:t>
+              <a:t>) Two receptor shuttling processes, the constitutive shuttling and the ligand-induced shuttling, are labeled in the part of the model. (</a:t>
+            </a:r>
+            <a:r>
+              <a:rPr lang="en-US" sz="1100" i="1" dirty="0">
+                <a:latin typeface="Arial"/>
+                <a:cs typeface="Arial"/>
+              </a:rPr>
+              <a:t>B-C</a:t>
             </a:r>
             <a:r>
               <a:rPr lang="en-US" sz="1100" dirty="0">
                 <a:latin typeface="Arial"/>
                 <a:cs typeface="Arial"/>
               </a:rPr>
-              <a:t>are labeled </a:t>
+              <a:t>) The NF-</a:t>
+            </a:r>
+            <a:r>
+              <a:rPr lang="en-US" sz="1100" dirty="0" err="1">
+                <a:latin typeface="Arial"/>
+                <a:cs typeface="Arial"/>
+              </a:rPr>
+              <a:t>κBn</a:t>
             </a:r>
             <a:r>
               <a:rPr lang="en-US" sz="1100" dirty="0">
                 <a:latin typeface="Arial"/>
                 <a:cs typeface="Arial"/>
               </a:rPr>
-              <a:t>in the part of the model. </a:t>
+              <a:t> time courses (</a:t>
+            </a:r>
+            <a:r>
+              <a:rPr lang="en-US" sz="1100" i="1" dirty="0">
+                <a:latin typeface="Arial"/>
+                <a:cs typeface="Arial"/>
+              </a:rPr>
+              <a:t>left</a:t>
             </a:r>
             <a:r>
               <a:rPr lang="en-US" sz="1100" dirty="0">
                 <a:latin typeface="Arial"/>
                 <a:cs typeface="Arial"/>
               </a:rPr>
-              <a:t>(</a:t>
+              <a:t>), responses duration (middle) and peak time dose responses in constitutive shuttle only condition (</a:t>
             </a:r>
             <a:r>
               <a:rPr lang="en-US" sz="1100" i="1" dirty="0">
                 <a:latin typeface="Arial"/>
                 <a:cs typeface="Arial"/>
               </a:rPr>
-              <a:t>B-C</a:t>
+              <a:t>B</a:t>
             </a:r>
             <a:r>
               <a:rPr lang="en-US" sz="1100" dirty="0">
                 <a:latin typeface="Arial"/>
                 <a:cs typeface="Arial"/>
               </a:rPr>
-              <a:t>) The </a:t>
+              <a:t>) and ligand-induced shuttle only condition (</a:t>
+            </a:r>
+            <a:r>
+              <a:rPr lang="en-US" sz="1100" i="1" dirty="0">
+                <a:latin typeface="Arial"/>
+                <a:cs typeface="Arial"/>
+              </a:rPr>
+              <a:t>C</a:t>
             </a:r>
             <a:r>
               <a:rPr lang="en-US" sz="1100" dirty="0">
                 <a:latin typeface="Arial"/>
                 <a:cs typeface="Arial"/>
               </a:rPr>
-              <a:t>NF-</a:t>
-            </a:r>
-            <a:r>
-              <a:rPr lang="en-US" sz="1100" dirty="0" err="1">
-                <a:latin typeface="Arial"/>
-                <a:cs typeface="Arial"/>
-              </a:rPr>
-              <a:t>κBn</a:t>
-            </a:r>
-            <a:r>
-              <a:rPr lang="en-US" sz="1100" dirty="0">
-                <a:latin typeface="Arial"/>
-                <a:cs typeface="Arial"/>
-              </a:rPr>
-              <a:t> </a:t>
-            </a:r>
-            <a:r>
-              <a:rPr lang="en-US" sz="1100" dirty="0">
-                <a:latin typeface="Arial"/>
-                <a:cs typeface="Arial"/>
-              </a:rPr>
-              <a:t>time courses (</a:t>
-            </a:r>
-            <a:r>
-              <a:rPr lang="en-US" sz="1100" i="1" dirty="0">
-                <a:latin typeface="Arial"/>
-                <a:cs typeface="Arial"/>
-              </a:rPr>
-              <a:t>left</a:t>
-            </a:r>
-            <a:r>
-              <a:rPr lang="en-US" sz="1100" dirty="0">
-                <a:latin typeface="Arial"/>
-                <a:cs typeface="Arial"/>
-              </a:rPr>
-              <a:t>), responses duration (middle) and peak time dose responses in constitutive shuttle only condition (</a:t>
-            </a:r>
-            <a:r>
-              <a:rPr lang="en-US" sz="1100" i="1" dirty="0">
-                <a:latin typeface="Arial"/>
-                <a:cs typeface="Arial"/>
-              </a:rPr>
-              <a:t>B</a:t>
-            </a:r>
-            <a:r>
-              <a:rPr lang="en-US" sz="1100" dirty="0">
-                <a:latin typeface="Arial"/>
-                <a:cs typeface="Arial"/>
-              </a:rPr>
-              <a:t>) and ligand-induced shuttle only condition (</a:t>
-            </a:r>
-            <a:r>
-              <a:rPr lang="en-US" sz="1100" i="1" dirty="0">
-                <a:latin typeface="Arial"/>
-                <a:cs typeface="Arial"/>
-              </a:rPr>
-              <a:t>C</a:t>
-            </a:r>
-            <a:r>
-              <a:rPr lang="en-US" sz="1100" dirty="0">
-                <a:latin typeface="Arial"/>
-                <a:cs typeface="Arial"/>
-              </a:rPr>
               <a:t>). </a:t>
             </a:r>
-            <a:endParaRPr lang="en-US" sz="1100" dirty="0">
-              <a:latin typeface="Arial"/>
-              <a:cs typeface="Arial"/>
-            </a:endParaRPr>
+          </a:p>
+        </p:txBody>
+      </p:sp>
+      <p:sp>
+        <p:nvSpPr>
+          <p:cNvPr id="5" name="TextBox 4"/>
+          <p:cNvSpPr txBox="1"/>
+          <p:nvPr/>
+        </p:nvSpPr>
+        <p:spPr>
+          <a:xfrm>
+            <a:off x="6830544" y="2140913"/>
+            <a:ext cx="184666" cy="338554"/>
+          </a:xfrm>
+          <a:prstGeom prst="rect">
+            <a:avLst/>
+          </a:prstGeom>
+          <a:noFill/>
+        </p:spPr>
+        <p:txBody>
+          <a:bodyPr wrap="none" rtlCol="0">
+            <a:spAutoFit/>
+          </a:bodyPr>
+          <a:lstStyle/>
+          <a:p>
+            <a:endParaRPr lang="en-US" dirty="0"/>
           </a:p>
         </p:txBody>
       </p:sp>
@@ -31208,21 +29879,7 @@
                 <a:latin typeface="Arial"/>
                 <a:cs typeface="Arial"/>
               </a:rPr>
-              <a:t>Figure </a:t>
-            </a:r>
-            <a:r>
-              <a:rPr lang="en-US" sz="1100" b="1" dirty="0">
-                <a:latin typeface="Arial"/>
-                <a:cs typeface="Arial"/>
-              </a:rPr>
-              <a:t>5. </a:t>
-            </a:r>
-            <a:r>
-              <a:rPr lang="en-US" sz="1100" b="1" dirty="0">
-                <a:latin typeface="Arial"/>
-                <a:cs typeface="Arial"/>
-              </a:rPr>
-              <a:t>Simulating two clusters of NF-κB dynamics in single cell. </a:t>
+              <a:t>Figure 5. Simulating two clusters of NF-κB dynamics in single cell. </a:t>
             </a:r>
             <a:r>
               <a:rPr lang="en-US" sz="1100" dirty="0">
@@ -31243,105 +29900,63 @@
                 <a:latin typeface="Arial"/>
                 <a:cs typeface="Arial"/>
               </a:rPr>
-              <a:t>) Illustrate the two random fraction parameters in the model. </a:t>
+              <a:t>) Illustrate the two random fraction parameters in the model. 200 simulations of NF-</a:t>
+            </a:r>
+            <a:r>
+              <a:rPr lang="en-US" sz="1100" dirty="0" err="1">
+                <a:latin typeface="Arial"/>
+                <a:cs typeface="Arial"/>
+              </a:rPr>
+              <a:t>κBn</a:t>
             </a:r>
             <a:r>
               <a:rPr lang="en-US" sz="1100" dirty="0">
                 <a:latin typeface="Arial"/>
                 <a:cs typeface="Arial"/>
               </a:rPr>
-              <a:t>200 </a:t>
+              <a:t> dynamics before clustering (</a:t>
+            </a:r>
+            <a:r>
+              <a:rPr lang="en-US" sz="1100" i="1" dirty="0">
+                <a:latin typeface="Arial"/>
+                <a:cs typeface="Arial"/>
+              </a:rPr>
+              <a:t>B</a:t>
             </a:r>
             <a:r>
               <a:rPr lang="en-US" sz="1100" dirty="0">
                 <a:latin typeface="Arial"/>
                 <a:cs typeface="Arial"/>
               </a:rPr>
-              <a:t>simulations of NF-</a:t>
-            </a:r>
-            <a:r>
-              <a:rPr lang="en-US" sz="1100" dirty="0" err="1">
-                <a:latin typeface="Arial"/>
-                <a:cs typeface="Arial"/>
-              </a:rPr>
-              <a:t>κBn</a:t>
+              <a:t>) and after clustering (</a:t>
+            </a:r>
+            <a:r>
+              <a:rPr lang="en-US" sz="1100" i="1" dirty="0">
+                <a:latin typeface="Arial"/>
+                <a:cs typeface="Arial"/>
+              </a:rPr>
+              <a:t>C</a:t>
             </a:r>
             <a:r>
               <a:rPr lang="en-US" sz="1100" dirty="0">
                 <a:latin typeface="Arial"/>
                 <a:cs typeface="Arial"/>
               </a:rPr>
-              <a:t> </a:t>
+              <a:t>). (</a:t>
+            </a:r>
+            <a:r>
+              <a:rPr lang="en-US" sz="1100" i="1" dirty="0">
+                <a:latin typeface="Arial"/>
+                <a:cs typeface="Arial"/>
+              </a:rPr>
+              <a:t>D-E</a:t>
             </a:r>
             <a:r>
               <a:rPr lang="en-US" sz="1100" dirty="0">
                 <a:latin typeface="Arial"/>
                 <a:cs typeface="Arial"/>
               </a:rPr>
-              <a:t>dynamics before clustering (</a:t>
-            </a:r>
-            <a:r>
-              <a:rPr lang="en-US" sz="1100" i="1" dirty="0">
-                <a:latin typeface="Arial"/>
-                <a:cs typeface="Arial"/>
-              </a:rPr>
-              <a:t>B</a:t>
-            </a:r>
-            <a:r>
-              <a:rPr lang="en-US" sz="1100" dirty="0">
-                <a:latin typeface="Arial"/>
-                <a:cs typeface="Arial"/>
-              </a:rPr>
-              <a:t>) and after clustering (</a:t>
-            </a:r>
-            <a:r>
-              <a:rPr lang="en-US" sz="1100" i="1" dirty="0">
-                <a:latin typeface="Arial"/>
-                <a:cs typeface="Arial"/>
-              </a:rPr>
-              <a:t>C</a:t>
-            </a:r>
-            <a:r>
-              <a:rPr lang="en-US" sz="1100" dirty="0">
-                <a:latin typeface="Arial"/>
-                <a:cs typeface="Arial"/>
-              </a:rPr>
-              <a:t>). (</a:t>
-            </a:r>
-            <a:r>
-              <a:rPr lang="en-US" sz="1100" i="1" dirty="0">
-                <a:latin typeface="Arial"/>
-                <a:cs typeface="Arial"/>
-              </a:rPr>
-              <a:t>D</a:t>
-            </a:r>
-            <a:r>
-              <a:rPr lang="en-US" sz="1100" i="1" dirty="0">
-                <a:latin typeface="Arial"/>
-                <a:cs typeface="Arial"/>
-              </a:rPr>
-              <a:t>-</a:t>
-            </a:r>
-            <a:r>
-              <a:rPr lang="en-US" sz="1100" i="1" dirty="0">
-                <a:latin typeface="Arial"/>
-                <a:cs typeface="Arial"/>
-              </a:rPr>
-              <a:t>E</a:t>
-            </a:r>
-            <a:r>
-              <a:rPr lang="en-US" sz="1100" dirty="0">
-                <a:latin typeface="Arial"/>
-                <a:cs typeface="Arial"/>
-              </a:rPr>
-              <a:t>) </a:t>
-            </a:r>
-            <a:r>
-              <a:rPr lang="en-US" sz="1100" dirty="0">
-                <a:latin typeface="Arial"/>
-                <a:cs typeface="Arial"/>
-              </a:rPr>
-              <a:t>The boxplot of the fraction parameters in these two clusters. </a:t>
+              <a:t>) The boxplot of the fraction parameters in these two clusters. </a:t>
             </a:r>
           </a:p>
         </p:txBody>
@@ -31448,25 +30063,8 @@
                   <a:latin typeface="Arial"/>
                   <a:cs typeface="Arial"/>
                 </a:rPr>
-                <a:t>LPS </a:t>
+                <a:t>LPS 1</a:t>
               </a:r>
-              <a:r>
-                <a:rPr lang="en-US" sz="900" b="1" dirty="0">
-                  <a:solidFill>
-                    <a:srgbClr val="000000"/>
-                  </a:solidFill>
-                  <a:latin typeface="Arial"/>
-                  <a:cs typeface="Arial"/>
-                </a:rPr>
-                <a:t>1</a:t>
-              </a:r>
-              <a:endParaRPr lang="en-US" sz="900" b="1" dirty="0">
-                <a:solidFill>
-                  <a:srgbClr val="000000"/>
-                </a:solidFill>
-                <a:latin typeface="Arial"/>
-                <a:cs typeface="Arial"/>
-              </a:endParaRPr>
             </a:p>
           </p:txBody>
         </p:sp>
@@ -31501,13 +30099,6 @@
                 </a:rPr>
                 <a:t>LPS 2</a:t>
               </a:r>
-              <a:endParaRPr lang="en-US" sz="900" b="1" dirty="0">
-                <a:solidFill>
-                  <a:srgbClr val="000000"/>
-                </a:solidFill>
-                <a:latin typeface="Arial"/>
-                <a:cs typeface="Arial"/>
-              </a:endParaRPr>
             </a:p>
           </p:txBody>
         </p:sp>
@@ -31553,10 +30144,6 @@
                   </a:rPr>
                   <a:t>1</a:t>
                 </a:r>
-                <a:endParaRPr lang="en-US" sz="900" dirty="0">
-                  <a:latin typeface="Arial"/>
-                  <a:cs typeface="Arial"/>
-                </a:endParaRPr>
               </a:p>
             </p:txBody>
           </p:sp>
@@ -31588,10 +30175,6 @@
                   </a:rPr>
                   <a:t>50</a:t>
                 </a:r>
-                <a:endParaRPr lang="en-US" sz="900" dirty="0">
-                  <a:latin typeface="Arial"/>
-                  <a:cs typeface="Arial"/>
-                </a:endParaRPr>
               </a:p>
             </p:txBody>
           </p:sp>
@@ -31623,10 +30206,6 @@
                   </a:rPr>
                   <a:t>100</a:t>
                 </a:r>
-                <a:endParaRPr lang="en-US" sz="900" dirty="0">
-                  <a:latin typeface="Arial"/>
-                  <a:cs typeface="Arial"/>
-                </a:endParaRPr>
               </a:p>
             </p:txBody>
           </p:sp>
@@ -31658,10 +30237,6 @@
                   </a:rPr>
                   <a:t>150</a:t>
                 </a:r>
-                <a:endParaRPr lang="en-US" sz="900" dirty="0">
-                  <a:latin typeface="Arial"/>
-                  <a:cs typeface="Arial"/>
-                </a:endParaRPr>
               </a:p>
             </p:txBody>
           </p:sp>
@@ -31693,10 +30268,6 @@
                   </a:rPr>
                   <a:t>200</a:t>
                 </a:r>
-                <a:endParaRPr lang="en-US" sz="900" dirty="0">
-                  <a:latin typeface="Arial"/>
-                  <a:cs typeface="Arial"/>
-                </a:endParaRPr>
               </a:p>
             </p:txBody>
           </p:sp>
@@ -31728,10 +30299,6 @@
                   </a:rPr>
                   <a:t>0</a:t>
                 </a:r>
-                <a:endParaRPr lang="en-US" sz="800" dirty="0">
-                  <a:latin typeface="Arial"/>
-                  <a:cs typeface="Arial"/>
-                </a:endParaRPr>
               </a:p>
             </p:txBody>
           </p:sp>
@@ -31763,10 +30330,6 @@
                   </a:rPr>
                   <a:t>60</a:t>
                 </a:r>
-                <a:endParaRPr lang="en-US" sz="800" dirty="0">
-                  <a:latin typeface="Arial"/>
-                  <a:cs typeface="Arial"/>
-                </a:endParaRPr>
               </a:p>
             </p:txBody>
           </p:sp>
@@ -31798,10 +30361,6 @@
                   </a:rPr>
                   <a:t>120</a:t>
                 </a:r>
-                <a:endParaRPr lang="en-US" sz="800" dirty="0">
-                  <a:latin typeface="Arial"/>
-                  <a:cs typeface="Arial"/>
-                </a:endParaRPr>
               </a:p>
             </p:txBody>
           </p:sp>
@@ -31833,10 +30392,6 @@
                   </a:rPr>
                   <a:t>180</a:t>
                 </a:r>
-                <a:endParaRPr lang="en-US" sz="800" dirty="0">
-                  <a:latin typeface="Arial"/>
-                  <a:cs typeface="Arial"/>
-                </a:endParaRPr>
               </a:p>
             </p:txBody>
           </p:sp>
@@ -31868,10 +30423,6 @@
                   </a:rPr>
                   <a:t>240</a:t>
                 </a:r>
-                <a:endParaRPr lang="en-US" sz="800" dirty="0">
-                  <a:latin typeface="Arial"/>
-                  <a:cs typeface="Arial"/>
-                </a:endParaRPr>
               </a:p>
             </p:txBody>
           </p:sp>
@@ -31903,10 +30454,6 @@
                   </a:rPr>
                   <a:t>Time (min)</a:t>
                 </a:r>
-                <a:endParaRPr lang="en-US" sz="800" dirty="0">
-                  <a:latin typeface="Arial"/>
-                  <a:cs typeface="Arial"/>
-                </a:endParaRPr>
               </a:p>
             </p:txBody>
           </p:sp>
@@ -31938,10 +30485,6 @@
                   </a:rPr>
                   <a:t>1</a:t>
                 </a:r>
-                <a:endParaRPr lang="en-US" sz="900" dirty="0">
-                  <a:latin typeface="Arial"/>
-                  <a:cs typeface="Arial"/>
-                </a:endParaRPr>
               </a:p>
             </p:txBody>
           </p:sp>
@@ -31973,10 +30516,6 @@
                   </a:rPr>
                   <a:t>0.8</a:t>
                 </a:r>
-                <a:endParaRPr lang="en-US" sz="900" dirty="0">
-                  <a:latin typeface="Arial"/>
-                  <a:cs typeface="Arial"/>
-                </a:endParaRPr>
               </a:p>
             </p:txBody>
           </p:sp>
@@ -32008,10 +30547,6 @@
                   </a:rPr>
                   <a:t>0.6</a:t>
                 </a:r>
-                <a:endParaRPr lang="en-US" sz="900" dirty="0">
-                  <a:latin typeface="Arial"/>
-                  <a:cs typeface="Arial"/>
-                </a:endParaRPr>
               </a:p>
             </p:txBody>
           </p:sp>
@@ -32043,10 +30578,6 @@
                   </a:rPr>
                   <a:t>0.4</a:t>
                 </a:r>
-                <a:endParaRPr lang="en-US" sz="900" dirty="0">
-                  <a:latin typeface="Arial"/>
-                  <a:cs typeface="Arial"/>
-                </a:endParaRPr>
               </a:p>
             </p:txBody>
           </p:sp>
@@ -32078,10 +30609,6 @@
                   </a:rPr>
                   <a:t>0.2</a:t>
                 </a:r>
-                <a:endParaRPr lang="en-US" sz="900" dirty="0">
-                  <a:latin typeface="Arial"/>
-                  <a:cs typeface="Arial"/>
-                </a:endParaRPr>
               </a:p>
             </p:txBody>
           </p:sp>
@@ -32113,10 +30640,6 @@
                   </a:rPr>
                   <a:t>0</a:t>
                 </a:r>
-                <a:endParaRPr lang="en-US" sz="900" dirty="0">
-                  <a:latin typeface="Arial"/>
-                  <a:cs typeface="Arial"/>
-                </a:endParaRPr>
               </a:p>
             </p:txBody>
           </p:sp>
@@ -32212,10 +30735,6 @@
                 </a:rPr>
                 <a:t>)</a:t>
               </a:r>
-              <a:endParaRPr lang="en-US" sz="900" dirty="0">
-                <a:latin typeface="Arial"/>
-                <a:cs typeface="Arial"/>
-              </a:endParaRPr>
             </a:p>
           </p:txBody>
         </p:sp>
@@ -32254,14 +30773,7 @@
                   <a:latin typeface="Arial"/>
                   <a:cs typeface="Arial"/>
                 </a:rPr>
-                <a:t> </a:t>
-              </a:r>
-              <a:r>
-                <a:rPr lang="en-US" sz="900" dirty="0">
-                  <a:latin typeface="Arial"/>
-                  <a:cs typeface="Arial"/>
-                </a:rPr>
-                <a:t>      (</a:t>
+                <a:t>       (</a:t>
               </a:r>
               <a:r>
                 <a:rPr lang="en-US" sz="900" dirty="0" err="1">
@@ -32284,10 +30796,6 @@
                 </a:rPr>
                 <a:t>)</a:t>
               </a:r>
-              <a:endParaRPr lang="en-US" sz="900" dirty="0">
-                <a:latin typeface="Arial"/>
-                <a:cs typeface="Arial"/>
-              </a:endParaRPr>
             </a:p>
           </p:txBody>
         </p:sp>
@@ -32392,10 +30900,6 @@
                 </a:rPr>
                 <a:t>0</a:t>
               </a:r>
-              <a:endParaRPr lang="en-US" sz="900" dirty="0">
-                <a:latin typeface="Helvetica"/>
-                <a:cs typeface="Helvetica"/>
-              </a:endParaRPr>
             </a:p>
           </p:txBody>
         </p:sp>
@@ -32428,10 +30932,6 @@
                 </a:rPr>
                 <a:t>0.5</a:t>
               </a:r>
-              <a:endParaRPr lang="en-US" sz="900" dirty="0">
-                <a:latin typeface="Helvetica"/>
-                <a:cs typeface="Helvetica"/>
-              </a:endParaRPr>
             </a:p>
           </p:txBody>
         </p:sp>
@@ -32494,10 +30994,6 @@
                 </a:rPr>
                 <a:t>)</a:t>
               </a:r>
-              <a:endParaRPr lang="en-US" sz="900" dirty="0">
-                <a:latin typeface="Arial"/>
-                <a:cs typeface="Arial"/>
-              </a:endParaRPr>
             </a:p>
           </p:txBody>
         </p:sp>
@@ -32536,14 +31032,7 @@
                   <a:latin typeface="Arial"/>
                   <a:cs typeface="Arial"/>
                 </a:rPr>
-                <a:t> </a:t>
-              </a:r>
-              <a:r>
-                <a:rPr lang="en-US" sz="900" dirty="0">
-                  <a:latin typeface="Arial"/>
-                  <a:cs typeface="Arial"/>
-                </a:rPr>
-                <a:t>      (</a:t>
+                <a:t>       (</a:t>
               </a:r>
               <a:r>
                 <a:rPr lang="en-US" sz="900" dirty="0" err="1">
@@ -32566,10 +31055,6 @@
                 </a:rPr>
                 <a:t>)</a:t>
               </a:r>
-              <a:endParaRPr lang="en-US" sz="900" dirty="0">
-                <a:latin typeface="Arial"/>
-                <a:cs typeface="Arial"/>
-              </a:endParaRPr>
             </a:p>
           </p:txBody>
         </p:sp>
@@ -32674,10 +31159,6 @@
                 </a:rPr>
                 <a:t>0</a:t>
               </a:r>
-              <a:endParaRPr lang="en-US" sz="900" dirty="0">
-                <a:latin typeface="Helvetica"/>
-                <a:cs typeface="Helvetica"/>
-              </a:endParaRPr>
             </a:p>
           </p:txBody>
         </p:sp>
@@ -32710,10 +31191,6 @@
                 </a:rPr>
                 <a:t>0.5</a:t>
               </a:r>
-              <a:endParaRPr lang="en-US" sz="900" dirty="0">
-                <a:latin typeface="Helvetica"/>
-                <a:cs typeface="Helvetica"/>
-              </a:endParaRPr>
             </a:p>
           </p:txBody>
         </p:sp>
@@ -32759,10 +31236,6 @@
                   </a:rPr>
                   <a:t>1</a:t>
                 </a:r>
-                <a:endParaRPr lang="en-US" sz="900" dirty="0">
-                  <a:latin typeface="Arial"/>
-                  <a:cs typeface="Arial"/>
-                </a:endParaRPr>
               </a:p>
             </p:txBody>
           </p:sp>
@@ -32794,10 +31267,6 @@
                   </a:rPr>
                   <a:t>50</a:t>
                 </a:r>
-                <a:endParaRPr lang="en-US" sz="900" dirty="0">
-                  <a:latin typeface="Arial"/>
-                  <a:cs typeface="Arial"/>
-                </a:endParaRPr>
               </a:p>
             </p:txBody>
           </p:sp>
@@ -32829,10 +31298,6 @@
                   </a:rPr>
                   <a:t>100</a:t>
                 </a:r>
-                <a:endParaRPr lang="en-US" sz="900" dirty="0">
-                  <a:latin typeface="Arial"/>
-                  <a:cs typeface="Arial"/>
-                </a:endParaRPr>
               </a:p>
             </p:txBody>
           </p:sp>
@@ -32864,10 +31329,6 @@
                   </a:rPr>
                   <a:t>150</a:t>
                 </a:r>
-                <a:endParaRPr lang="en-US" sz="900" dirty="0">
-                  <a:latin typeface="Arial"/>
-                  <a:cs typeface="Arial"/>
-                </a:endParaRPr>
               </a:p>
             </p:txBody>
           </p:sp>
@@ -32899,10 +31360,6 @@
                   </a:rPr>
                   <a:t>200</a:t>
                 </a:r>
-                <a:endParaRPr lang="en-US" sz="900" dirty="0">
-                  <a:latin typeface="Arial"/>
-                  <a:cs typeface="Arial"/>
-                </a:endParaRPr>
               </a:p>
             </p:txBody>
           </p:sp>
@@ -32934,10 +31391,6 @@
                   </a:rPr>
                   <a:t>0</a:t>
                 </a:r>
-                <a:endParaRPr lang="en-US" sz="800" dirty="0">
-                  <a:latin typeface="Arial"/>
-                  <a:cs typeface="Arial"/>
-                </a:endParaRPr>
               </a:p>
             </p:txBody>
           </p:sp>
@@ -32969,10 +31422,6 @@
                   </a:rPr>
                   <a:t>60</a:t>
                 </a:r>
-                <a:endParaRPr lang="en-US" sz="800" dirty="0">
-                  <a:latin typeface="Arial"/>
-                  <a:cs typeface="Arial"/>
-                </a:endParaRPr>
               </a:p>
             </p:txBody>
           </p:sp>
@@ -33004,10 +31453,6 @@
                   </a:rPr>
                   <a:t>120</a:t>
                 </a:r>
-                <a:endParaRPr lang="en-US" sz="800" dirty="0">
-                  <a:latin typeface="Arial"/>
-                  <a:cs typeface="Arial"/>
-                </a:endParaRPr>
               </a:p>
             </p:txBody>
           </p:sp>
@@ -33039,10 +31484,6 @@
                   </a:rPr>
                   <a:t>180</a:t>
                 </a:r>
-                <a:endParaRPr lang="en-US" sz="800" dirty="0">
-                  <a:latin typeface="Arial"/>
-                  <a:cs typeface="Arial"/>
-                </a:endParaRPr>
               </a:p>
             </p:txBody>
           </p:sp>
@@ -33074,10 +31515,6 @@
                   </a:rPr>
                   <a:t>240</a:t>
                 </a:r>
-                <a:endParaRPr lang="en-US" sz="800" dirty="0">
-                  <a:latin typeface="Arial"/>
-                  <a:cs typeface="Arial"/>
-                </a:endParaRPr>
               </a:p>
             </p:txBody>
           </p:sp>
@@ -33109,10 +31546,6 @@
                   </a:rPr>
                   <a:t>Time (min)</a:t>
                 </a:r>
-                <a:endParaRPr lang="en-US" sz="800" dirty="0">
-                  <a:latin typeface="Arial"/>
-                  <a:cs typeface="Arial"/>
-                </a:endParaRPr>
               </a:p>
             </p:txBody>
           </p:sp>
@@ -33144,10 +31577,6 @@
                   </a:rPr>
                   <a:t>1</a:t>
                 </a:r>
-                <a:endParaRPr lang="en-US" sz="900" dirty="0">
-                  <a:latin typeface="Arial"/>
-                  <a:cs typeface="Arial"/>
-                </a:endParaRPr>
               </a:p>
             </p:txBody>
           </p:sp>
@@ -33179,10 +31608,6 @@
                   </a:rPr>
                   <a:t>0.8</a:t>
                 </a:r>
-                <a:endParaRPr lang="en-US" sz="900" dirty="0">
-                  <a:latin typeface="Arial"/>
-                  <a:cs typeface="Arial"/>
-                </a:endParaRPr>
               </a:p>
             </p:txBody>
           </p:sp>
@@ -33214,10 +31639,6 @@
                   </a:rPr>
                   <a:t>0.6</a:t>
                 </a:r>
-                <a:endParaRPr lang="en-US" sz="900" dirty="0">
-                  <a:latin typeface="Arial"/>
-                  <a:cs typeface="Arial"/>
-                </a:endParaRPr>
               </a:p>
             </p:txBody>
           </p:sp>
@@ -33249,10 +31670,6 @@
                   </a:rPr>
                   <a:t>0.4</a:t>
                 </a:r>
-                <a:endParaRPr lang="en-US" sz="900" dirty="0">
-                  <a:latin typeface="Arial"/>
-                  <a:cs typeface="Arial"/>
-                </a:endParaRPr>
               </a:p>
             </p:txBody>
           </p:sp>
@@ -33284,10 +31701,6 @@
                   </a:rPr>
                   <a:t>0.2</a:t>
                 </a:r>
-                <a:endParaRPr lang="en-US" sz="900" dirty="0">
-                  <a:latin typeface="Arial"/>
-                  <a:cs typeface="Arial"/>
-                </a:endParaRPr>
               </a:p>
             </p:txBody>
           </p:sp>
@@ -33319,10 +31732,6 @@
                   </a:rPr>
                   <a:t>0</a:t>
                 </a:r>
-                <a:endParaRPr lang="en-US" sz="900" dirty="0">
-                  <a:latin typeface="Arial"/>
-                  <a:cs typeface="Arial"/>
-                </a:endParaRPr>
               </a:p>
             </p:txBody>
           </p:sp>
@@ -34200,10 +32609,6 @@
               </a:rPr>
               <a:t>0</a:t>
             </a:r>
-            <a:endParaRPr lang="en-US" sz="1100" baseline="-25000" dirty="0">
-              <a:latin typeface="Helvetica"/>
-              <a:cs typeface="Helvetica"/>
-            </a:endParaRPr>
           </a:p>
         </p:txBody>
       </p:sp>
@@ -34488,10 +32893,6 @@
               </a:rPr>
               <a:t>0.2</a:t>
             </a:r>
-            <a:endParaRPr lang="en-US" sz="1100" dirty="0">
-              <a:latin typeface="Helvetica"/>
-              <a:cs typeface="Helvetica"/>
-            </a:endParaRPr>
           </a:p>
         </p:txBody>
       </p:sp>
@@ -34524,10 +32925,6 @@
               </a:rPr>
               <a:t>0.4</a:t>
             </a:r>
-            <a:endParaRPr lang="en-US" sz="1100" dirty="0">
-              <a:latin typeface="Helvetica"/>
-              <a:cs typeface="Helvetica"/>
-            </a:endParaRPr>
           </a:p>
         </p:txBody>
       </p:sp>
@@ -34560,10 +32957,6 @@
               </a:rPr>
               <a:t>0.8</a:t>
             </a:r>
-            <a:endParaRPr lang="en-US" sz="1100" dirty="0">
-              <a:latin typeface="Helvetica"/>
-              <a:cs typeface="Helvetica"/>
-            </a:endParaRPr>
           </a:p>
         </p:txBody>
       </p:sp>
@@ -34753,10 +33146,6 @@
               </a:rPr>
               <a:t>0.2</a:t>
             </a:r>
-            <a:endParaRPr lang="en-US" sz="1100" dirty="0">
-              <a:latin typeface="Helvetica"/>
-              <a:cs typeface="Helvetica"/>
-            </a:endParaRPr>
           </a:p>
         </p:txBody>
       </p:sp>
@@ -34789,10 +33178,6 @@
               </a:rPr>
               <a:t>0.4</a:t>
             </a:r>
-            <a:endParaRPr lang="en-US" sz="1100" dirty="0">
-              <a:latin typeface="Helvetica"/>
-              <a:cs typeface="Helvetica"/>
-            </a:endParaRPr>
           </a:p>
         </p:txBody>
       </p:sp>
@@ -34825,10 +33210,6 @@
               </a:rPr>
               <a:t>0.8</a:t>
             </a:r>
-            <a:endParaRPr lang="en-US" sz="1100" dirty="0">
-              <a:latin typeface="Helvetica"/>
-              <a:cs typeface="Helvetica"/>
-            </a:endParaRPr>
           </a:p>
         </p:txBody>
       </p:sp>
@@ -35029,21 +33410,7 @@
                 <a:latin typeface="Arial"/>
                 <a:cs typeface="Arial"/>
               </a:rPr>
-              <a:t>Figure </a:t>
-            </a:r>
-            <a:r>
-              <a:rPr lang="en-US" sz="1100" b="1" dirty="0">
-                <a:latin typeface="Arial"/>
-                <a:cs typeface="Arial"/>
-              </a:rPr>
-              <a:t>S3. </a:t>
-            </a:r>
-            <a:r>
-              <a:rPr lang="en-US" sz="1100" b="1" dirty="0">
-                <a:latin typeface="Arial"/>
-                <a:cs typeface="Arial"/>
-              </a:rPr>
-              <a:t>The Myddosome formation model. </a:t>
+              <a:t>Figure S3. The Myddosome formation model. </a:t>
             </a:r>
             <a:r>
               <a:rPr lang="en-US" sz="1100" dirty="0">
@@ -35064,203 +33431,161 @@
                 <a:latin typeface="Arial"/>
                 <a:cs typeface="Arial"/>
               </a:rPr>
-              <a:t>) The </a:t>
+              <a:t>) The relative concentrations of M</a:t>
+            </a:r>
+            <a:r>
+              <a:rPr lang="en-US" sz="1100" baseline="-25000" dirty="0">
+                <a:latin typeface="Arial"/>
+                <a:cs typeface="Arial"/>
+              </a:rPr>
+              <a:t>6</a:t>
+            </a:r>
+            <a:r>
+              <a:rPr lang="en-US" sz="1100" baseline="30000" dirty="0">
+                <a:latin typeface="Arial"/>
+                <a:cs typeface="Arial"/>
+              </a:rPr>
+              <a:t>ss</a:t>
             </a:r>
             <a:r>
               <a:rPr lang="en-US" sz="1100" dirty="0">
                 <a:latin typeface="Arial"/>
                 <a:cs typeface="Arial"/>
               </a:rPr>
-              <a:t>relative concentrations of M</a:t>
+              <a:t>/M</a:t>
             </a:r>
             <a:r>
               <a:rPr lang="en-US" sz="1100" baseline="-25000" dirty="0">
                 <a:latin typeface="Arial"/>
                 <a:cs typeface="Arial"/>
               </a:rPr>
+              <a:t>0</a:t>
+            </a:r>
+            <a:r>
+              <a:rPr lang="en-US" sz="1100" dirty="0">
+                <a:latin typeface="Arial"/>
+                <a:cs typeface="Arial"/>
+              </a:rPr>
+              <a:t> versus the relative input concentration C</a:t>
+            </a:r>
+            <a:r>
+              <a:rPr lang="en-US" sz="1100" baseline="-25000" dirty="0">
+                <a:latin typeface="Arial"/>
+                <a:cs typeface="Arial"/>
+              </a:rPr>
+              <a:t>0</a:t>
+            </a:r>
+            <a:r>
+              <a:rPr lang="en-US" sz="1100" dirty="0">
+                <a:latin typeface="Arial"/>
+                <a:cs typeface="Arial"/>
+              </a:rPr>
+              <a:t>/M</a:t>
+            </a:r>
+            <a:r>
+              <a:rPr lang="en-US" sz="1100" baseline="-25000" dirty="0">
+                <a:latin typeface="Arial"/>
+                <a:cs typeface="Arial"/>
+              </a:rPr>
+              <a:t>0</a:t>
+            </a:r>
+            <a:r>
+              <a:rPr lang="en-US" sz="1100" dirty="0">
+                <a:latin typeface="Arial"/>
+                <a:cs typeface="Arial"/>
+              </a:rPr>
+              <a:t> in the upper left panel (dots). Parameters are k</a:t>
+            </a:r>
+            <a:r>
+              <a:rPr lang="en-US" sz="1100" baseline="-25000" dirty="0">
+                <a:latin typeface="Arial"/>
+                <a:cs typeface="Arial"/>
+              </a:rPr>
+              <a:t>f</a:t>
+            </a:r>
+            <a:r>
+              <a:rPr lang="en-US" sz="1100" dirty="0">
+                <a:latin typeface="Arial"/>
+                <a:cs typeface="Arial"/>
+              </a:rPr>
+              <a:t>=1, k</a:t>
+            </a:r>
+            <a:r>
+              <a:rPr lang="en-US" sz="1100" baseline="-25000" dirty="0">
+                <a:latin typeface="Arial"/>
+                <a:cs typeface="Arial"/>
+              </a:rPr>
+              <a:t>b</a:t>
+            </a:r>
+            <a:r>
+              <a:rPr lang="en-US" sz="1100" dirty="0">
+                <a:latin typeface="Arial"/>
+                <a:cs typeface="Arial"/>
+              </a:rPr>
+              <a:t>=0.1 and M</a:t>
+            </a:r>
+            <a:r>
+              <a:rPr lang="en-US" sz="1100" baseline="-25000" dirty="0">
+                <a:latin typeface="Arial"/>
+                <a:cs typeface="Arial"/>
+              </a:rPr>
+              <a:t>0</a:t>
+            </a:r>
+            <a:r>
+              <a:rPr lang="en-US" sz="1100" dirty="0">
+                <a:latin typeface="Arial"/>
+                <a:cs typeface="Arial"/>
+              </a:rPr>
+              <a:t>=1. The relationship can be fitted by a Hill equation with Hill constant n = 3.0 (</a:t>
+            </a:r>
+            <a:r>
+              <a:rPr lang="en-US" altLang="zh-CN" sz="1100" dirty="0">
+                <a:latin typeface="Arial"/>
+                <a:cs typeface="Arial"/>
+              </a:rPr>
+              <a:t>solid </a:t>
+            </a:r>
+            <a:r>
+              <a:rPr lang="en-US" sz="1100" dirty="0">
+                <a:latin typeface="Arial"/>
+                <a:cs typeface="Arial"/>
+              </a:rPr>
+              <a:t>line). (</a:t>
+            </a:r>
+            <a:r>
+              <a:rPr lang="en-US" sz="1100" i="1" dirty="0">
+                <a:latin typeface="Arial"/>
+                <a:cs typeface="Arial"/>
+              </a:rPr>
+              <a:t>B</a:t>
+            </a:r>
+            <a:r>
+              <a:rPr lang="en-US" sz="1100" dirty="0">
+                <a:latin typeface="Arial"/>
+                <a:cs typeface="Arial"/>
+              </a:rPr>
+              <a:t>) The dose-response of M</a:t>
+            </a:r>
+            <a:r>
+              <a:rPr lang="en-US" sz="1100" baseline="30000" dirty="0">
+                <a:latin typeface="Arial"/>
+                <a:cs typeface="Arial"/>
+              </a:rPr>
+              <a:t>ss</a:t>
+            </a:r>
+            <a:r>
+              <a:rPr lang="en-US" sz="1100" baseline="-25000" dirty="0">
+                <a:latin typeface="Arial"/>
+                <a:cs typeface="Arial"/>
+              </a:rPr>
               <a:t>6</a:t>
             </a:r>
             <a:r>
-              <a:rPr lang="en-US" sz="1100" baseline="30000" dirty="0">
-                <a:latin typeface="Arial"/>
-                <a:cs typeface="Arial"/>
-              </a:rPr>
-              <a:t>ss</a:t>
-            </a:r>
-            <a:r>
               <a:rPr lang="en-US" sz="1100" dirty="0">
                 <a:latin typeface="Arial"/>
                 <a:cs typeface="Arial"/>
               </a:rPr>
               <a:t>/M</a:t>
-            </a:r>
-            <a:r>
-              <a:rPr lang="en-US" sz="1100" baseline="-25000" dirty="0">
-                <a:latin typeface="Arial"/>
-                <a:cs typeface="Arial"/>
-              </a:rPr>
-              <a:t>0</a:t>
-            </a:r>
-            <a:r>
-              <a:rPr lang="en-US" sz="1100" dirty="0">
-                <a:latin typeface="Arial"/>
-                <a:cs typeface="Arial"/>
-              </a:rPr>
-              <a:t> versus the relative input concentration C</a:t>
-            </a:r>
-            <a:r>
-              <a:rPr lang="en-US" sz="1100" baseline="-25000" dirty="0">
-                <a:latin typeface="Arial"/>
-                <a:cs typeface="Arial"/>
-              </a:rPr>
-              <a:t>0</a:t>
-            </a:r>
-            <a:r>
-              <a:rPr lang="en-US" sz="1100" dirty="0">
-                <a:latin typeface="Arial"/>
-                <a:cs typeface="Arial"/>
-              </a:rPr>
-              <a:t>/M</a:t>
-            </a:r>
-            <a:r>
-              <a:rPr lang="en-US" sz="1100" baseline="-25000" dirty="0">
-                <a:latin typeface="Arial"/>
-                <a:cs typeface="Arial"/>
-              </a:rPr>
-              <a:t>0</a:t>
-            </a:r>
-            <a:r>
-              <a:rPr lang="en-US" sz="1100" dirty="0">
-                <a:latin typeface="Arial"/>
-                <a:cs typeface="Arial"/>
-              </a:rPr>
-              <a:t> in the upper left panel (dots). Parameters are k</a:t>
-            </a:r>
-            <a:r>
-              <a:rPr lang="en-US" sz="1100" baseline="-25000" dirty="0">
-                <a:latin typeface="Arial"/>
-                <a:cs typeface="Arial"/>
-              </a:rPr>
-              <a:t>f</a:t>
-            </a:r>
-            <a:r>
-              <a:rPr lang="en-US" sz="1100" dirty="0">
-                <a:latin typeface="Arial"/>
-                <a:cs typeface="Arial"/>
-              </a:rPr>
-              <a:t>=1, k</a:t>
-            </a:r>
-            <a:r>
-              <a:rPr lang="en-US" sz="1100" baseline="-25000" dirty="0">
-                <a:latin typeface="Arial"/>
-                <a:cs typeface="Arial"/>
-              </a:rPr>
-              <a:t>b</a:t>
-            </a:r>
-            <a:r>
-              <a:rPr lang="en-US" sz="1100" dirty="0">
-                <a:latin typeface="Arial"/>
-                <a:cs typeface="Arial"/>
-              </a:rPr>
-              <a:t>=0.1 and M</a:t>
-            </a:r>
-            <a:r>
-              <a:rPr lang="en-US" sz="1100" baseline="-25000" dirty="0">
-                <a:latin typeface="Arial"/>
-                <a:cs typeface="Arial"/>
-              </a:rPr>
-              <a:t>0</a:t>
-            </a:r>
-            <a:r>
-              <a:rPr lang="en-US" sz="1100" dirty="0">
-                <a:latin typeface="Arial"/>
-                <a:cs typeface="Arial"/>
-              </a:rPr>
-              <a:t>=1. The relationship can be fitted by a Hill equation with Hill constant n = 3.0 </a:t>
-            </a:r>
-            <a:r>
-              <a:rPr lang="en-US" sz="1100" dirty="0">
-                <a:latin typeface="Arial"/>
-                <a:cs typeface="Arial"/>
-              </a:rPr>
-              <a:t>(</a:t>
-            </a:r>
-            <a:r>
-              <a:rPr lang="en-US" altLang="zh-CN" sz="1100" dirty="0">
-                <a:latin typeface="Arial"/>
-                <a:cs typeface="Arial"/>
-              </a:rPr>
-              <a:t>solid </a:t>
-            </a:r>
-            <a:r>
-              <a:rPr lang="en-US" sz="1100" dirty="0">
-                <a:latin typeface="Arial"/>
-                <a:cs typeface="Arial"/>
-              </a:rPr>
-              <a:t>line). (</a:t>
-            </a:r>
-            <a:r>
-              <a:rPr lang="en-US" sz="1100" i="1" dirty="0">
-                <a:latin typeface="Arial"/>
-                <a:cs typeface="Arial"/>
-              </a:rPr>
-              <a:t>B</a:t>
-            </a:r>
-            <a:r>
-              <a:rPr lang="en-US" sz="1100" dirty="0">
-                <a:latin typeface="Arial"/>
-                <a:cs typeface="Arial"/>
-              </a:rPr>
-              <a:t>) The </a:t>
-            </a:r>
-            <a:r>
-              <a:rPr lang="en-US" sz="1100" dirty="0">
-                <a:latin typeface="Arial"/>
-                <a:cs typeface="Arial"/>
-              </a:rPr>
-              <a:t>dose-</a:t>
-            </a:r>
-            <a:r>
-              <a:rPr lang="en-US" sz="1100" dirty="0">
-                <a:latin typeface="Arial"/>
-                <a:cs typeface="Arial"/>
-              </a:rPr>
-              <a:t>response of </a:t>
-            </a:r>
-            <a:r>
-              <a:rPr lang="en-US" sz="1100" dirty="0">
-                <a:latin typeface="Arial"/>
-                <a:cs typeface="Arial"/>
-              </a:rPr>
-              <a:t>M</a:t>
-            </a:r>
-            <a:r>
-              <a:rPr lang="en-US" sz="1100" baseline="30000" dirty="0">
-                <a:latin typeface="Arial"/>
-                <a:cs typeface="Arial"/>
-              </a:rPr>
-              <a:t>ss</a:t>
-            </a:r>
-            <a:r>
-              <a:rPr lang="en-US" sz="1100" baseline="-25000" dirty="0">
-                <a:latin typeface="Arial"/>
-                <a:cs typeface="Arial"/>
-              </a:rPr>
-              <a:t>6</a:t>
-            </a:r>
-            <a:r>
-              <a:rPr lang="en-US" sz="1100" dirty="0">
-                <a:latin typeface="Arial"/>
-                <a:cs typeface="Arial"/>
-              </a:rPr>
-              <a:t>/</a:t>
-            </a:r>
-            <a:r>
-              <a:rPr lang="en-US" sz="1100" dirty="0">
-                <a:latin typeface="Arial"/>
-                <a:cs typeface="Arial"/>
-              </a:rPr>
-              <a:t>M</a:t>
             </a:r>
             <a:r>
               <a:rPr lang="en-US" sz="1100" baseline="-25000" dirty="0">
@@ -35295,14 +33620,7 @@
                 <a:latin typeface="Helvetica"/>
                 <a:cs typeface="Helvetica"/>
               </a:rPr>
-              <a:t>/</a:t>
-            </a:r>
-            <a:r>
-              <a:rPr lang="en-US" sz="1100" dirty="0">
-                <a:latin typeface="Helvetica"/>
-                <a:cs typeface="Helvetica"/>
-              </a:rPr>
-              <a:t>M</a:t>
+              <a:t>/M</a:t>
             </a:r>
             <a:r>
               <a:rPr lang="en-US" sz="1100" baseline="-25000" dirty="0">
@@ -35316,20 +33634,41 @@
                 <a:latin typeface="Arial"/>
                 <a:cs typeface="Arial"/>
               </a:rPr>
-              <a:t>, by varying </a:t>
+              <a:t>, by varying the fraction k</a:t>
+            </a:r>
+            <a:r>
+              <a:rPr lang="en-US" sz="1100" baseline="-25000" dirty="0">
+                <a:latin typeface="Arial"/>
+                <a:cs typeface="Arial"/>
+              </a:rPr>
+              <a:t>f</a:t>
             </a:r>
             <a:r>
               <a:rPr lang="en-US" sz="1100" dirty="0">
                 <a:latin typeface="Arial"/>
                 <a:cs typeface="Arial"/>
               </a:rPr>
-              <a:t>the fraction k</a:t>
+              <a:t> /k</a:t>
             </a:r>
             <a:r>
               <a:rPr lang="en-US" sz="1100" baseline="-25000" dirty="0">
                 <a:latin typeface="Arial"/>
                 <a:cs typeface="Arial"/>
               </a:rPr>
+              <a:t>b</a:t>
+            </a:r>
+            <a:r>
+              <a:rPr lang="en-US" sz="1100" dirty="0">
+                <a:latin typeface="Arial"/>
+                <a:cs typeface="Arial"/>
+              </a:rPr>
+              <a:t> by changing k</a:t>
+            </a:r>
+            <a:r>
+              <a:rPr lang="en-US" sz="1100" baseline="-25000" dirty="0">
+                <a:latin typeface="Arial"/>
+                <a:cs typeface="Arial"/>
+              </a:rPr>
               <a:t>f</a:t>
             </a:r>
             <a:r>
@@ -35337,47 +33676,8 @@
                 <a:latin typeface="Arial"/>
                 <a:cs typeface="Arial"/>
               </a:rPr>
-              <a:t> /k</a:t>
-            </a:r>
-            <a:r>
-              <a:rPr lang="en-US" sz="1100" baseline="-25000" dirty="0">
-                <a:latin typeface="Arial"/>
-                <a:cs typeface="Arial"/>
-              </a:rPr>
-              <a:t>b</a:t>
-            </a:r>
-            <a:r>
-              <a:rPr lang="en-US" sz="1100" dirty="0">
-                <a:latin typeface="Arial"/>
-                <a:cs typeface="Arial"/>
-              </a:rPr>
-              <a:t> by changing k</a:t>
-            </a:r>
-            <a:r>
-              <a:rPr lang="en-US" sz="1100" baseline="-25000" dirty="0">
-                <a:latin typeface="Arial"/>
-                <a:cs typeface="Arial"/>
-              </a:rPr>
-              <a:t>f</a:t>
-            </a:r>
-            <a:r>
-              <a:rPr lang="en-US" sz="1100" dirty="0">
-                <a:latin typeface="Arial"/>
-                <a:cs typeface="Arial"/>
-              </a:rPr>
-              <a:t> </a:t>
-            </a:r>
-            <a:r>
-              <a:rPr lang="en-US" sz="1100" dirty="0">
-                <a:latin typeface="Arial"/>
-                <a:cs typeface="Arial"/>
-              </a:rPr>
-              <a:t>only.</a:t>
-            </a:r>
-            <a:endParaRPr lang="en-US" sz="1100" dirty="0">
-              <a:latin typeface="Arial"/>
-              <a:cs typeface="Arial"/>
-            </a:endParaRPr>
+              <a:t> only.</a:t>
+            </a:r>
           </a:p>
         </p:txBody>
       </p:sp>
@@ -36208,10 +34508,6 @@
               </a:rPr>
               <a:t>15</a:t>
             </a:r>
-            <a:endParaRPr lang="en-US" sz="900" b="1" dirty="0">
-              <a:latin typeface="Arial"/>
-              <a:cs typeface="Arial"/>
-            </a:endParaRPr>
           </a:p>
         </p:txBody>
       </p:sp>
@@ -36241,19 +34537,8 @@
                 <a:latin typeface="Arial"/>
                 <a:cs typeface="Arial"/>
               </a:rPr>
-              <a:t>3</a:t>
-            </a:r>
-            <a:r>
-              <a:rPr lang="en-US" sz="900" b="1" dirty="0">
-                <a:latin typeface="Arial"/>
-                <a:cs typeface="Arial"/>
-              </a:rPr>
-              <a:t>0</a:t>
-            </a:r>
-            <a:endParaRPr lang="en-US" sz="900" b="1" dirty="0">
-              <a:latin typeface="Arial"/>
-              <a:cs typeface="Arial"/>
-            </a:endParaRPr>
+              <a:t>30</a:t>
+            </a:r>
           </a:p>
         </p:txBody>
       </p:sp>
@@ -36283,19 +34568,8 @@
                 <a:latin typeface="Arial"/>
                 <a:cs typeface="Arial"/>
               </a:rPr>
-              <a:t>4</a:t>
-            </a:r>
-            <a:r>
-              <a:rPr lang="en-US" sz="900" b="1" dirty="0">
-                <a:latin typeface="Arial"/>
-                <a:cs typeface="Arial"/>
-              </a:rPr>
-              <a:t>5</a:t>
-            </a:r>
-            <a:endParaRPr lang="en-US" sz="900" b="1" dirty="0">
-              <a:latin typeface="Arial"/>
-              <a:cs typeface="Arial"/>
-            </a:endParaRPr>
+              <a:t>45</a:t>
+            </a:r>
           </a:p>
         </p:txBody>
       </p:sp>
@@ -36327,10 +34601,6 @@
               </a:rPr>
               <a:t>15</a:t>
             </a:r>
-            <a:endParaRPr lang="en-US" sz="900" b="1" dirty="0">
-              <a:latin typeface="Arial"/>
-              <a:cs typeface="Arial"/>
-            </a:endParaRPr>
           </a:p>
         </p:txBody>
       </p:sp>
@@ -36360,19 +34630,8 @@
                 <a:latin typeface="Arial"/>
                 <a:cs typeface="Arial"/>
               </a:rPr>
-              <a:t>3</a:t>
-            </a:r>
-            <a:r>
-              <a:rPr lang="en-US" sz="900" b="1" dirty="0">
-                <a:latin typeface="Arial"/>
-                <a:cs typeface="Arial"/>
-              </a:rPr>
-              <a:t>0</a:t>
-            </a:r>
-            <a:endParaRPr lang="en-US" sz="900" b="1" dirty="0">
-              <a:latin typeface="Arial"/>
-              <a:cs typeface="Arial"/>
-            </a:endParaRPr>
+              <a:t>30</a:t>
+            </a:r>
           </a:p>
         </p:txBody>
       </p:sp>
@@ -36402,19 +34661,8 @@
                 <a:latin typeface="Arial"/>
                 <a:cs typeface="Arial"/>
               </a:rPr>
-              <a:t>4</a:t>
-            </a:r>
-            <a:r>
-              <a:rPr lang="en-US" sz="900" b="1" dirty="0">
-                <a:latin typeface="Arial"/>
-                <a:cs typeface="Arial"/>
-              </a:rPr>
-              <a:t>5</a:t>
-            </a:r>
-            <a:endParaRPr lang="en-US" sz="900" b="1" dirty="0">
-              <a:latin typeface="Arial"/>
-              <a:cs typeface="Arial"/>
-            </a:endParaRPr>
+              <a:t>45</a:t>
+            </a:r>
           </a:p>
         </p:txBody>
       </p:sp>
@@ -36446,10 +34694,6 @@
               </a:rPr>
               <a:t>15</a:t>
             </a:r>
-            <a:endParaRPr lang="en-US" sz="900" b="1" dirty="0">
-              <a:latin typeface="Arial"/>
-              <a:cs typeface="Arial"/>
-            </a:endParaRPr>
           </a:p>
         </p:txBody>
       </p:sp>
@@ -36479,19 +34723,8 @@
                 <a:latin typeface="Arial"/>
                 <a:cs typeface="Arial"/>
               </a:rPr>
-              <a:t>3</a:t>
-            </a:r>
-            <a:r>
-              <a:rPr lang="en-US" sz="900" b="1" dirty="0">
-                <a:latin typeface="Arial"/>
-                <a:cs typeface="Arial"/>
-              </a:rPr>
-              <a:t>0</a:t>
-            </a:r>
-            <a:endParaRPr lang="en-US" sz="900" b="1" dirty="0">
-              <a:latin typeface="Arial"/>
-              <a:cs typeface="Arial"/>
-            </a:endParaRPr>
+              <a:t>30</a:t>
+            </a:r>
           </a:p>
         </p:txBody>
       </p:sp>
@@ -36521,19 +34754,8 @@
                 <a:latin typeface="Arial"/>
                 <a:cs typeface="Arial"/>
               </a:rPr>
-              <a:t>4</a:t>
-            </a:r>
-            <a:r>
-              <a:rPr lang="en-US" sz="900" b="1" dirty="0">
-                <a:latin typeface="Arial"/>
-                <a:cs typeface="Arial"/>
-              </a:rPr>
-              <a:t>5</a:t>
-            </a:r>
-            <a:endParaRPr lang="en-US" sz="900" b="1" dirty="0">
-              <a:latin typeface="Arial"/>
-              <a:cs typeface="Arial"/>
-            </a:endParaRPr>
+              <a:t>45</a:t>
+            </a:r>
           </a:p>
         </p:txBody>
       </p:sp>
@@ -36565,10 +34787,6 @@
               </a:rPr>
               <a:t>15</a:t>
             </a:r>
-            <a:endParaRPr lang="en-US" sz="900" b="1" dirty="0">
-              <a:latin typeface="Arial"/>
-              <a:cs typeface="Arial"/>
-            </a:endParaRPr>
           </a:p>
         </p:txBody>
       </p:sp>
@@ -36598,19 +34816,8 @@
                 <a:latin typeface="Arial"/>
                 <a:cs typeface="Arial"/>
               </a:rPr>
-              <a:t>3</a:t>
-            </a:r>
-            <a:r>
-              <a:rPr lang="en-US" sz="900" b="1" dirty="0">
-                <a:latin typeface="Arial"/>
-                <a:cs typeface="Arial"/>
-              </a:rPr>
-              <a:t>0</a:t>
-            </a:r>
-            <a:endParaRPr lang="en-US" sz="900" b="1" dirty="0">
-              <a:latin typeface="Arial"/>
-              <a:cs typeface="Arial"/>
-            </a:endParaRPr>
+              <a:t>30</a:t>
+            </a:r>
           </a:p>
         </p:txBody>
       </p:sp>
@@ -36640,19 +34847,8 @@
                 <a:latin typeface="Arial"/>
                 <a:cs typeface="Arial"/>
               </a:rPr>
-              <a:t>4</a:t>
-            </a:r>
-            <a:r>
-              <a:rPr lang="en-US" sz="900" b="1" dirty="0">
-                <a:latin typeface="Arial"/>
-                <a:cs typeface="Arial"/>
-              </a:rPr>
-              <a:t>5</a:t>
-            </a:r>
-            <a:endParaRPr lang="en-US" sz="900" b="1" dirty="0">
-              <a:latin typeface="Arial"/>
-              <a:cs typeface="Arial"/>
-            </a:endParaRPr>
+              <a:t>45</a:t>
+            </a:r>
           </a:p>
         </p:txBody>
       </p:sp>
@@ -36918,8 +35114,34 @@
                 </a:solidFill>
                 <a:latin typeface="Arial"/>
               </a:rPr>
-              <a:t>+ </a:t>
-            </a:r>
+              <a:t>+ 10 ng LPS</a:t>
+            </a:r>
+          </a:p>
+        </p:txBody>
+      </p:sp>
+      <p:sp>
+        <p:nvSpPr>
+          <p:cNvPr id="36" name="TextBox 35"/>
+          <p:cNvSpPr txBox="1"/>
+          <p:nvPr/>
+        </p:nvSpPr>
+        <p:spPr>
+          <a:xfrm>
+            <a:off x="3634751" y="2627107"/>
+            <a:ext cx="1118690" cy="221341"/>
+          </a:xfrm>
+          <a:prstGeom prst="rect">
+            <a:avLst/>
+          </a:prstGeom>
+          <a:noFill/>
+        </p:spPr>
+        <p:txBody>
+          <a:bodyPr wrap="square" lIns="82040" tIns="41020" rIns="82040" bIns="41020" rtlCol="0">
+            <a:spAutoFit/>
+          </a:bodyPr>
+          <a:lstStyle/>
+          <a:p>
+            <a:pPr algn="ctr" defTabSz="410069"/>
             <a:r>
               <a:rPr lang="en-US" sz="900" b="1" dirty="0">
                 <a:solidFill>
@@ -36927,69 +35149,7 @@
                 </a:solidFill>
                 <a:latin typeface="Arial"/>
               </a:rPr>
-              <a:t>10 </a:t>
-            </a:r>
-            <a:r>
-              <a:rPr lang="en-US" sz="900" b="1" dirty="0">
-                <a:solidFill>
-                  <a:prstClr val="black"/>
-                </a:solidFill>
-                <a:latin typeface="Arial"/>
-              </a:rPr>
-              <a:t>ng LPS</a:t>
-            </a:r>
-          </a:p>
-        </p:txBody>
-      </p:sp>
-      <p:sp>
-        <p:nvSpPr>
-          <p:cNvPr id="36" name="TextBox 35"/>
-          <p:cNvSpPr txBox="1"/>
-          <p:nvPr/>
-        </p:nvSpPr>
-        <p:spPr>
-          <a:xfrm>
-            <a:off x="3634751" y="2627107"/>
-            <a:ext cx="1118690" cy="221341"/>
-          </a:xfrm>
-          <a:prstGeom prst="rect">
-            <a:avLst/>
-          </a:prstGeom>
-          <a:noFill/>
-        </p:spPr>
-        <p:txBody>
-          <a:bodyPr wrap="square" lIns="82040" tIns="41020" rIns="82040" bIns="41020" rtlCol="0">
-            <a:spAutoFit/>
-          </a:bodyPr>
-          <a:lstStyle/>
-          <a:p>
-            <a:pPr algn="ctr" defTabSz="410069"/>
-            <a:r>
-              <a:rPr lang="en-US" sz="900" b="1" dirty="0">
-                <a:solidFill>
-                  <a:prstClr val="black"/>
-                </a:solidFill>
-                <a:latin typeface="Arial"/>
-              </a:rPr>
-              <a:t>+ </a:t>
-            </a:r>
-            <a:r>
-              <a:rPr lang="en-US" sz="900" b="1" dirty="0">
-                <a:solidFill>
-                  <a:prstClr val="black"/>
-                </a:solidFill>
-                <a:latin typeface="Arial"/>
-              </a:rPr>
-              <a:t>100 </a:t>
-            </a:r>
-            <a:r>
-              <a:rPr lang="en-US" sz="900" b="1" dirty="0">
-                <a:solidFill>
-                  <a:prstClr val="black"/>
-                </a:solidFill>
-                <a:latin typeface="Arial"/>
-              </a:rPr>
-              <a:t>ng LPS</a:t>
+              <a:t>+ 100 ng LPS</a:t>
             </a:r>
           </a:p>
         </p:txBody>
@@ -37242,10 +35402,6 @@
               </a:rPr>
               <a:t>7.5</a:t>
             </a:r>
-            <a:endParaRPr lang="en-US" sz="900" b="1" dirty="0">
-              <a:latin typeface="Arial"/>
-              <a:cs typeface="Arial"/>
-            </a:endParaRPr>
           </a:p>
         </p:txBody>
       </p:sp>
@@ -37277,10 +35433,6 @@
               </a:rPr>
               <a:t>10</a:t>
             </a:r>
-            <a:endParaRPr lang="en-US" sz="900" b="1" dirty="0">
-              <a:latin typeface="Arial"/>
-              <a:cs typeface="Arial"/>
-            </a:endParaRPr>
           </a:p>
         </p:txBody>
       </p:sp>
@@ -37312,10 +35464,6 @@
               </a:rPr>
               <a:t>15</a:t>
             </a:r>
-            <a:endParaRPr lang="en-US" sz="900" b="1" dirty="0">
-              <a:latin typeface="Arial"/>
-              <a:cs typeface="Arial"/>
-            </a:endParaRPr>
           </a:p>
         </p:txBody>
       </p:sp>
@@ -37347,10 +35495,6 @@
               </a:rPr>
               <a:t>30</a:t>
             </a:r>
-            <a:endParaRPr lang="en-US" sz="900" b="1" dirty="0">
-              <a:latin typeface="Arial"/>
-              <a:cs typeface="Arial"/>
-            </a:endParaRPr>
           </a:p>
         </p:txBody>
       </p:sp>
@@ -37382,10 +35526,6 @@
               </a:rPr>
               <a:t>7.5</a:t>
             </a:r>
-            <a:endParaRPr lang="en-US" sz="900" b="1" dirty="0">
-              <a:latin typeface="Arial"/>
-              <a:cs typeface="Arial"/>
-            </a:endParaRPr>
           </a:p>
         </p:txBody>
       </p:sp>
@@ -37417,10 +35557,6 @@
               </a:rPr>
               <a:t>10</a:t>
             </a:r>
-            <a:endParaRPr lang="en-US" sz="900" b="1" dirty="0">
-              <a:latin typeface="Arial"/>
-              <a:cs typeface="Arial"/>
-            </a:endParaRPr>
           </a:p>
         </p:txBody>
       </p:sp>
@@ -37452,10 +35588,6 @@
               </a:rPr>
               <a:t>15</a:t>
             </a:r>
-            <a:endParaRPr lang="en-US" sz="900" b="1" dirty="0">
-              <a:latin typeface="Arial"/>
-              <a:cs typeface="Arial"/>
-            </a:endParaRPr>
           </a:p>
         </p:txBody>
       </p:sp>
@@ -37485,19 +35617,8 @@
                 <a:latin typeface="Arial"/>
                 <a:cs typeface="Arial"/>
               </a:rPr>
-              <a:t>3</a:t>
-            </a:r>
-            <a:r>
-              <a:rPr lang="en-US" sz="900" b="1" dirty="0">
-                <a:latin typeface="Arial"/>
-                <a:cs typeface="Arial"/>
-              </a:rPr>
-              <a:t>0</a:t>
-            </a:r>
-            <a:endParaRPr lang="en-US" sz="900" b="1" dirty="0">
-              <a:latin typeface="Arial"/>
-              <a:cs typeface="Arial"/>
-            </a:endParaRPr>
+              <a:t>30</a:t>
+            </a:r>
           </a:p>
         </p:txBody>
       </p:sp>
@@ -37529,10 +35650,6 @@
               </a:rPr>
               <a:t>7.5</a:t>
             </a:r>
-            <a:endParaRPr lang="en-US" sz="900" b="1" dirty="0">
-              <a:latin typeface="Arial"/>
-              <a:cs typeface="Arial"/>
-            </a:endParaRPr>
           </a:p>
         </p:txBody>
       </p:sp>
@@ -37564,10 +35681,6 @@
               </a:rPr>
               <a:t>10</a:t>
             </a:r>
-            <a:endParaRPr lang="en-US" sz="900" b="1" dirty="0">
-              <a:latin typeface="Arial"/>
-              <a:cs typeface="Arial"/>
-            </a:endParaRPr>
           </a:p>
         </p:txBody>
       </p:sp>
@@ -37599,10 +35712,6 @@
               </a:rPr>
               <a:t>15</a:t>
             </a:r>
-            <a:endParaRPr lang="en-US" sz="900" b="1" dirty="0">
-              <a:latin typeface="Arial"/>
-              <a:cs typeface="Arial"/>
-            </a:endParaRPr>
           </a:p>
         </p:txBody>
       </p:sp>
@@ -37634,10 +35743,6 @@
               </a:rPr>
               <a:t>30</a:t>
             </a:r>
-            <a:endParaRPr lang="en-US" sz="900" b="1" dirty="0">
-              <a:latin typeface="Arial"/>
-              <a:cs typeface="Arial"/>
-            </a:endParaRPr>
           </a:p>
         </p:txBody>
       </p:sp>
@@ -37705,10 +35810,6 @@
               </a:rPr>
               <a:t>7.5</a:t>
             </a:r>
-            <a:endParaRPr lang="en-US" sz="900" b="1" dirty="0">
-              <a:latin typeface="Arial"/>
-              <a:cs typeface="Arial"/>
-            </a:endParaRPr>
           </a:p>
         </p:txBody>
       </p:sp>
@@ -37740,10 +35841,6 @@
               </a:rPr>
               <a:t>10</a:t>
             </a:r>
-            <a:endParaRPr lang="en-US" sz="900" b="1" dirty="0">
-              <a:latin typeface="Arial"/>
-              <a:cs typeface="Arial"/>
-            </a:endParaRPr>
           </a:p>
         </p:txBody>
       </p:sp>
@@ -37775,10 +35872,6 @@
               </a:rPr>
               <a:t>15</a:t>
             </a:r>
-            <a:endParaRPr lang="en-US" sz="900" b="1" dirty="0">
-              <a:latin typeface="Arial"/>
-              <a:cs typeface="Arial"/>
-            </a:endParaRPr>
           </a:p>
         </p:txBody>
       </p:sp>
@@ -37810,10 +35903,6 @@
               </a:rPr>
               <a:t>30</a:t>
             </a:r>
-            <a:endParaRPr lang="en-US" sz="900" b="1" dirty="0">
-              <a:latin typeface="Arial"/>
-              <a:cs typeface="Arial"/>
-            </a:endParaRPr>
           </a:p>
         </p:txBody>
       </p:sp>
@@ -37843,28 +35932,14 @@
                 <a:latin typeface="Arial"/>
                 <a:cs typeface="Arial"/>
               </a:rPr>
-              <a:t>Figure </a:t>
-            </a:r>
-            <a:r>
-              <a:rPr lang="en-US" sz="1100" b="1" dirty="0">
-                <a:latin typeface="Arial"/>
-                <a:cs typeface="Arial"/>
-              </a:rPr>
-              <a:t>S4. </a:t>
+              <a:t>Figure S4. </a:t>
             </a:r>
             <a:r>
               <a:rPr lang="en-US" sz="1100" dirty="0">
                 <a:latin typeface="Arial"/>
                 <a:cs typeface="Arial"/>
               </a:rPr>
-              <a:t>The </a:t>
-            </a:r>
-            <a:r>
-              <a:rPr lang="en-US" sz="1100" dirty="0">
-                <a:latin typeface="Arial"/>
-                <a:cs typeface="Arial"/>
-              </a:rPr>
-              <a:t>measurements of IKK activity (</a:t>
+              <a:t>The measurements of IKK activity (</a:t>
             </a:r>
             <a:r>
               <a:rPr lang="en-US" sz="1100" i="1" dirty="0">

--- a/TLR_ver4.5_new_PNAS.pptx
+++ b/TLR_ver4.5_new_PNAS.pptx
@@ -970,11 +970,11 @@
           <c:showPercent val="0"/>
           <c:showBubbleSize val="0"/>
         </c:dLbls>
-        <c:axId val="-1974768360"/>
-        <c:axId val="-1974765064"/>
+        <c:axId val="1887883640"/>
+        <c:axId val="1887886904"/>
       </c:scatterChart>
       <c:valAx>
-        <c:axId val="-1974768360"/>
+        <c:axId val="1887883640"/>
         <c:scaling>
           <c:orientation val="minMax"/>
           <c:max val="1.0"/>
@@ -992,13 +992,13 @@
             </a:solidFill>
           </a:ln>
         </c:spPr>
-        <c:crossAx val="-1974765064"/>
+        <c:crossAx val="1887886904"/>
         <c:crosses val="autoZero"/>
         <c:crossBetween val="midCat"/>
         <c:majorUnit val="0.2"/>
       </c:valAx>
       <c:valAx>
-        <c:axId val="-1974765064"/>
+        <c:axId val="1887886904"/>
         <c:scaling>
           <c:orientation val="minMax"/>
         </c:scaling>
@@ -1022,7 +1022,7 @@
             </a:solidFill>
           </a:ln>
         </c:spPr>
-        <c:crossAx val="-1974768360"/>
+        <c:crossAx val="1887883640"/>
         <c:crosses val="autoZero"/>
         <c:crossBetween val="midCat"/>
         <c:majorUnit val="0.2"/>
@@ -1151,7 +1151,7 @@
           <a:p>
             <a:fld id="{BECA4E7E-F650-714E-BA06-849E12597C72}" type="datetimeFigureOut">
               <a:rPr lang="en-US" smtClean="0"/>
-              <a:t>12/10/13</a:t>
+              <a:t>3/5/14</a:t>
             </a:fld>
             <a:endParaRPr lang="en-US"/>
           </a:p>
@@ -2333,7 +2333,7 @@
             <a:fld id="{0DA042B0-5508-8A40-9A09-F8377543C8AB}" type="datetimeFigureOut">
               <a:rPr lang="en-US" smtClean="0"/>
               <a:pPr/>
-              <a:t>12/10/13</a:t>
+              <a:t>3/5/14</a:t>
             </a:fld>
             <a:endParaRPr lang="en-US" dirty="0"/>
           </a:p>
@@ -2505,7 +2505,7 @@
             <a:fld id="{0DA042B0-5508-8A40-9A09-F8377543C8AB}" type="datetimeFigureOut">
               <a:rPr lang="en-US" smtClean="0"/>
               <a:pPr/>
-              <a:t>12/10/13</a:t>
+              <a:t>3/5/14</a:t>
             </a:fld>
             <a:endParaRPr lang="en-US" dirty="0"/>
           </a:p>
@@ -2687,7 +2687,7 @@
             <a:fld id="{0DA042B0-5508-8A40-9A09-F8377543C8AB}" type="datetimeFigureOut">
               <a:rPr lang="en-US" smtClean="0"/>
               <a:pPr/>
-              <a:t>12/10/13</a:t>
+              <a:t>3/5/14</a:t>
             </a:fld>
             <a:endParaRPr lang="en-US" dirty="0"/>
           </a:p>
@@ -2859,7 +2859,7 @@
             <a:fld id="{0DA042B0-5508-8A40-9A09-F8377543C8AB}" type="datetimeFigureOut">
               <a:rPr lang="en-US" smtClean="0"/>
               <a:pPr/>
-              <a:t>12/10/13</a:t>
+              <a:t>3/5/14</a:t>
             </a:fld>
             <a:endParaRPr lang="en-US" dirty="0"/>
           </a:p>
@@ -3107,7 +3107,7 @@
             <a:fld id="{0DA042B0-5508-8A40-9A09-F8377543C8AB}" type="datetimeFigureOut">
               <a:rPr lang="en-US" smtClean="0"/>
               <a:pPr/>
-              <a:t>12/10/13</a:t>
+              <a:t>3/5/14</a:t>
             </a:fld>
             <a:endParaRPr lang="en-US" dirty="0"/>
           </a:p>
@@ -3397,7 +3397,7 @@
             <a:fld id="{0DA042B0-5508-8A40-9A09-F8377543C8AB}" type="datetimeFigureOut">
               <a:rPr lang="en-US" smtClean="0"/>
               <a:pPr/>
-              <a:t>12/10/13</a:t>
+              <a:t>3/5/14</a:t>
             </a:fld>
             <a:endParaRPr lang="en-US" dirty="0"/>
           </a:p>
@@ -3821,7 +3821,7 @@
             <a:fld id="{0DA042B0-5508-8A40-9A09-F8377543C8AB}" type="datetimeFigureOut">
               <a:rPr lang="en-US" smtClean="0"/>
               <a:pPr/>
-              <a:t>12/10/13</a:t>
+              <a:t>3/5/14</a:t>
             </a:fld>
             <a:endParaRPr lang="en-US" dirty="0"/>
           </a:p>
@@ -3941,7 +3941,7 @@
             <a:fld id="{0DA042B0-5508-8A40-9A09-F8377543C8AB}" type="datetimeFigureOut">
               <a:rPr lang="en-US" smtClean="0"/>
               <a:pPr/>
-              <a:t>12/10/13</a:t>
+              <a:t>3/5/14</a:t>
             </a:fld>
             <a:endParaRPr lang="en-US" dirty="0"/>
           </a:p>
@@ -4038,7 +4038,7 @@
             <a:fld id="{0DA042B0-5508-8A40-9A09-F8377543C8AB}" type="datetimeFigureOut">
               <a:rPr lang="en-US" smtClean="0"/>
               <a:pPr/>
-              <a:t>12/10/13</a:t>
+              <a:t>3/5/14</a:t>
             </a:fld>
             <a:endParaRPr lang="en-US" dirty="0"/>
           </a:p>
@@ -4317,7 +4317,7 @@
             <a:fld id="{0DA042B0-5508-8A40-9A09-F8377543C8AB}" type="datetimeFigureOut">
               <a:rPr lang="en-US" smtClean="0"/>
               <a:pPr/>
-              <a:t>12/10/13</a:t>
+              <a:t>3/5/14</a:t>
             </a:fld>
             <a:endParaRPr lang="en-US" dirty="0"/>
           </a:p>
@@ -4576,7 +4576,7 @@
             <a:fld id="{0DA042B0-5508-8A40-9A09-F8377543C8AB}" type="datetimeFigureOut">
               <a:rPr lang="en-US" smtClean="0"/>
               <a:pPr/>
-              <a:t>12/10/13</a:t>
+              <a:t>3/5/14</a:t>
             </a:fld>
             <a:endParaRPr lang="en-US" dirty="0"/>
           </a:p>
@@ -4791,7 +4791,7 @@
             <a:fld id="{0DA042B0-5508-8A40-9A09-F8377543C8AB}" type="datetimeFigureOut">
               <a:rPr lang="en-US" smtClean="0"/>
               <a:pPr/>
-              <a:t>12/10/13</a:t>
+              <a:t>3/5/14</a:t>
             </a:fld>
             <a:endParaRPr lang="en-US" dirty="0"/>
           </a:p>
@@ -5167,6 +5167,36 @@
           <a:chExt cx="0" cy="0"/>
         </a:xfrm>
       </p:grpSpPr>
+      <p:pic>
+        <p:nvPicPr>
+          <p:cNvPr id="9" name="Picture 8" descr="nfirf.pdf"/>
+          <p:cNvPicPr>
+            <a:picLocks noChangeAspect="1"/>
+          </p:cNvPicPr>
+          <p:nvPr/>
+        </p:nvPicPr>
+        <p:blipFill>
+          <a:blip r:embed="rId3">
+            <a:extLst>
+              <a:ext uri="{28A0092B-C50C-407E-A947-70E740481C1C}">
+                <a14:useLocalDpi xmlns:a14="http://schemas.microsoft.com/office/drawing/2010/main" val="0"/>
+              </a:ext>
+            </a:extLst>
+          </a:blip>
+          <a:stretch>
+            <a:fillRect/>
+          </a:stretch>
+        </p:blipFill>
+        <p:spPr>
+          <a:xfrm>
+            <a:off x="3305167" y="3270348"/>
+            <a:ext cx="2560320" cy="2392826"/>
+          </a:xfrm>
+          <a:prstGeom prst="rect">
+            <a:avLst/>
+          </a:prstGeom>
+        </p:spPr>
+      </p:pic>
       <p:sp>
         <p:nvSpPr>
           <p:cNvPr id="177" name="Rectangle 176"/>
@@ -7831,7 +7861,7 @@
           <p:nvPr/>
         </p:nvPicPr>
         <p:blipFill>
-          <a:blip r:embed="rId3"/>
+          <a:blip r:embed="rId4"/>
           <a:stretch>
             <a:fillRect/>
           </a:stretch>
@@ -7860,7 +7890,7 @@
           <p:nvPr/>
         </p:nvPicPr>
         <p:blipFill>
-          <a:blip r:embed="rId4"/>
+          <a:blip r:embed="rId5"/>
           <a:stretch>
             <a:fillRect/>
           </a:stretch>
@@ -7903,7 +7933,7 @@
             <p:nvPr/>
           </p:nvPicPr>
           <p:blipFill rotWithShape="1">
-            <a:blip r:embed="rId5" cstate="print">
+            <a:blip r:embed="rId6" cstate="print">
               <a:extLst>
                 <a:ext uri="{28A0092B-C50C-407E-A947-70E740481C1C}">
                   <a14:useLocalDpi xmlns:a14="http://schemas.microsoft.com/office/drawing/2010/main"/>
@@ -7936,7 +7966,7 @@
             <p:nvPr/>
           </p:nvPicPr>
           <p:blipFill rotWithShape="1">
-            <a:blip r:embed="rId6" cstate="print">
+            <a:blip r:embed="rId7" cstate="print">
               <a:extLst>
                 <a:ext uri="{28A0092B-C50C-407E-A947-70E740481C1C}">
                   <a14:useLocalDpi xmlns:a14="http://schemas.microsoft.com/office/drawing/2010/main"/>
@@ -8334,7 +8364,7 @@
         <p:spPr>
           <a:xfrm>
             <a:off x="3077902" y="1800130"/>
-            <a:ext cx="509677" cy="205952"/>
+            <a:ext cx="475513" cy="205952"/>
           </a:xfrm>
           <a:prstGeom prst="rect">
             <a:avLst/>
@@ -8347,28 +8377,21 @@
           <a:lstStyle/>
           <a:p>
             <a:r>
-              <a:rPr lang="en-US" sz="800" b="1" dirty="0">
-                <a:latin typeface="Arial"/>
-                <a:cs typeface="Arial"/>
-              </a:rPr>
-              <a:t>NF-</a:t>
-            </a:r>
-            <a:r>
-              <a:rPr lang="en-US" sz="800" b="1" dirty="0" err="1">
-                <a:latin typeface="Arial"/>
-                <a:cs typeface="Arial"/>
-              </a:rPr>
-              <a:t>κB</a:t>
-            </a:r>
-            <a:r>
-              <a:rPr lang="en-US" sz="800" b="1" baseline="-25000" dirty="0" err="1">
+              <a:rPr lang="en-US" sz="800" b="1" dirty="0" err="1" smtClean="0">
+                <a:latin typeface="Arial"/>
+                <a:cs typeface="Arial"/>
+              </a:rPr>
+              <a:t>NFκB</a:t>
+            </a:r>
+            <a:r>
+              <a:rPr lang="en-US" sz="800" b="1" baseline="-25000" dirty="0" err="1" smtClean="0">
                 <a:latin typeface="Arial"/>
                 <a:cs typeface="Arial"/>
               </a:rPr>
               <a:t>n</a:t>
             </a:r>
             <a:r>
-              <a:rPr lang="en-US" sz="800" b="1" dirty="0">
+              <a:rPr lang="en-US" sz="800" b="1" dirty="0" smtClean="0">
                 <a:latin typeface="Arial"/>
                 <a:cs typeface="Arial"/>
               </a:rPr>
@@ -10227,8 +10250,8 @@
         </p:nvSpPr>
         <p:spPr>
           <a:xfrm>
-            <a:off x="882628" y="5617528"/>
-            <a:ext cx="450065" cy="190563"/>
+            <a:off x="822303" y="5617528"/>
+            <a:ext cx="717115" cy="190563"/>
           </a:xfrm>
           <a:prstGeom prst="rect">
             <a:avLst/>
@@ -10241,417 +10264,194 @@
           <a:lstStyle/>
           <a:p>
             <a:r>
-              <a:rPr lang="en-US" sz="700" dirty="0" err="1">
-                <a:latin typeface="Arial"/>
-                <a:cs typeface="Arial"/>
-              </a:rPr>
-              <a:t>wt</a:t>
+              <a:rPr lang="en-US" sz="700" dirty="0" smtClean="0">
+                <a:latin typeface="Arial"/>
+                <a:cs typeface="Arial"/>
+              </a:rPr>
+              <a:t>wild-type exp</a:t>
             </a:r>
             <a:r>
               <a:rPr lang="en-US" sz="700" dirty="0">
                 <a:latin typeface="Arial"/>
                 <a:cs typeface="Arial"/>
               </a:rPr>
-              <a:t> exp.</a:t>
-            </a:r>
-          </a:p>
-        </p:txBody>
-      </p:sp>
-      <p:grpSp>
-        <p:nvGrpSpPr>
-          <p:cNvPr id="258" name="Group 257"/>
-          <p:cNvGrpSpPr/>
-          <p:nvPr/>
-        </p:nvGrpSpPr>
-        <p:grpSpPr>
-          <a:xfrm>
-            <a:off x="4947128" y="3564775"/>
-            <a:ext cx="775725" cy="314955"/>
-            <a:chOff x="5300494" y="4288470"/>
-            <a:chExt cx="831134" cy="361073"/>
-          </a:xfrm>
-        </p:grpSpPr>
-        <p:sp>
-          <p:nvSpPr>
-            <p:cNvPr id="250" name="Rectangle 249"/>
-            <p:cNvSpPr>
-              <a:spLocks/>
-            </p:cNvSpPr>
-            <p:nvPr/>
-          </p:nvSpPr>
-          <p:spPr>
-            <a:xfrm>
-              <a:off x="5412484" y="4382662"/>
-              <a:ext cx="73152" cy="68580"/>
-            </a:xfrm>
-            <a:prstGeom prst="rect">
-              <a:avLst/>
-            </a:prstGeom>
+              <a:t>.</a:t>
+            </a:r>
+          </a:p>
+        </p:txBody>
+      </p:sp>
+      <p:sp>
+        <p:nvSpPr>
+          <p:cNvPr id="250" name="Rectangle 249"/>
+          <p:cNvSpPr>
+            <a:spLocks/>
+          </p:cNvSpPr>
+          <p:nvPr/>
+        </p:nvSpPr>
+        <p:spPr>
+          <a:xfrm>
+            <a:off x="4898070" y="3646936"/>
+            <a:ext cx="68275" cy="59821"/>
+          </a:xfrm>
+          <a:prstGeom prst="rect">
+            <a:avLst/>
+          </a:prstGeom>
+          <a:solidFill>
+            <a:schemeClr val="tx1"/>
+          </a:solidFill>
+          <a:ln>
             <a:solidFill>
               <a:schemeClr val="tx1"/>
             </a:solidFill>
-            <a:ln>
-              <a:solidFill>
-                <a:schemeClr val="tx1"/>
-              </a:solidFill>
-            </a:ln>
-            <a:effectLst/>
-          </p:spPr>
-          <p:style>
-            <a:lnRef idx="1">
-              <a:schemeClr val="accent1"/>
-            </a:lnRef>
-            <a:fillRef idx="3">
-              <a:schemeClr val="accent1"/>
-            </a:fillRef>
-            <a:effectRef idx="2">
-              <a:schemeClr val="accent1"/>
-            </a:effectRef>
-            <a:fontRef idx="minor">
-              <a:schemeClr val="lt1"/>
-            </a:fontRef>
-          </p:style>
-          <p:txBody>
-            <a:bodyPr rtlCol="0" anchor="ctr"/>
-            <a:lstStyle/>
-            <a:p>
-              <a:pPr algn="ctr"/>
-              <a:endParaRPr lang="en-US" sz="700"/>
-            </a:p>
-          </p:txBody>
-        </p:sp>
-        <p:sp>
-          <p:nvSpPr>
-            <p:cNvPr id="251" name="Rectangle 250"/>
-            <p:cNvSpPr/>
-            <p:nvPr/>
-          </p:nvSpPr>
-          <p:spPr>
-            <a:xfrm>
-              <a:off x="5627084" y="4288470"/>
-              <a:ext cx="502553" cy="229349"/>
-            </a:xfrm>
-            <a:prstGeom prst="rect">
-              <a:avLst/>
-            </a:prstGeom>
-          </p:spPr>
-          <p:txBody>
-            <a:bodyPr wrap="none">
-              <a:spAutoFit/>
-            </a:bodyPr>
-            <a:lstStyle/>
-            <a:p>
-              <a:r>
-                <a:rPr lang="en-US" sz="700" dirty="0" err="1">
-                  <a:latin typeface="Arial"/>
-                  <a:cs typeface="Arial"/>
-                </a:rPr>
-                <a:t>wt</a:t>
-              </a:r>
-              <a:r>
-                <a:rPr lang="en-US" sz="700" dirty="0">
-                  <a:latin typeface="Arial"/>
-                  <a:cs typeface="Arial"/>
-                </a:rPr>
-                <a:t> exp.</a:t>
-              </a:r>
-            </a:p>
-          </p:txBody>
-        </p:sp>
-        <p:cxnSp>
-          <p:nvCxnSpPr>
-            <p:cNvPr id="252" name="Straight Connector 251"/>
-            <p:cNvCxnSpPr/>
-            <p:nvPr/>
-          </p:nvCxnSpPr>
-          <p:spPr>
-            <a:xfrm>
-              <a:off x="5300494" y="4540908"/>
-              <a:ext cx="297132" cy="4792"/>
-            </a:xfrm>
-            <a:prstGeom prst="line">
-              <a:avLst/>
-            </a:prstGeom>
-            <a:ln w="12700" cmpd="sng">
-              <a:solidFill>
-                <a:srgbClr val="000000"/>
-              </a:solidFill>
-            </a:ln>
-            <a:effectLst/>
-          </p:spPr>
-          <p:style>
-            <a:lnRef idx="2">
-              <a:schemeClr val="accent1"/>
-            </a:lnRef>
-            <a:fillRef idx="0">
-              <a:schemeClr val="accent1"/>
-            </a:fillRef>
-            <a:effectRef idx="1">
-              <a:schemeClr val="accent1"/>
-            </a:effectRef>
-            <a:fontRef idx="minor">
-              <a:schemeClr val="tx1"/>
-            </a:fontRef>
-          </p:style>
-        </p:cxnSp>
-        <p:sp>
-          <p:nvSpPr>
-            <p:cNvPr id="253" name="Rectangle 252"/>
-            <p:cNvSpPr/>
-            <p:nvPr/>
-          </p:nvSpPr>
-          <p:spPr>
-            <a:xfrm>
-              <a:off x="5631492" y="4420194"/>
-              <a:ext cx="500136" cy="229349"/>
-            </a:xfrm>
-            <a:prstGeom prst="rect">
-              <a:avLst/>
-            </a:prstGeom>
-          </p:spPr>
-          <p:txBody>
-            <a:bodyPr wrap="none">
-              <a:spAutoFit/>
-            </a:bodyPr>
-            <a:lstStyle/>
-            <a:p>
-              <a:r>
-                <a:rPr lang="en-US" sz="700" dirty="0" err="1">
-                  <a:latin typeface="Arial"/>
-                  <a:cs typeface="Arial"/>
-                </a:rPr>
-                <a:t>wt</a:t>
-              </a:r>
-              <a:r>
-                <a:rPr lang="en-US" sz="700" dirty="0">
-                  <a:latin typeface="Arial"/>
-                  <a:cs typeface="Arial"/>
-                </a:rPr>
-                <a:t> </a:t>
-              </a:r>
-              <a:r>
-                <a:rPr lang="en-US" sz="700" dirty="0" err="1">
-                  <a:latin typeface="Arial"/>
-                  <a:cs typeface="Arial"/>
-                </a:rPr>
-                <a:t>sim</a:t>
-              </a:r>
-              <a:r>
-                <a:rPr lang="en-US" sz="700" dirty="0">
-                  <a:latin typeface="Arial"/>
-                  <a:cs typeface="Arial"/>
-                </a:rPr>
-                <a:t>.</a:t>
-              </a:r>
-            </a:p>
-          </p:txBody>
-        </p:sp>
-      </p:grpSp>
-      <p:grpSp>
-        <p:nvGrpSpPr>
-          <p:cNvPr id="261" name="Group 260"/>
-          <p:cNvGrpSpPr/>
-          <p:nvPr/>
-        </p:nvGrpSpPr>
-        <p:grpSpPr>
-          <a:xfrm>
-            <a:off x="4947128" y="4605039"/>
-            <a:ext cx="775725" cy="314954"/>
-            <a:chOff x="5289609" y="5481058"/>
-            <a:chExt cx="831134" cy="361072"/>
-          </a:xfrm>
-        </p:grpSpPr>
-        <p:sp>
-          <p:nvSpPr>
-            <p:cNvPr id="255" name="Rectangle 254"/>
-            <p:cNvSpPr/>
-            <p:nvPr/>
-          </p:nvSpPr>
-          <p:spPr>
-            <a:xfrm>
-              <a:off x="5616199" y="5481058"/>
-              <a:ext cx="502553" cy="229349"/>
-            </a:xfrm>
-            <a:prstGeom prst="rect">
-              <a:avLst/>
-            </a:prstGeom>
-          </p:spPr>
-          <p:txBody>
-            <a:bodyPr wrap="none">
-              <a:spAutoFit/>
-            </a:bodyPr>
-            <a:lstStyle/>
-            <a:p>
-              <a:r>
-                <a:rPr lang="en-US" sz="700" dirty="0" err="1">
-                  <a:latin typeface="Arial"/>
-                  <a:cs typeface="Arial"/>
-                </a:rPr>
-                <a:t>wt</a:t>
-              </a:r>
-              <a:r>
-                <a:rPr lang="en-US" sz="700" dirty="0">
-                  <a:latin typeface="Arial"/>
-                  <a:cs typeface="Arial"/>
-                </a:rPr>
-                <a:t> exp.</a:t>
-              </a:r>
-            </a:p>
-          </p:txBody>
-        </p:sp>
-        <p:grpSp>
-          <p:nvGrpSpPr>
-            <p:cNvPr id="259" name="Group 258"/>
-            <p:cNvGrpSpPr/>
-            <p:nvPr/>
-          </p:nvGrpSpPr>
-          <p:grpSpPr>
-            <a:xfrm>
-              <a:off x="5289609" y="5575250"/>
-              <a:ext cx="831134" cy="266880"/>
-              <a:chOff x="5289609" y="5575250"/>
-              <a:chExt cx="831134" cy="266880"/>
-            </a:xfrm>
-          </p:grpSpPr>
-          <p:sp>
-            <p:nvSpPr>
-              <p:cNvPr id="254" name="Rectangle 253"/>
-              <p:cNvSpPr>
-                <a:spLocks/>
-              </p:cNvSpPr>
-              <p:nvPr/>
-            </p:nvSpPr>
-            <p:spPr>
-              <a:xfrm>
-                <a:off x="5401599" y="5575250"/>
-                <a:ext cx="73152" cy="68580"/>
-              </a:xfrm>
-              <a:prstGeom prst="rect">
-                <a:avLst/>
-              </a:prstGeom>
-              <a:solidFill>
-                <a:schemeClr val="tx1"/>
-              </a:solidFill>
-              <a:ln>
-                <a:solidFill>
-                  <a:schemeClr val="tx1"/>
-                </a:solidFill>
-              </a:ln>
-              <a:effectLst/>
-            </p:spPr>
-            <p:style>
-              <a:lnRef idx="1">
-                <a:schemeClr val="accent1"/>
-              </a:lnRef>
-              <a:fillRef idx="3">
-                <a:schemeClr val="accent1"/>
-              </a:fillRef>
-              <a:effectRef idx="2">
-                <a:schemeClr val="accent1"/>
-              </a:effectRef>
-              <a:fontRef idx="minor">
-                <a:schemeClr val="lt1"/>
-              </a:fontRef>
-            </p:style>
-            <p:txBody>
-              <a:bodyPr rtlCol="0" anchor="ctr"/>
-              <a:lstStyle/>
-              <a:p>
-                <a:pPr algn="ctr"/>
-                <a:endParaRPr lang="en-US" sz="700"/>
-              </a:p>
-            </p:txBody>
-          </p:sp>
-          <p:cxnSp>
-            <p:nvCxnSpPr>
-              <p:cNvPr id="256" name="Straight Connector 255"/>
-              <p:cNvCxnSpPr/>
-              <p:nvPr/>
-            </p:nvCxnSpPr>
-            <p:spPr>
-              <a:xfrm>
-                <a:off x="5289609" y="5733496"/>
-                <a:ext cx="297132" cy="4792"/>
-              </a:xfrm>
-              <a:prstGeom prst="line">
-                <a:avLst/>
-              </a:prstGeom>
-              <a:ln w="12700" cmpd="sng">
-                <a:solidFill>
-                  <a:srgbClr val="000000"/>
-                </a:solidFill>
-              </a:ln>
-              <a:effectLst/>
-            </p:spPr>
-            <p:style>
-              <a:lnRef idx="2">
-                <a:schemeClr val="accent1"/>
-              </a:lnRef>
-              <a:fillRef idx="0">
-                <a:schemeClr val="accent1"/>
-              </a:fillRef>
-              <a:effectRef idx="1">
-                <a:schemeClr val="accent1"/>
-              </a:effectRef>
-              <a:fontRef idx="minor">
-                <a:schemeClr val="tx1"/>
-              </a:fontRef>
-            </p:style>
-          </p:cxnSp>
-          <p:sp>
-            <p:nvSpPr>
-              <p:cNvPr id="257" name="Rectangle 256"/>
-              <p:cNvSpPr/>
-              <p:nvPr/>
-            </p:nvSpPr>
-            <p:spPr>
-              <a:xfrm>
-                <a:off x="5620607" y="5612782"/>
-                <a:ext cx="500136" cy="229348"/>
-              </a:xfrm>
-              <a:prstGeom prst="rect">
-                <a:avLst/>
-              </a:prstGeom>
-            </p:spPr>
-            <p:txBody>
-              <a:bodyPr wrap="none">
-                <a:spAutoFit/>
-              </a:bodyPr>
-              <a:lstStyle/>
-              <a:p>
-                <a:r>
-                  <a:rPr lang="en-US" sz="700" dirty="0" err="1">
-                    <a:latin typeface="Arial"/>
-                    <a:cs typeface="Arial"/>
-                  </a:rPr>
-                  <a:t>wt</a:t>
-                </a:r>
-                <a:r>
-                  <a:rPr lang="en-US" sz="700" dirty="0">
-                    <a:latin typeface="Arial"/>
-                    <a:cs typeface="Arial"/>
-                  </a:rPr>
-                  <a:t> </a:t>
-                </a:r>
-                <a:r>
-                  <a:rPr lang="en-US" sz="700" dirty="0" err="1">
-                    <a:latin typeface="Arial"/>
-                    <a:cs typeface="Arial"/>
-                  </a:rPr>
-                  <a:t>sim</a:t>
-                </a:r>
-                <a:r>
-                  <a:rPr lang="en-US" sz="700" dirty="0">
-                    <a:latin typeface="Arial"/>
-                    <a:cs typeface="Arial"/>
-                  </a:rPr>
-                  <a:t>.</a:t>
-                </a:r>
-              </a:p>
-            </p:txBody>
-          </p:sp>
-        </p:grpSp>
-      </p:grpSp>
+          </a:ln>
+          <a:effectLst/>
+        </p:spPr>
+        <p:style>
+          <a:lnRef idx="1">
+            <a:schemeClr val="accent1"/>
+          </a:lnRef>
+          <a:fillRef idx="3">
+            <a:schemeClr val="accent1"/>
+          </a:fillRef>
+          <a:effectRef idx="2">
+            <a:schemeClr val="accent1"/>
+          </a:effectRef>
+          <a:fontRef idx="minor">
+            <a:schemeClr val="lt1"/>
+          </a:fontRef>
+        </p:style>
+        <p:txBody>
+          <a:bodyPr rtlCol="0" anchor="ctr"/>
+          <a:lstStyle/>
+          <a:p>
+            <a:pPr algn="ctr"/>
+            <a:endParaRPr lang="en-US" sz="700"/>
+          </a:p>
+        </p:txBody>
+      </p:sp>
+      <p:sp>
+        <p:nvSpPr>
+          <p:cNvPr id="251" name="Rectangle 250"/>
+          <p:cNvSpPr/>
+          <p:nvPr/>
+        </p:nvSpPr>
+        <p:spPr>
+          <a:xfrm>
+            <a:off x="5051107" y="3564775"/>
+            <a:ext cx="761747" cy="200055"/>
+          </a:xfrm>
+          <a:prstGeom prst="rect">
+            <a:avLst/>
+          </a:prstGeom>
+        </p:spPr>
+        <p:txBody>
+          <a:bodyPr wrap="none">
+            <a:spAutoFit/>
+          </a:bodyPr>
+          <a:lstStyle/>
+          <a:p>
+            <a:r>
+              <a:rPr lang="en-US" sz="700" dirty="0">
+                <a:latin typeface="Arial"/>
+                <a:cs typeface="Arial"/>
+              </a:rPr>
+              <a:t>wild-type exp</a:t>
+            </a:r>
+            <a:r>
+              <a:rPr lang="en-US" sz="700" dirty="0" smtClean="0">
+                <a:latin typeface="Arial"/>
+                <a:cs typeface="Arial"/>
+              </a:rPr>
+              <a:t>.</a:t>
+            </a:r>
+            <a:endParaRPr lang="en-US" sz="700" dirty="0">
+              <a:latin typeface="Arial"/>
+              <a:cs typeface="Arial"/>
+            </a:endParaRPr>
+          </a:p>
+        </p:txBody>
+      </p:sp>
+      <p:cxnSp>
+        <p:nvCxnSpPr>
+          <p:cNvPr id="252" name="Straight Connector 251"/>
+          <p:cNvCxnSpPr/>
+          <p:nvPr/>
+        </p:nvCxnSpPr>
+        <p:spPr>
+          <a:xfrm>
+            <a:off x="4793546" y="3784970"/>
+            <a:ext cx="277323" cy="4180"/>
+          </a:xfrm>
+          <a:prstGeom prst="line">
+            <a:avLst/>
+          </a:prstGeom>
+          <a:ln w="12700" cmpd="sng">
+            <a:solidFill>
+              <a:srgbClr val="000000"/>
+            </a:solidFill>
+          </a:ln>
+          <a:effectLst/>
+        </p:spPr>
+        <p:style>
+          <a:lnRef idx="2">
+            <a:schemeClr val="accent1"/>
+          </a:lnRef>
+          <a:fillRef idx="0">
+            <a:schemeClr val="accent1"/>
+          </a:fillRef>
+          <a:effectRef idx="1">
+            <a:schemeClr val="accent1"/>
+          </a:effectRef>
+          <a:fontRef idx="minor">
+            <a:schemeClr val="tx1"/>
+          </a:fontRef>
+        </p:style>
+      </p:cxnSp>
+      <p:sp>
+        <p:nvSpPr>
+          <p:cNvPr id="253" name="Rectangle 252"/>
+          <p:cNvSpPr/>
+          <p:nvPr/>
+        </p:nvSpPr>
+        <p:spPr>
+          <a:xfrm>
+            <a:off x="5051107" y="3679675"/>
+            <a:ext cx="728359" cy="200055"/>
+          </a:xfrm>
+          <a:prstGeom prst="rect">
+            <a:avLst/>
+          </a:prstGeom>
+        </p:spPr>
+        <p:txBody>
+          <a:bodyPr wrap="none">
+            <a:spAutoFit/>
+          </a:bodyPr>
+          <a:lstStyle/>
+          <a:p>
+            <a:r>
+              <a:rPr lang="en-US" sz="700" dirty="0" smtClean="0">
+                <a:latin typeface="Arial"/>
+                <a:cs typeface="Arial"/>
+              </a:rPr>
+              <a:t>wild-type </a:t>
+            </a:r>
+            <a:r>
+              <a:rPr lang="en-US" sz="700" dirty="0" err="1" smtClean="0">
+                <a:latin typeface="Arial"/>
+                <a:cs typeface="Arial"/>
+              </a:rPr>
+              <a:t>sim</a:t>
+            </a:r>
+            <a:r>
+              <a:rPr lang="en-US" sz="700" dirty="0">
+                <a:latin typeface="Arial"/>
+                <a:cs typeface="Arial"/>
+              </a:rPr>
+              <a:t>.</a:t>
+            </a:r>
+          </a:p>
+        </p:txBody>
+      </p:sp>
       <p:sp>
         <p:nvSpPr>
           <p:cNvPr id="189" name="Rectangle 188"/>
@@ -11083,7 +10883,21 @@
                 <a:latin typeface="Arial"/>
                 <a:cs typeface="Arial"/>
               </a:rPr>
-              <a:t> Nuclear NF-κB activity measured by EMSA. </a:t>
+              <a:t> Nuclear </a:t>
+            </a:r>
+            <a:r>
+              <a:rPr lang="en-US" sz="1100" dirty="0" smtClean="0">
+                <a:latin typeface="Arial"/>
+                <a:cs typeface="Arial"/>
+              </a:rPr>
+              <a:t>NFκB </a:t>
+            </a:r>
+            <a:r>
+              <a:rPr lang="en-US" sz="1100" dirty="0">
+                <a:latin typeface="Arial"/>
+                <a:cs typeface="Arial"/>
+              </a:rPr>
+              <a:t>activity measured by EMSA. </a:t>
             </a:r>
             <a:r>
               <a:rPr lang="en-US" sz="1100" i="1" dirty="0">
@@ -11216,7 +11030,7 @@
           <p:nvPr/>
         </p:nvPicPr>
         <p:blipFill rotWithShape="1">
-          <a:blip r:embed="rId7"/>
+          <a:blip r:embed="rId8"/>
           <a:srcRect l="1187" t="59466" r="1324" b="4411"/>
           <a:stretch/>
         </p:blipFill>
@@ -11244,7 +11058,7 @@
           <p:nvPr/>
         </p:nvPicPr>
         <p:blipFill rotWithShape="1">
-          <a:blip r:embed="rId7"/>
+          <a:blip r:embed="rId8"/>
           <a:srcRect l="2448" t="2598" r="1730" b="57218"/>
           <a:stretch/>
         </p:blipFill>
@@ -11604,570 +11418,739 @@
           </a:p>
         </p:txBody>
       </p:sp>
-      <p:grpSp>
-        <p:nvGrpSpPr>
-          <p:cNvPr id="4" name="Group 3"/>
-          <p:cNvGrpSpPr/>
-          <p:nvPr/>
-        </p:nvGrpSpPr>
-        <p:grpSpPr>
-          <a:xfrm>
-            <a:off x="198830" y="3270348"/>
-            <a:ext cx="5666657" cy="2758949"/>
-            <a:chOff x="213032" y="3749213"/>
-            <a:chExt cx="6071418" cy="3162933"/>
-          </a:xfrm>
-        </p:grpSpPr>
-        <p:sp>
-          <p:nvSpPr>
-            <p:cNvPr id="28" name="Rectangle 27"/>
-            <p:cNvSpPr>
-              <a:spLocks/>
-            </p:cNvSpPr>
-            <p:nvPr/>
-          </p:nvSpPr>
-          <p:spPr>
-            <a:xfrm>
-              <a:off x="827182" y="6534275"/>
-              <a:ext cx="73152" cy="68580"/>
-            </a:xfrm>
-            <a:prstGeom prst="rect">
-              <a:avLst/>
-            </a:prstGeom>
+      <p:sp>
+        <p:nvSpPr>
+          <p:cNvPr id="28" name="Rectangle 27"/>
+          <p:cNvSpPr>
+            <a:spLocks/>
+          </p:cNvSpPr>
+          <p:nvPr/>
+        </p:nvSpPr>
+        <p:spPr>
+          <a:xfrm>
+            <a:off x="772037" y="5699689"/>
+            <a:ext cx="68275" cy="59821"/>
+          </a:xfrm>
+          <a:prstGeom prst="rect">
+            <a:avLst/>
+          </a:prstGeom>
+          <a:solidFill>
+            <a:schemeClr val="tx1"/>
+          </a:solidFill>
+          <a:ln>
             <a:solidFill>
               <a:schemeClr val="tx1"/>
             </a:solidFill>
-            <a:ln>
-              <a:solidFill>
-                <a:schemeClr val="tx1"/>
-              </a:solidFill>
-            </a:ln>
-            <a:effectLst/>
-          </p:spPr>
-          <p:style>
-            <a:lnRef idx="1">
-              <a:schemeClr val="accent1"/>
-            </a:lnRef>
-            <a:fillRef idx="3">
-              <a:schemeClr val="accent1"/>
-            </a:fillRef>
-            <a:effectRef idx="2">
-              <a:schemeClr val="accent1"/>
-            </a:effectRef>
-            <a:fontRef idx="minor">
-              <a:schemeClr val="lt1"/>
-            </a:fontRef>
-          </p:style>
-          <p:txBody>
-            <a:bodyPr rtlCol="0" anchor="ctr"/>
-            <a:lstStyle/>
-            <a:p>
-              <a:pPr algn="ctr"/>
-              <a:endParaRPr lang="en-US" sz="700"/>
-            </a:p>
-          </p:txBody>
-        </p:sp>
-        <p:sp>
-          <p:nvSpPr>
-            <p:cNvPr id="29" name="Isosceles Triangle 28"/>
-            <p:cNvSpPr/>
-            <p:nvPr/>
-          </p:nvSpPr>
-          <p:spPr>
-            <a:xfrm>
-              <a:off x="827182" y="6654029"/>
-              <a:ext cx="73152" cy="73152"/>
-            </a:xfrm>
-            <a:prstGeom prst="triangle">
-              <a:avLst/>
-            </a:prstGeom>
+          </a:ln>
+          <a:effectLst/>
+        </p:spPr>
+        <p:style>
+          <a:lnRef idx="1">
+            <a:schemeClr val="accent1"/>
+          </a:lnRef>
+          <a:fillRef idx="3">
+            <a:schemeClr val="accent1"/>
+          </a:fillRef>
+          <a:effectRef idx="2">
+            <a:schemeClr val="accent1"/>
+          </a:effectRef>
+          <a:fontRef idx="minor">
+            <a:schemeClr val="lt1"/>
+          </a:fontRef>
+        </p:style>
+        <p:txBody>
+          <a:bodyPr rtlCol="0" anchor="ctr"/>
+          <a:lstStyle/>
+          <a:p>
+            <a:pPr algn="ctr"/>
+            <a:endParaRPr lang="en-US" sz="700"/>
+          </a:p>
+        </p:txBody>
+      </p:sp>
+      <p:sp>
+        <p:nvSpPr>
+          <p:cNvPr id="29" name="Isosceles Triangle 28"/>
+          <p:cNvSpPr/>
+          <p:nvPr/>
+        </p:nvSpPr>
+        <p:spPr>
+          <a:xfrm>
+            <a:off x="772037" y="5804148"/>
+            <a:ext cx="68275" cy="63809"/>
+          </a:xfrm>
+          <a:prstGeom prst="triangle">
+            <a:avLst/>
+          </a:prstGeom>
+          <a:solidFill>
+            <a:srgbClr val="000000"/>
+          </a:solidFill>
+          <a:ln>
             <a:solidFill>
               <a:srgbClr val="000000"/>
             </a:solidFill>
-            <a:ln>
-              <a:solidFill>
-                <a:srgbClr val="000000"/>
-              </a:solidFill>
-            </a:ln>
-            <a:effectLst/>
-          </p:spPr>
-          <p:style>
-            <a:lnRef idx="1">
-              <a:schemeClr val="accent1"/>
-            </a:lnRef>
-            <a:fillRef idx="3">
-              <a:schemeClr val="accent1"/>
-            </a:fillRef>
-            <a:effectRef idx="2">
-              <a:schemeClr val="accent1"/>
-            </a:effectRef>
-            <a:fontRef idx="minor">
-              <a:schemeClr val="lt1"/>
-            </a:fontRef>
-          </p:style>
-          <p:txBody>
-            <a:bodyPr rtlCol="0" anchor="ctr"/>
-            <a:lstStyle/>
-            <a:p>
-              <a:pPr algn="ctr"/>
-              <a:endParaRPr lang="en-US" sz="700"/>
-            </a:p>
-          </p:txBody>
-        </p:sp>
-        <p:sp>
-          <p:nvSpPr>
-            <p:cNvPr id="240" name="Rectangle 239"/>
-            <p:cNvSpPr/>
-            <p:nvPr/>
-          </p:nvSpPr>
-          <p:spPr>
-            <a:xfrm>
-              <a:off x="854451" y="6552975"/>
-              <a:ext cx="588072" cy="229348"/>
-            </a:xfrm>
-            <a:prstGeom prst="rect">
-              <a:avLst/>
-            </a:prstGeom>
-          </p:spPr>
-          <p:txBody>
-            <a:bodyPr wrap="none">
-              <a:spAutoFit/>
-            </a:bodyPr>
-            <a:lstStyle/>
-            <a:p>
-              <a:r>
-                <a:rPr lang="en-US" sz="700" dirty="0" err="1">
-                  <a:latin typeface="Arial"/>
-                  <a:cs typeface="Arial"/>
-                </a:rPr>
-                <a:t>mko</a:t>
-              </a:r>
-              <a:r>
-                <a:rPr lang="en-US" sz="700" dirty="0">
-                  <a:latin typeface="Arial"/>
-                  <a:cs typeface="Arial"/>
-                </a:rPr>
-                <a:t> exp.</a:t>
-              </a:r>
-            </a:p>
-          </p:txBody>
-        </p:sp>
-        <p:sp>
-          <p:nvSpPr>
-            <p:cNvPr id="30" name="Oval 29"/>
-            <p:cNvSpPr/>
-            <p:nvPr/>
-          </p:nvSpPr>
-          <p:spPr>
-            <a:xfrm>
-              <a:off x="827182" y="6781308"/>
-              <a:ext cx="73152" cy="73152"/>
-            </a:xfrm>
-            <a:prstGeom prst="ellipse">
-              <a:avLst/>
-            </a:prstGeom>
+          </a:ln>
+          <a:effectLst/>
+        </p:spPr>
+        <p:style>
+          <a:lnRef idx="1">
+            <a:schemeClr val="accent1"/>
+          </a:lnRef>
+          <a:fillRef idx="3">
+            <a:schemeClr val="accent1"/>
+          </a:fillRef>
+          <a:effectRef idx="2">
+            <a:schemeClr val="accent1"/>
+          </a:effectRef>
+          <a:fontRef idx="minor">
+            <a:schemeClr val="lt1"/>
+          </a:fontRef>
+        </p:style>
+        <p:txBody>
+          <a:bodyPr rtlCol="0" anchor="ctr"/>
+          <a:lstStyle/>
+          <a:p>
+            <a:pPr algn="ctr"/>
+            <a:endParaRPr lang="en-US" sz="700"/>
+          </a:p>
+        </p:txBody>
+      </p:sp>
+      <p:sp>
+        <p:nvSpPr>
+          <p:cNvPr id="240" name="Rectangle 239"/>
+          <p:cNvSpPr/>
+          <p:nvPr/>
+        </p:nvSpPr>
+        <p:spPr>
+          <a:xfrm>
+            <a:off x="810188" y="5716001"/>
+            <a:ext cx="734800" cy="200055"/>
+          </a:xfrm>
+          <a:prstGeom prst="rect">
+            <a:avLst/>
+          </a:prstGeom>
+        </p:spPr>
+        <p:txBody>
+          <a:bodyPr wrap="none">
+            <a:spAutoFit/>
+          </a:bodyPr>
+          <a:lstStyle/>
+          <a:p>
+            <a:r>
+              <a:rPr lang="en-US" sz="700" i="1" dirty="0" smtClean="0">
+                <a:latin typeface="Arial"/>
+                <a:cs typeface="Arial"/>
+              </a:rPr>
+              <a:t>myd88 </a:t>
+            </a:r>
+            <a:r>
+              <a:rPr lang="en-US" sz="700" i="1" baseline="30000" dirty="0" smtClean="0">
+                <a:latin typeface="Arial"/>
+                <a:cs typeface="Arial"/>
+              </a:rPr>
+              <a:t>-/-</a:t>
+            </a:r>
+            <a:r>
+              <a:rPr lang="en-US" sz="700" i="1" dirty="0" smtClean="0">
+                <a:latin typeface="Arial"/>
+                <a:cs typeface="Arial"/>
+              </a:rPr>
+              <a:t> </a:t>
+            </a:r>
+            <a:r>
+              <a:rPr lang="en-US" sz="700" dirty="0" smtClean="0">
+                <a:latin typeface="Arial"/>
+                <a:cs typeface="Arial"/>
+              </a:rPr>
+              <a:t>exp</a:t>
+            </a:r>
+            <a:r>
+              <a:rPr lang="en-US" sz="700" dirty="0">
+                <a:latin typeface="Arial"/>
+                <a:cs typeface="Arial"/>
+              </a:rPr>
+              <a:t>.</a:t>
+            </a:r>
+          </a:p>
+        </p:txBody>
+      </p:sp>
+      <p:sp>
+        <p:nvSpPr>
+          <p:cNvPr id="30" name="Oval 29"/>
+          <p:cNvSpPr/>
+          <p:nvPr/>
+        </p:nvSpPr>
+        <p:spPr>
+          <a:xfrm>
+            <a:off x="772037" y="5915170"/>
+            <a:ext cx="68275" cy="63809"/>
+          </a:xfrm>
+          <a:prstGeom prst="ellipse">
+            <a:avLst/>
+          </a:prstGeom>
+          <a:solidFill>
+            <a:srgbClr val="000000"/>
+          </a:solidFill>
+          <a:ln>
             <a:solidFill>
               <a:srgbClr val="000000"/>
             </a:solidFill>
-            <a:ln>
-              <a:solidFill>
-                <a:srgbClr val="000000"/>
-              </a:solidFill>
-            </a:ln>
-            <a:effectLst/>
-          </p:spPr>
-          <p:style>
-            <a:lnRef idx="1">
-              <a:schemeClr val="accent1"/>
-            </a:lnRef>
-            <a:fillRef idx="3">
-              <a:schemeClr val="accent1"/>
-            </a:fillRef>
-            <a:effectRef idx="2">
-              <a:schemeClr val="accent1"/>
-            </a:effectRef>
-            <a:fontRef idx="minor">
-              <a:schemeClr val="lt1"/>
-            </a:fontRef>
-          </p:style>
-          <p:txBody>
-            <a:bodyPr rtlCol="0" anchor="ctr"/>
-            <a:lstStyle/>
-            <a:p>
-              <a:pPr algn="ctr"/>
-              <a:endParaRPr lang="en-US" sz="700"/>
-            </a:p>
-          </p:txBody>
-        </p:sp>
-        <p:sp>
-          <p:nvSpPr>
-            <p:cNvPr id="241" name="Rectangle 240"/>
-            <p:cNvSpPr/>
-            <p:nvPr/>
-          </p:nvSpPr>
-          <p:spPr>
-            <a:xfrm>
-              <a:off x="911408" y="6682798"/>
-              <a:ext cx="541357" cy="229348"/>
-            </a:xfrm>
-            <a:prstGeom prst="rect">
-              <a:avLst/>
-            </a:prstGeom>
-          </p:spPr>
-          <p:txBody>
-            <a:bodyPr wrap="none">
-              <a:spAutoFit/>
-            </a:bodyPr>
-            <a:lstStyle/>
-            <a:p>
-              <a:r>
-                <a:rPr lang="en-US" sz="700" dirty="0" err="1">
-                  <a:latin typeface="Arial"/>
-                  <a:cs typeface="Arial"/>
-                </a:rPr>
-                <a:t>tko</a:t>
-              </a:r>
-              <a:r>
-                <a:rPr lang="en-US" sz="700" dirty="0">
-                  <a:latin typeface="Arial"/>
-                  <a:cs typeface="Arial"/>
-                </a:rPr>
-                <a:t> exp.</a:t>
-              </a:r>
-            </a:p>
-          </p:txBody>
-        </p:sp>
-        <p:cxnSp>
-          <p:nvCxnSpPr>
-            <p:cNvPr id="243" name="Straight Connector 242"/>
-            <p:cNvCxnSpPr/>
-            <p:nvPr/>
-          </p:nvCxnSpPr>
-          <p:spPr>
-            <a:xfrm flipH="1">
-              <a:off x="1875613" y="6587613"/>
-              <a:ext cx="301752" cy="0"/>
-            </a:xfrm>
-            <a:prstGeom prst="line">
-              <a:avLst/>
-            </a:prstGeom>
-            <a:ln w="12700" cmpd="sng">
-              <a:solidFill>
-                <a:srgbClr val="000000"/>
-              </a:solidFill>
-            </a:ln>
-            <a:effectLst/>
-          </p:spPr>
-          <p:style>
-            <a:lnRef idx="2">
-              <a:schemeClr val="accent1"/>
-            </a:lnRef>
-            <a:fillRef idx="0">
-              <a:schemeClr val="accent1"/>
-            </a:fillRef>
-            <a:effectRef idx="1">
-              <a:schemeClr val="accent1"/>
-            </a:effectRef>
-            <a:fontRef idx="minor">
+          </a:ln>
+          <a:effectLst/>
+        </p:spPr>
+        <p:style>
+          <a:lnRef idx="1">
+            <a:schemeClr val="accent1"/>
+          </a:lnRef>
+          <a:fillRef idx="3">
+            <a:schemeClr val="accent1"/>
+          </a:fillRef>
+          <a:effectRef idx="2">
+            <a:schemeClr val="accent1"/>
+          </a:effectRef>
+          <a:fontRef idx="minor">
+            <a:schemeClr val="lt1"/>
+          </a:fontRef>
+        </p:style>
+        <p:txBody>
+          <a:bodyPr rtlCol="0" anchor="ctr"/>
+          <a:lstStyle/>
+          <a:p>
+            <a:pPr algn="ctr"/>
+            <a:endParaRPr lang="en-US" sz="700"/>
+          </a:p>
+        </p:txBody>
+      </p:sp>
+      <p:sp>
+        <p:nvSpPr>
+          <p:cNvPr id="241" name="Rectangle 240"/>
+          <p:cNvSpPr/>
+          <p:nvPr/>
+        </p:nvSpPr>
+        <p:spPr>
+          <a:xfrm>
+            <a:off x="809373" y="5829242"/>
+            <a:ext cx="614963" cy="200055"/>
+          </a:xfrm>
+          <a:prstGeom prst="rect">
+            <a:avLst/>
+          </a:prstGeom>
+        </p:spPr>
+        <p:txBody>
+          <a:bodyPr wrap="none">
+            <a:spAutoFit/>
+          </a:bodyPr>
+          <a:lstStyle/>
+          <a:p>
+            <a:r>
+              <a:rPr lang="en-US" sz="700" i="1" dirty="0" smtClean="0">
+                <a:latin typeface="Arial"/>
+                <a:cs typeface="Arial"/>
+              </a:rPr>
+              <a:t>trif  </a:t>
+            </a:r>
+            <a:r>
+              <a:rPr lang="en-US" sz="700" i="1" baseline="30000" dirty="0" smtClean="0">
+                <a:latin typeface="Arial"/>
+                <a:cs typeface="Arial"/>
+              </a:rPr>
+              <a:t>-/-</a:t>
+            </a:r>
+            <a:r>
+              <a:rPr lang="en-US" sz="700" dirty="0" smtClean="0">
+                <a:latin typeface="Arial"/>
+                <a:cs typeface="Arial"/>
+              </a:rPr>
+              <a:t>  </a:t>
+            </a:r>
+            <a:r>
+              <a:rPr lang="en-US" sz="700" dirty="0">
+                <a:latin typeface="Arial"/>
+                <a:cs typeface="Arial"/>
+              </a:rPr>
+              <a:t>exp.</a:t>
+            </a:r>
+          </a:p>
+        </p:txBody>
+      </p:sp>
+      <p:cxnSp>
+        <p:nvCxnSpPr>
+          <p:cNvPr id="243" name="Straight Connector 242"/>
+          <p:cNvCxnSpPr/>
+          <p:nvPr/>
+        </p:nvCxnSpPr>
+        <p:spPr>
+          <a:xfrm flipH="1">
+            <a:off x="1750572" y="5746215"/>
+            <a:ext cx="281635" cy="0"/>
+          </a:xfrm>
+          <a:prstGeom prst="line">
+            <a:avLst/>
+          </a:prstGeom>
+          <a:ln w="12700" cmpd="sng">
+            <a:solidFill>
+              <a:srgbClr val="000000"/>
+            </a:solidFill>
+          </a:ln>
+          <a:effectLst/>
+        </p:spPr>
+        <p:style>
+          <a:lnRef idx="2">
+            <a:schemeClr val="accent1"/>
+          </a:lnRef>
+          <a:fillRef idx="0">
+            <a:schemeClr val="accent1"/>
+          </a:fillRef>
+          <a:effectRef idx="1">
+            <a:schemeClr val="accent1"/>
+          </a:effectRef>
+          <a:fontRef idx="minor">
+            <a:schemeClr val="tx1"/>
+          </a:fontRef>
+        </p:style>
+      </p:cxnSp>
+      <p:cxnSp>
+        <p:nvCxnSpPr>
+          <p:cNvPr id="244" name="Straight Connector 243"/>
+          <p:cNvCxnSpPr/>
+          <p:nvPr/>
+        </p:nvCxnSpPr>
+        <p:spPr>
+          <a:xfrm>
+            <a:off x="1750331" y="5836024"/>
+            <a:ext cx="277323" cy="4180"/>
+          </a:xfrm>
+          <a:prstGeom prst="line">
+            <a:avLst/>
+          </a:prstGeom>
+          <a:ln w="12700" cmpd="sng">
+            <a:solidFill>
+              <a:srgbClr val="000000"/>
+            </a:solidFill>
+            <a:prstDash val="dash"/>
+          </a:ln>
+          <a:effectLst/>
+        </p:spPr>
+        <p:style>
+          <a:lnRef idx="2">
+            <a:schemeClr val="accent1"/>
+          </a:lnRef>
+          <a:fillRef idx="0">
+            <a:schemeClr val="accent1"/>
+          </a:fillRef>
+          <a:effectRef idx="1">
+            <a:schemeClr val="accent1"/>
+          </a:effectRef>
+          <a:fontRef idx="minor">
+            <a:schemeClr val="tx1"/>
+          </a:fontRef>
+        </p:style>
+      </p:cxnSp>
+      <p:cxnSp>
+        <p:nvCxnSpPr>
+          <p:cNvPr id="245" name="Straight Connector 244"/>
+          <p:cNvCxnSpPr/>
+          <p:nvPr/>
+        </p:nvCxnSpPr>
+        <p:spPr>
+          <a:xfrm>
+            <a:off x="1757978" y="5932224"/>
+            <a:ext cx="277323" cy="4180"/>
+          </a:xfrm>
+          <a:prstGeom prst="line">
+            <a:avLst/>
+          </a:prstGeom>
+          <a:ln w="12700" cmpd="sng">
+            <a:solidFill>
+              <a:srgbClr val="000000"/>
+            </a:solidFill>
+            <a:prstDash val="dashDot"/>
+          </a:ln>
+          <a:effectLst/>
+        </p:spPr>
+        <p:style>
+          <a:lnRef idx="2">
+            <a:schemeClr val="accent1"/>
+          </a:lnRef>
+          <a:fillRef idx="0">
+            <a:schemeClr val="accent1"/>
+          </a:fillRef>
+          <a:effectRef idx="1">
+            <a:schemeClr val="accent1"/>
+          </a:effectRef>
+          <a:fontRef idx="minor">
+            <a:schemeClr val="tx1"/>
+          </a:fontRef>
+        </p:style>
+      </p:cxnSp>
+      <p:sp>
+        <p:nvSpPr>
+          <p:cNvPr id="246" name="Rectangle 245"/>
+          <p:cNvSpPr/>
+          <p:nvPr/>
+        </p:nvSpPr>
+        <p:spPr>
+          <a:xfrm>
+            <a:off x="1991848" y="5636487"/>
+            <a:ext cx="753300" cy="200055"/>
+          </a:xfrm>
+          <a:prstGeom prst="rect">
+            <a:avLst/>
+          </a:prstGeom>
+        </p:spPr>
+        <p:txBody>
+          <a:bodyPr wrap="none">
+            <a:spAutoFit/>
+          </a:bodyPr>
+          <a:lstStyle/>
+          <a:p>
+            <a:r>
+              <a:rPr lang="en-US" sz="700" dirty="0" smtClean="0">
+                <a:latin typeface="Arial"/>
+                <a:cs typeface="Arial"/>
+              </a:rPr>
+              <a:t>wild-type </a:t>
+            </a:r>
+            <a:r>
+              <a:rPr lang="en-US" sz="700" dirty="0" err="1">
+                <a:latin typeface="Arial"/>
+                <a:cs typeface="Arial"/>
+              </a:rPr>
+              <a:t>sim</a:t>
+            </a:r>
+            <a:r>
+              <a:rPr lang="en-US" sz="700" dirty="0">
+                <a:latin typeface="Arial"/>
+                <a:cs typeface="Arial"/>
+              </a:rPr>
+              <a:t>.</a:t>
+            </a:r>
+          </a:p>
+        </p:txBody>
+      </p:sp>
+      <p:sp>
+        <p:nvSpPr>
+          <p:cNvPr id="247" name="Rectangle 246"/>
+          <p:cNvSpPr/>
+          <p:nvPr/>
+        </p:nvSpPr>
+        <p:spPr>
+          <a:xfrm>
+            <a:off x="1991848" y="5827033"/>
+            <a:ext cx="584894" cy="200055"/>
+          </a:xfrm>
+          <a:prstGeom prst="rect">
+            <a:avLst/>
+          </a:prstGeom>
+        </p:spPr>
+        <p:txBody>
+          <a:bodyPr wrap="none">
+            <a:spAutoFit/>
+          </a:bodyPr>
+          <a:lstStyle/>
+          <a:p>
+            <a:r>
+              <a:rPr lang="en-US" altLang="zh-CN" sz="700" i="1" dirty="0" smtClean="0">
+                <a:latin typeface="Arial"/>
+                <a:cs typeface="Arial"/>
+              </a:rPr>
+              <a:t>trif  </a:t>
+            </a:r>
+            <a:r>
+              <a:rPr lang="en-US" altLang="zh-CN" sz="700" i="1" baseline="30000" dirty="0" smtClean="0">
+                <a:latin typeface="Arial"/>
+                <a:cs typeface="Arial"/>
+              </a:rPr>
+              <a:t>-/-</a:t>
+            </a:r>
+            <a:r>
+              <a:rPr lang="en-US" altLang="zh-CN" sz="700" dirty="0" smtClean="0">
+                <a:latin typeface="Arial"/>
+                <a:cs typeface="Arial"/>
+              </a:rPr>
+              <a:t> </a:t>
+            </a:r>
+            <a:r>
+              <a:rPr lang="en-US" altLang="zh-CN" sz="700" dirty="0" err="1">
+                <a:latin typeface="Arial"/>
+                <a:cs typeface="Arial"/>
+              </a:rPr>
+              <a:t>sim</a:t>
+            </a:r>
+            <a:r>
+              <a:rPr lang="en-US" altLang="zh-CN" sz="700" dirty="0">
+                <a:latin typeface="Arial"/>
+                <a:cs typeface="Arial"/>
+              </a:rPr>
+              <a:t>.</a:t>
+            </a:r>
+            <a:endParaRPr lang="en-US" sz="700" dirty="0">
+              <a:latin typeface="Arial"/>
+              <a:cs typeface="Arial"/>
+            </a:endParaRPr>
+          </a:p>
+        </p:txBody>
+      </p:sp>
+      <p:sp>
+        <p:nvSpPr>
+          <p:cNvPr id="248" name="Rectangle 247"/>
+          <p:cNvSpPr/>
+          <p:nvPr/>
+        </p:nvSpPr>
+        <p:spPr>
+          <a:xfrm>
+            <a:off x="1991848" y="5727398"/>
+            <a:ext cx="729671" cy="200055"/>
+          </a:xfrm>
+          <a:prstGeom prst="rect">
+            <a:avLst/>
+          </a:prstGeom>
+        </p:spPr>
+        <p:txBody>
+          <a:bodyPr wrap="none">
+            <a:spAutoFit/>
+          </a:bodyPr>
+          <a:lstStyle/>
+          <a:p>
+            <a:r>
+              <a:rPr lang="en-US" sz="700" i="1" dirty="0" smtClean="0">
+                <a:latin typeface="Arial"/>
+                <a:cs typeface="Arial"/>
+              </a:rPr>
+              <a:t>myd88 </a:t>
+            </a:r>
+            <a:r>
+              <a:rPr lang="en-US" sz="700" i="1" baseline="30000" dirty="0" smtClean="0">
+                <a:latin typeface="Arial"/>
+                <a:cs typeface="Arial"/>
+              </a:rPr>
+              <a:t>-/-</a:t>
+            </a:r>
+            <a:r>
+              <a:rPr lang="en-US" sz="700" dirty="0" smtClean="0">
+                <a:latin typeface="Arial"/>
+                <a:cs typeface="Arial"/>
+              </a:rPr>
+              <a:t> </a:t>
+            </a:r>
+            <a:r>
+              <a:rPr lang="en-US" sz="700" dirty="0" err="1">
+                <a:latin typeface="Arial"/>
+                <a:cs typeface="Arial"/>
+              </a:rPr>
+              <a:t>sim</a:t>
+            </a:r>
+            <a:r>
+              <a:rPr lang="en-US" sz="700" dirty="0">
+                <a:latin typeface="Arial"/>
+                <a:cs typeface="Arial"/>
+              </a:rPr>
+              <a:t>.</a:t>
+            </a:r>
+          </a:p>
+        </p:txBody>
+      </p:sp>
+      <p:pic>
+        <p:nvPicPr>
+          <p:cNvPr id="15" name="Picture 14" descr="ikk_new_2.pdf"/>
+          <p:cNvPicPr>
+            <a:picLocks noChangeAspect="1"/>
+          </p:cNvPicPr>
+          <p:nvPr/>
+        </p:nvPicPr>
+        <p:blipFill>
+          <a:blip r:embed="rId9">
+            <a:extLst>
+              <a:ext uri="{28A0092B-C50C-407E-A947-70E740481C1C}">
+                <a14:useLocalDpi xmlns:a14="http://schemas.microsoft.com/office/drawing/2010/main" val="0"/>
+              </a:ext>
+            </a:extLst>
+          </a:blip>
+          <a:stretch>
+            <a:fillRect/>
+          </a:stretch>
+        </p:blipFill>
+        <p:spPr>
+          <a:xfrm>
+            <a:off x="198830" y="3274771"/>
+            <a:ext cx="2560320" cy="2392826"/>
+          </a:xfrm>
+          <a:prstGeom prst="rect">
+            <a:avLst/>
+          </a:prstGeom>
+        </p:spPr>
+      </p:pic>
+      <p:sp>
+        <p:nvSpPr>
+          <p:cNvPr id="214" name="Rectangle 213"/>
+          <p:cNvSpPr>
+            <a:spLocks/>
+          </p:cNvSpPr>
+          <p:nvPr/>
+        </p:nvSpPr>
+        <p:spPr>
+          <a:xfrm>
+            <a:off x="4896894" y="4667697"/>
+            <a:ext cx="68275" cy="59821"/>
+          </a:xfrm>
+          <a:prstGeom prst="rect">
+            <a:avLst/>
+          </a:prstGeom>
+          <a:solidFill>
+            <a:schemeClr val="tx1"/>
+          </a:solidFill>
+          <a:ln>
+            <a:solidFill>
               <a:schemeClr val="tx1"/>
-            </a:fontRef>
-          </p:style>
-        </p:cxnSp>
-        <p:cxnSp>
-          <p:nvCxnSpPr>
-            <p:cNvPr id="244" name="Straight Connector 243"/>
-            <p:cNvCxnSpPr/>
-            <p:nvPr/>
-          </p:nvCxnSpPr>
-          <p:spPr>
-            <a:xfrm>
-              <a:off x="1875354" y="6690573"/>
-              <a:ext cx="297132" cy="4792"/>
-            </a:xfrm>
-            <a:prstGeom prst="line">
-              <a:avLst/>
-            </a:prstGeom>
-            <a:ln w="12700" cmpd="sng">
-              <a:solidFill>
-                <a:srgbClr val="000000"/>
-              </a:solidFill>
-              <a:prstDash val="dash"/>
-            </a:ln>
-            <a:effectLst/>
-          </p:spPr>
-          <p:style>
-            <a:lnRef idx="2">
-              <a:schemeClr val="accent1"/>
-            </a:lnRef>
-            <a:fillRef idx="0">
-              <a:schemeClr val="accent1"/>
-            </a:fillRef>
-            <a:effectRef idx="1">
-              <a:schemeClr val="accent1"/>
-            </a:effectRef>
-            <a:fontRef idx="minor">
-              <a:schemeClr val="tx1"/>
-            </a:fontRef>
-          </p:style>
-        </p:cxnSp>
-        <p:cxnSp>
-          <p:nvCxnSpPr>
-            <p:cNvPr id="245" name="Straight Connector 244"/>
-            <p:cNvCxnSpPr/>
-            <p:nvPr/>
-          </p:nvCxnSpPr>
-          <p:spPr>
-            <a:xfrm>
-              <a:off x="1883548" y="6800859"/>
-              <a:ext cx="297132" cy="4792"/>
-            </a:xfrm>
-            <a:prstGeom prst="line">
-              <a:avLst/>
-            </a:prstGeom>
-            <a:ln w="12700" cmpd="sng">
-              <a:solidFill>
-                <a:srgbClr val="000000"/>
-              </a:solidFill>
-              <a:prstDash val="dashDot"/>
-            </a:ln>
-            <a:effectLst/>
-          </p:spPr>
-          <p:style>
-            <a:lnRef idx="2">
-              <a:schemeClr val="accent1"/>
-            </a:lnRef>
-            <a:fillRef idx="0">
-              <a:schemeClr val="accent1"/>
-            </a:fillRef>
-            <a:effectRef idx="1">
-              <a:schemeClr val="accent1"/>
-            </a:effectRef>
-            <a:fontRef idx="minor">
-              <a:schemeClr val="tx1"/>
-            </a:fontRef>
-          </p:style>
-        </p:cxnSp>
-        <p:sp>
-          <p:nvSpPr>
-            <p:cNvPr id="246" name="Rectangle 245"/>
-            <p:cNvSpPr/>
-            <p:nvPr/>
-          </p:nvSpPr>
-          <p:spPr>
-            <a:xfrm>
-              <a:off x="2225735" y="6461818"/>
-              <a:ext cx="500136" cy="229348"/>
-            </a:xfrm>
-            <a:prstGeom prst="rect">
-              <a:avLst/>
-            </a:prstGeom>
-          </p:spPr>
-          <p:txBody>
-            <a:bodyPr wrap="none">
-              <a:spAutoFit/>
-            </a:bodyPr>
-            <a:lstStyle/>
-            <a:p>
-              <a:r>
-                <a:rPr lang="en-US" sz="700" dirty="0" err="1">
-                  <a:latin typeface="Arial"/>
-                  <a:cs typeface="Arial"/>
-                </a:rPr>
-                <a:t>wt</a:t>
-              </a:r>
-              <a:r>
-                <a:rPr lang="en-US" sz="700" dirty="0">
-                  <a:latin typeface="Arial"/>
-                  <a:cs typeface="Arial"/>
-                </a:rPr>
-                <a:t> </a:t>
-              </a:r>
-              <a:r>
-                <a:rPr lang="en-US" sz="700" dirty="0" err="1">
-                  <a:latin typeface="Arial"/>
-                  <a:cs typeface="Arial"/>
-                </a:rPr>
-                <a:t>sim</a:t>
-              </a:r>
-              <a:r>
-                <a:rPr lang="en-US" sz="700" dirty="0">
-                  <a:latin typeface="Arial"/>
-                  <a:cs typeface="Arial"/>
-                </a:rPr>
-                <a:t>.</a:t>
-              </a:r>
-            </a:p>
-          </p:txBody>
-        </p:sp>
-        <p:sp>
-          <p:nvSpPr>
-            <p:cNvPr id="247" name="Rectangle 246"/>
-            <p:cNvSpPr/>
-            <p:nvPr/>
-          </p:nvSpPr>
-          <p:spPr>
-            <a:xfrm>
-              <a:off x="2200073" y="6680265"/>
-              <a:ext cx="529180" cy="229348"/>
-            </a:xfrm>
-            <a:prstGeom prst="rect">
-              <a:avLst/>
-            </a:prstGeom>
-          </p:spPr>
-          <p:txBody>
-            <a:bodyPr wrap="none">
-              <a:spAutoFit/>
-            </a:bodyPr>
-            <a:lstStyle/>
-            <a:p>
-              <a:r>
-                <a:rPr lang="en-US" altLang="zh-CN" sz="700" dirty="0" err="1">
-                  <a:latin typeface="Arial"/>
-                  <a:cs typeface="Arial"/>
-                </a:rPr>
-                <a:t>tko</a:t>
-              </a:r>
-              <a:r>
-                <a:rPr lang="en-US" altLang="zh-CN" sz="700" dirty="0">
-                  <a:latin typeface="Arial"/>
-                  <a:cs typeface="Arial"/>
-                </a:rPr>
-                <a:t> </a:t>
-              </a:r>
-              <a:r>
-                <a:rPr lang="en-US" altLang="zh-CN" sz="700" dirty="0" err="1">
-                  <a:latin typeface="Arial"/>
-                  <a:cs typeface="Arial"/>
-                </a:rPr>
-                <a:t>sim</a:t>
-              </a:r>
-              <a:r>
-                <a:rPr lang="en-US" altLang="zh-CN" sz="700" dirty="0">
-                  <a:latin typeface="Arial"/>
-                  <a:cs typeface="Arial"/>
-                </a:rPr>
-                <a:t>.</a:t>
-              </a:r>
-              <a:endParaRPr lang="en-US" sz="700" dirty="0">
-                <a:latin typeface="Arial"/>
-                <a:cs typeface="Arial"/>
-              </a:endParaRPr>
-            </a:p>
-          </p:txBody>
-        </p:sp>
-        <p:sp>
-          <p:nvSpPr>
-            <p:cNvPr id="248" name="Rectangle 247"/>
-            <p:cNvSpPr/>
-            <p:nvPr/>
-          </p:nvSpPr>
-          <p:spPr>
-            <a:xfrm>
-              <a:off x="2134123" y="6566041"/>
-              <a:ext cx="582577" cy="229348"/>
-            </a:xfrm>
-            <a:prstGeom prst="rect">
-              <a:avLst/>
-            </a:prstGeom>
-          </p:spPr>
-          <p:txBody>
-            <a:bodyPr wrap="none">
-              <a:spAutoFit/>
-            </a:bodyPr>
-            <a:lstStyle/>
-            <a:p>
-              <a:r>
-                <a:rPr lang="en-US" sz="700" dirty="0" err="1">
-                  <a:latin typeface="Arial"/>
-                  <a:cs typeface="Arial"/>
-                </a:rPr>
-                <a:t>mko</a:t>
-              </a:r>
-              <a:r>
-                <a:rPr lang="en-US" sz="700" dirty="0">
-                  <a:latin typeface="Arial"/>
-                  <a:cs typeface="Arial"/>
-                </a:rPr>
-                <a:t> </a:t>
-              </a:r>
-              <a:r>
-                <a:rPr lang="en-US" sz="700" dirty="0" err="1">
-                  <a:latin typeface="Arial"/>
-                  <a:cs typeface="Arial"/>
-                </a:rPr>
-                <a:t>sim</a:t>
-              </a:r>
-              <a:r>
-                <a:rPr lang="en-US" sz="700" dirty="0">
-                  <a:latin typeface="Arial"/>
-                  <a:cs typeface="Arial"/>
-                </a:rPr>
-                <a:t>.</a:t>
-              </a:r>
-            </a:p>
-          </p:txBody>
-        </p:sp>
-        <p:pic>
-          <p:nvPicPr>
-            <p:cNvPr id="9" name="Picture 8" descr="nfirf.pdf"/>
-            <p:cNvPicPr>
-              <a:picLocks noChangeAspect="1"/>
-            </p:cNvPicPr>
-            <p:nvPr/>
-          </p:nvPicPr>
-          <p:blipFill>
-            <a:blip r:embed="rId8">
-              <a:extLst>
-                <a:ext uri="{28A0092B-C50C-407E-A947-70E740481C1C}">
-                  <a14:useLocalDpi xmlns:a14="http://schemas.microsoft.com/office/drawing/2010/main" val="0"/>
-                </a:ext>
-              </a:extLst>
-            </a:blip>
-            <a:stretch>
-              <a:fillRect/>
-            </a:stretch>
-          </p:blipFill>
-          <p:spPr>
-            <a:xfrm>
-              <a:off x="3541250" y="3749213"/>
-              <a:ext cx="2743200" cy="2743200"/>
-            </a:xfrm>
-            <a:prstGeom prst="rect">
-              <a:avLst/>
-            </a:prstGeom>
-          </p:spPr>
-        </p:pic>
-        <p:pic>
-          <p:nvPicPr>
-            <p:cNvPr id="15" name="Picture 14" descr="ikk_new_2.pdf"/>
-            <p:cNvPicPr>
-              <a:picLocks noChangeAspect="1"/>
-            </p:cNvPicPr>
-            <p:nvPr/>
-          </p:nvPicPr>
-          <p:blipFill>
-            <a:blip r:embed="rId9">
-              <a:extLst>
-                <a:ext uri="{28A0092B-C50C-407E-A947-70E740481C1C}">
-                  <a14:useLocalDpi xmlns:a14="http://schemas.microsoft.com/office/drawing/2010/main" val="0"/>
-                </a:ext>
-              </a:extLst>
-            </a:blip>
-            <a:stretch>
-              <a:fillRect/>
-            </a:stretch>
-          </p:blipFill>
-          <p:spPr>
-            <a:xfrm>
-              <a:off x="213032" y="3754284"/>
-              <a:ext cx="2743200" cy="2743200"/>
-            </a:xfrm>
-            <a:prstGeom prst="rect">
-              <a:avLst/>
-            </a:prstGeom>
-          </p:spPr>
-        </p:pic>
-      </p:grpSp>
+            </a:solidFill>
+          </a:ln>
+          <a:effectLst/>
+        </p:spPr>
+        <p:style>
+          <a:lnRef idx="1">
+            <a:schemeClr val="accent1"/>
+          </a:lnRef>
+          <a:fillRef idx="3">
+            <a:schemeClr val="accent1"/>
+          </a:fillRef>
+          <a:effectRef idx="2">
+            <a:schemeClr val="accent1"/>
+          </a:effectRef>
+          <a:fontRef idx="minor">
+            <a:schemeClr val="lt1"/>
+          </a:fontRef>
+        </p:style>
+        <p:txBody>
+          <a:bodyPr rtlCol="0" anchor="ctr"/>
+          <a:lstStyle/>
+          <a:p>
+            <a:pPr algn="ctr"/>
+            <a:endParaRPr lang="en-US" sz="700"/>
+          </a:p>
+        </p:txBody>
+      </p:sp>
+      <p:sp>
+        <p:nvSpPr>
+          <p:cNvPr id="216" name="Rectangle 215"/>
+          <p:cNvSpPr/>
+          <p:nvPr/>
+        </p:nvSpPr>
+        <p:spPr>
+          <a:xfrm>
+            <a:off x="5049931" y="4585536"/>
+            <a:ext cx="761747" cy="200055"/>
+          </a:xfrm>
+          <a:prstGeom prst="rect">
+            <a:avLst/>
+          </a:prstGeom>
+        </p:spPr>
+        <p:txBody>
+          <a:bodyPr wrap="none">
+            <a:spAutoFit/>
+          </a:bodyPr>
+          <a:lstStyle/>
+          <a:p>
+            <a:r>
+              <a:rPr lang="en-US" sz="700" dirty="0">
+                <a:latin typeface="Arial"/>
+                <a:cs typeface="Arial"/>
+              </a:rPr>
+              <a:t>wild-type exp</a:t>
+            </a:r>
+            <a:r>
+              <a:rPr lang="en-US" sz="700" dirty="0" smtClean="0">
+                <a:latin typeface="Arial"/>
+                <a:cs typeface="Arial"/>
+              </a:rPr>
+              <a:t>.</a:t>
+            </a:r>
+            <a:endParaRPr lang="en-US" sz="700" dirty="0">
+              <a:latin typeface="Arial"/>
+              <a:cs typeface="Arial"/>
+            </a:endParaRPr>
+          </a:p>
+        </p:txBody>
+      </p:sp>
+      <p:cxnSp>
+        <p:nvCxnSpPr>
+          <p:cNvPr id="275" name="Straight Connector 274"/>
+          <p:cNvCxnSpPr/>
+          <p:nvPr/>
+        </p:nvCxnSpPr>
+        <p:spPr>
+          <a:xfrm>
+            <a:off x="4792370" y="4805731"/>
+            <a:ext cx="277323" cy="4180"/>
+          </a:xfrm>
+          <a:prstGeom prst="line">
+            <a:avLst/>
+          </a:prstGeom>
+          <a:ln w="12700" cmpd="sng">
+            <a:solidFill>
+              <a:srgbClr val="000000"/>
+            </a:solidFill>
+          </a:ln>
+          <a:effectLst/>
+        </p:spPr>
+        <p:style>
+          <a:lnRef idx="2">
+            <a:schemeClr val="accent1"/>
+          </a:lnRef>
+          <a:fillRef idx="0">
+            <a:schemeClr val="accent1"/>
+          </a:fillRef>
+          <a:effectRef idx="1">
+            <a:schemeClr val="accent1"/>
+          </a:effectRef>
+          <a:fontRef idx="minor">
+            <a:schemeClr val="tx1"/>
+          </a:fontRef>
+        </p:style>
+      </p:cxnSp>
+      <p:sp>
+        <p:nvSpPr>
+          <p:cNvPr id="276" name="Rectangle 275"/>
+          <p:cNvSpPr/>
+          <p:nvPr/>
+        </p:nvSpPr>
+        <p:spPr>
+          <a:xfrm>
+            <a:off x="5049931" y="4700436"/>
+            <a:ext cx="728359" cy="200055"/>
+          </a:xfrm>
+          <a:prstGeom prst="rect">
+            <a:avLst/>
+          </a:prstGeom>
+        </p:spPr>
+        <p:txBody>
+          <a:bodyPr wrap="none">
+            <a:spAutoFit/>
+          </a:bodyPr>
+          <a:lstStyle/>
+          <a:p>
+            <a:r>
+              <a:rPr lang="en-US" sz="700" dirty="0" smtClean="0">
+                <a:latin typeface="Arial"/>
+                <a:cs typeface="Arial"/>
+              </a:rPr>
+              <a:t>wild-type </a:t>
+            </a:r>
+            <a:r>
+              <a:rPr lang="en-US" sz="700" dirty="0" err="1" smtClean="0">
+                <a:latin typeface="Arial"/>
+                <a:cs typeface="Arial"/>
+              </a:rPr>
+              <a:t>sim</a:t>
+            </a:r>
+            <a:r>
+              <a:rPr lang="en-US" sz="700" dirty="0">
+                <a:latin typeface="Arial"/>
+                <a:cs typeface="Arial"/>
+              </a:rPr>
+              <a:t>.</a:t>
+            </a:r>
+          </a:p>
+        </p:txBody>
+      </p:sp>
     </p:spTree>
     <p:extLst>
       <p:ext uri="{BB962C8B-B14F-4D97-AF65-F5344CB8AC3E}">
@@ -12575,7 +12558,21 @@
                 <a:latin typeface="Arial"/>
                 <a:cs typeface="Arial"/>
               </a:rPr>
-              <a:t>Figure S5. Sensitivity analysis of the NF-κB response time. </a:t>
+              <a:t>Figure S5. Sensitivity analysis of the </a:t>
+            </a:r>
+            <a:r>
+              <a:rPr lang="en-US" sz="1100" b="1" dirty="0" smtClean="0">
+                <a:latin typeface="Arial"/>
+                <a:cs typeface="Arial"/>
+              </a:rPr>
+              <a:t>NFκB </a:t>
+            </a:r>
+            <a:r>
+              <a:rPr lang="en-US" sz="1100" b="1" dirty="0">
+                <a:latin typeface="Arial"/>
+                <a:cs typeface="Arial"/>
+              </a:rPr>
+              <a:t>response time. </a:t>
             </a:r>
             <a:r>
               <a:rPr lang="en-US" sz="1100" dirty="0">
@@ -17157,35 +17154,49 @@
                 <a:latin typeface="Arial"/>
                 <a:cs typeface="Arial"/>
               </a:rPr>
-              <a:t>) The NF-</a:t>
+              <a:t>) The </a:t>
             </a:r>
             <a:r>
               <a:rPr lang="en-US" sz="1100" dirty="0" err="1" smtClean="0">
                 <a:latin typeface="Arial"/>
                 <a:cs typeface="Arial"/>
               </a:rPr>
-              <a:t>κBn</a:t>
+              <a:t>NFκBn</a:t>
             </a:r>
             <a:r>
               <a:rPr lang="en-US" sz="1100" dirty="0" smtClean="0">
                 <a:latin typeface="Arial"/>
                 <a:cs typeface="Arial"/>
               </a:rPr>
-              <a:t> response duration (i.e. time when NF-</a:t>
+              <a:t> </a:t>
+            </a:r>
+            <a:r>
+              <a:rPr lang="en-US" sz="1100" dirty="0" smtClean="0">
+                <a:latin typeface="Arial"/>
+                <a:cs typeface="Arial"/>
+              </a:rPr>
+              <a:t>response duration (i.e. time when </a:t>
             </a:r>
             <a:r>
               <a:rPr lang="en-US" sz="1100" dirty="0" err="1" smtClean="0">
                 <a:latin typeface="Arial"/>
                 <a:cs typeface="Arial"/>
               </a:rPr>
-              <a:t>κBn</a:t>
+              <a:t>NFκBn</a:t>
             </a:r>
             <a:r>
               <a:rPr lang="en-US" sz="1100" dirty="0" smtClean="0">
                 <a:latin typeface="Arial"/>
                 <a:cs typeface="Arial"/>
               </a:rPr>
-              <a:t> &gt; 50 </a:t>
+              <a:t> </a:t>
+            </a:r>
+            <a:r>
+              <a:rPr lang="en-US" sz="1100" dirty="0" smtClean="0">
+                <a:latin typeface="Arial"/>
+                <a:cs typeface="Arial"/>
+              </a:rPr>
+              <a:t>&gt; 50 </a:t>
             </a:r>
             <a:r>
               <a:rPr lang="en-US" sz="1100" dirty="0" err="1" smtClean="0">
@@ -17213,35 +17224,49 @@
                 <a:latin typeface="Arial"/>
                 <a:cs typeface="Arial"/>
               </a:rPr>
-              <a:t>) The NF-</a:t>
+              <a:t>) The </a:t>
             </a:r>
             <a:r>
               <a:rPr lang="en-US" sz="1100" dirty="0" err="1" smtClean="0">
                 <a:latin typeface="Arial"/>
                 <a:cs typeface="Arial"/>
               </a:rPr>
-              <a:t>κBn</a:t>
+              <a:t>NFκBn</a:t>
             </a:r>
             <a:r>
               <a:rPr lang="en-US" sz="1100" dirty="0" smtClean="0">
                 <a:latin typeface="Arial"/>
                 <a:cs typeface="Arial"/>
               </a:rPr>
-              <a:t> response speed (defined by the time NF-</a:t>
+              <a:t> </a:t>
+            </a:r>
+            <a:r>
+              <a:rPr lang="en-US" sz="1100" dirty="0" smtClean="0">
+                <a:latin typeface="Arial"/>
+                <a:cs typeface="Arial"/>
+              </a:rPr>
+              <a:t>response speed (defined by the time </a:t>
             </a:r>
             <a:r>
               <a:rPr lang="en-US" sz="1100" dirty="0" err="1" smtClean="0">
                 <a:latin typeface="Arial"/>
                 <a:cs typeface="Arial"/>
               </a:rPr>
-              <a:t>κBn</a:t>
+              <a:t>NFκBn</a:t>
             </a:r>
             <a:r>
               <a:rPr lang="en-US" sz="1100" dirty="0" smtClean="0">
                 <a:latin typeface="Arial"/>
                 <a:cs typeface="Arial"/>
               </a:rPr>
-              <a:t> level first reaches half of the peak level) vs. LPS doses. (</a:t>
+              <a:t> </a:t>
+            </a:r>
+            <a:r>
+              <a:rPr lang="en-US" sz="1100" dirty="0" smtClean="0">
+                <a:latin typeface="Arial"/>
+                <a:cs typeface="Arial"/>
+              </a:rPr>
+              <a:t>level first reaches half of the peak level) vs. LPS doses. (</a:t>
             </a:r>
             <a:r>
               <a:rPr lang="en-US" sz="1100" i="1" dirty="0" smtClean="0">
@@ -27433,21 +27458,28 @@
                 <a:latin typeface="Arial"/>
                 <a:cs typeface="Arial"/>
               </a:rPr>
-              <a:t>) The NF-</a:t>
-            </a:r>
-            <a:r>
-              <a:rPr lang="en-US" sz="1100" dirty="0" err="1">
-                <a:latin typeface="Arial"/>
-                <a:cs typeface="Arial"/>
-              </a:rPr>
-              <a:t>κBn</a:t>
+              <a:t>) The </a:t>
+            </a:r>
+            <a:r>
+              <a:rPr lang="en-US" sz="1100" dirty="0" err="1" smtClean="0">
+                <a:latin typeface="Arial"/>
+                <a:cs typeface="Arial"/>
+              </a:rPr>
+              <a:t>NFκBn</a:t>
+            </a:r>
+            <a:r>
+              <a:rPr lang="en-US" sz="1100" dirty="0" smtClean="0">
+                <a:latin typeface="Arial"/>
+                <a:cs typeface="Arial"/>
+              </a:rPr>
+              <a:t> </a:t>
             </a:r>
             <a:r>
               <a:rPr lang="en-US" sz="1100" dirty="0">
                 <a:latin typeface="Arial"/>
                 <a:cs typeface="Arial"/>
               </a:rPr>
-              <a:t> time courses (</a:t>
+              <a:t>time courses (</a:t>
             </a:r>
             <a:r>
               <a:rPr lang="en-US" sz="1100" i="1" dirty="0">
@@ -29760,7 +29792,7 @@
         </p:nvSpPr>
         <p:spPr>
           <a:xfrm>
-            <a:off x="3050375" y="2302586"/>
+            <a:off x="3035433" y="2302586"/>
             <a:ext cx="313860" cy="329062"/>
           </a:xfrm>
           <a:prstGeom prst="rect">
@@ -29795,7 +29827,7 @@
         </p:nvSpPr>
         <p:spPr>
           <a:xfrm>
-            <a:off x="582180" y="4504688"/>
+            <a:off x="582180" y="4514303"/>
             <a:ext cx="313860" cy="329062"/>
           </a:xfrm>
           <a:prstGeom prst="rect">
@@ -29820,14 +29852,136 @@
       </p:sp>
       <p:sp>
         <p:nvSpPr>
-          <p:cNvPr id="55" name="Rectangle 54"/>
-          <p:cNvSpPr/>
-          <p:nvPr/>
-        </p:nvSpPr>
-        <p:spPr>
-          <a:xfrm>
-            <a:off x="3050375" y="4504688"/>
-            <a:ext cx="302539" cy="329062"/>
+          <p:cNvPr id="84" name="Rectangle 83"/>
+          <p:cNvSpPr/>
+          <p:nvPr/>
+        </p:nvSpPr>
+        <p:spPr>
+          <a:xfrm>
+            <a:off x="1" y="6730223"/>
+            <a:ext cx="6271491" cy="590672"/>
+          </a:xfrm>
+          <a:prstGeom prst="rect">
+            <a:avLst/>
+          </a:prstGeom>
+        </p:spPr>
+        <p:txBody>
+          <a:bodyPr wrap="square" lIns="82040" tIns="41020" rIns="82040" bIns="41020">
+            <a:spAutoFit/>
+          </a:bodyPr>
+          <a:lstStyle/>
+          <a:p>
+            <a:r>
+              <a:rPr lang="en-US" sz="1100" b="1" dirty="0">
+                <a:latin typeface="Arial"/>
+                <a:cs typeface="Arial"/>
+              </a:rPr>
+              <a:t>Figure 5. Simulating two clusters of </a:t>
+            </a:r>
+            <a:r>
+              <a:rPr lang="en-US" sz="1100" b="1" dirty="0" smtClean="0">
+                <a:latin typeface="Arial"/>
+                <a:cs typeface="Arial"/>
+              </a:rPr>
+              <a:t>NFκB </a:t>
+            </a:r>
+            <a:r>
+              <a:rPr lang="en-US" sz="1100" b="1" dirty="0">
+                <a:latin typeface="Arial"/>
+                <a:cs typeface="Arial"/>
+              </a:rPr>
+              <a:t>dynamics in single cell. </a:t>
+            </a:r>
+            <a:r>
+              <a:rPr lang="en-US" sz="1100" dirty="0">
+                <a:latin typeface="Arial"/>
+                <a:cs typeface="Arial"/>
+              </a:rPr>
+              <a:t>(</a:t>
+            </a:r>
+            <a:r>
+              <a:rPr lang="en-US" sz="1100" i="1" dirty="0">
+                <a:latin typeface="Arial"/>
+                <a:cs typeface="Arial"/>
+              </a:rPr>
+              <a:t>A</a:t>
+            </a:r>
+            <a:r>
+              <a:rPr lang="en-US" sz="1100" dirty="0">
+                <a:latin typeface="Arial"/>
+                <a:cs typeface="Arial"/>
+              </a:rPr>
+              <a:t>) Illustrate the two random fraction parameters in the model. 200 simulations of NF-</a:t>
+            </a:r>
+            <a:r>
+              <a:rPr lang="en-US" sz="1100" dirty="0" err="1">
+                <a:latin typeface="Arial"/>
+                <a:cs typeface="Arial"/>
+              </a:rPr>
+              <a:t>κBn</a:t>
+            </a:r>
+            <a:r>
+              <a:rPr lang="en-US" sz="1100" dirty="0">
+                <a:latin typeface="Arial"/>
+                <a:cs typeface="Arial"/>
+              </a:rPr>
+              <a:t> dynamics before clustering (</a:t>
+            </a:r>
+            <a:r>
+              <a:rPr lang="en-US" sz="1100" i="1" dirty="0">
+                <a:latin typeface="Arial"/>
+                <a:cs typeface="Arial"/>
+              </a:rPr>
+              <a:t>B</a:t>
+            </a:r>
+            <a:r>
+              <a:rPr lang="en-US" sz="1100" dirty="0">
+                <a:latin typeface="Arial"/>
+                <a:cs typeface="Arial"/>
+              </a:rPr>
+              <a:t>) and after clustering (</a:t>
+            </a:r>
+            <a:r>
+              <a:rPr lang="en-US" sz="1100" i="1" dirty="0">
+                <a:latin typeface="Arial"/>
+                <a:cs typeface="Arial"/>
+              </a:rPr>
+              <a:t>C</a:t>
+            </a:r>
+            <a:r>
+              <a:rPr lang="en-US" sz="1100" dirty="0">
+                <a:latin typeface="Arial"/>
+                <a:cs typeface="Arial"/>
+              </a:rPr>
+              <a:t>). (</a:t>
+            </a:r>
+            <a:r>
+              <a:rPr lang="en-US" sz="1100" i="1" dirty="0">
+                <a:latin typeface="Arial"/>
+                <a:cs typeface="Arial"/>
+              </a:rPr>
+              <a:t>D-E</a:t>
+            </a:r>
+            <a:r>
+              <a:rPr lang="en-US" sz="1100" dirty="0">
+                <a:latin typeface="Arial"/>
+                <a:cs typeface="Arial"/>
+              </a:rPr>
+              <a:t>) The boxplot of the fraction parameters in these two clusters. </a:t>
+            </a:r>
+          </a:p>
+        </p:txBody>
+      </p:sp>
+      <p:sp>
+        <p:nvSpPr>
+          <p:cNvPr id="121" name="Rectangle 120"/>
+          <p:cNvSpPr/>
+          <p:nvPr/>
+        </p:nvSpPr>
+        <p:spPr>
+          <a:xfrm>
+            <a:off x="1037676" y="102870"/>
+            <a:ext cx="306747" cy="329062"/>
           </a:xfrm>
           <a:prstGeom prst="rect">
             <a:avLst/>
@@ -29844,7 +29998,7 @@
                 <a:latin typeface="Arial"/>
                 <a:cs typeface="Arial"/>
               </a:rPr>
-              <a:t>E</a:t>
+              <a:t>A</a:t>
             </a:r>
             <a:endParaRPr lang="en-US" b="1" dirty="0">
               <a:latin typeface="Arial"/>
@@ -29853,123 +30007,15 @@
           </a:p>
         </p:txBody>
       </p:sp>
-      <p:sp>
-        <p:nvSpPr>
-          <p:cNvPr id="84" name="Rectangle 83"/>
-          <p:cNvSpPr/>
-          <p:nvPr/>
-        </p:nvSpPr>
-        <p:spPr>
-          <a:xfrm>
-            <a:off x="1" y="6730223"/>
-            <a:ext cx="6271491" cy="590672"/>
-          </a:xfrm>
-          <a:prstGeom prst="rect">
-            <a:avLst/>
-          </a:prstGeom>
-        </p:spPr>
-        <p:txBody>
-          <a:bodyPr wrap="square" lIns="82040" tIns="41020" rIns="82040" bIns="41020">
-            <a:spAutoFit/>
-          </a:bodyPr>
-          <a:lstStyle/>
-          <a:p>
-            <a:r>
-              <a:rPr lang="en-US" sz="1100" b="1" dirty="0">
-                <a:latin typeface="Arial"/>
-                <a:cs typeface="Arial"/>
-              </a:rPr>
-              <a:t>Figure 5. Simulating two clusters of NF-κB dynamics in single cell. </a:t>
-            </a:r>
-            <a:r>
-              <a:rPr lang="en-US" sz="1100" dirty="0">
-                <a:latin typeface="Arial"/>
-                <a:cs typeface="Arial"/>
-              </a:rPr>
-              <a:t>(</a:t>
-            </a:r>
-            <a:r>
-              <a:rPr lang="en-US" sz="1100" i="1" dirty="0">
-                <a:latin typeface="Arial"/>
-                <a:cs typeface="Arial"/>
-              </a:rPr>
-              <a:t>A</a:t>
-            </a:r>
-            <a:r>
-              <a:rPr lang="en-US" sz="1100" dirty="0">
-                <a:latin typeface="Arial"/>
-                <a:cs typeface="Arial"/>
-              </a:rPr>
-              <a:t>) Illustrate the two random fraction parameters in the model. 200 simulations of NF-</a:t>
-            </a:r>
-            <a:r>
-              <a:rPr lang="en-US" sz="1100" dirty="0" err="1">
-                <a:latin typeface="Arial"/>
-                <a:cs typeface="Arial"/>
-              </a:rPr>
-              <a:t>κBn</a:t>
-            </a:r>
-            <a:r>
-              <a:rPr lang="en-US" sz="1100" dirty="0">
-                <a:latin typeface="Arial"/>
-                <a:cs typeface="Arial"/>
-              </a:rPr>
-              <a:t> dynamics before clustering (</a:t>
-            </a:r>
-            <a:r>
-              <a:rPr lang="en-US" sz="1100" i="1" dirty="0">
-                <a:latin typeface="Arial"/>
-                <a:cs typeface="Arial"/>
-              </a:rPr>
-              <a:t>B</a:t>
-            </a:r>
-            <a:r>
-              <a:rPr lang="en-US" sz="1100" dirty="0">
-                <a:latin typeface="Arial"/>
-                <a:cs typeface="Arial"/>
-              </a:rPr>
-              <a:t>) and after clustering (</a:t>
-            </a:r>
-            <a:r>
-              <a:rPr lang="en-US" sz="1100" i="1" dirty="0">
-                <a:latin typeface="Arial"/>
-                <a:cs typeface="Arial"/>
-              </a:rPr>
-              <a:t>C</a:t>
-            </a:r>
-            <a:r>
-              <a:rPr lang="en-US" sz="1100" dirty="0">
-                <a:latin typeface="Arial"/>
-                <a:cs typeface="Arial"/>
-              </a:rPr>
-              <a:t>). (</a:t>
-            </a:r>
-            <a:r>
-              <a:rPr lang="en-US" sz="1100" i="1" dirty="0">
-                <a:latin typeface="Arial"/>
-                <a:cs typeface="Arial"/>
-              </a:rPr>
-              <a:t>D-E</a:t>
-            </a:r>
-            <a:r>
-              <a:rPr lang="en-US" sz="1100" dirty="0">
-                <a:latin typeface="Arial"/>
-                <a:cs typeface="Arial"/>
-              </a:rPr>
-              <a:t>) The boxplot of the fraction parameters in these two clusters. </a:t>
-            </a:r>
-          </a:p>
-        </p:txBody>
-      </p:sp>
       <p:grpSp>
         <p:nvGrpSpPr>
-          <p:cNvPr id="51" name="Group 50"/>
+          <p:cNvPr id="181" name="Group 180"/>
           <p:cNvGrpSpPr/>
           <p:nvPr/>
         </p:nvGrpSpPr>
         <p:grpSpPr>
           <a:xfrm>
-            <a:off x="730672" y="2378348"/>
+            <a:off x="726395" y="2373021"/>
             <a:ext cx="4687193" cy="4317549"/>
             <a:chOff x="782863" y="1511076"/>
             <a:chExt cx="5021994" cy="4949753"/>
@@ -29977,7 +30023,7 @@
         </p:grpSpPr>
         <p:pic>
           <p:nvPicPr>
-            <p:cNvPr id="45" name="Picture 44" descr="fig5_new2.pdf"/>
+            <p:cNvPr id="182" name="Picture 181" descr="fig5_new2.pdf"/>
             <p:cNvPicPr>
               <a:picLocks noChangeAspect="1"/>
             </p:cNvPicPr>
@@ -30007,7 +30053,7 @@
         </p:pic>
         <p:sp>
           <p:nvSpPr>
-            <p:cNvPr id="41" name="TextBox 40"/>
+            <p:cNvPr id="183" name="TextBox 182"/>
             <p:cNvSpPr txBox="1"/>
             <p:nvPr/>
           </p:nvSpPr>
@@ -30036,14 +30082,14 @@
         </p:sp>
         <p:sp>
           <p:nvSpPr>
-            <p:cNvPr id="62" name="Rectangle 61"/>
+            <p:cNvPr id="184" name="Rectangle 183"/>
             <p:cNvSpPr/>
             <p:nvPr/>
           </p:nvSpPr>
           <p:spPr>
             <a:xfrm>
-              <a:off x="1916232" y="4105847"/>
-              <a:ext cx="541484" cy="264632"/>
+              <a:off x="1820177" y="4105848"/>
+              <a:ext cx="727035" cy="264632"/>
             </a:xfrm>
             <a:prstGeom prst="rect">
               <a:avLst/>
@@ -30056,28 +30102,35 @@
             <a:lstStyle/>
             <a:p>
               <a:r>
-                <a:rPr lang="en-US" sz="900" b="1" dirty="0">
+                <a:rPr lang="en-US" sz="900" b="1" dirty="0" smtClean="0">
                   <a:solidFill>
                     <a:srgbClr val="000000"/>
                   </a:solidFill>
                   <a:latin typeface="Arial"/>
                   <a:cs typeface="Arial"/>
                 </a:rPr>
-                <a:t>LPS 1</a:t>
+                <a:t>Cluster 1</a:t>
               </a:r>
+              <a:endParaRPr lang="en-US" sz="900" b="1" dirty="0">
+                <a:solidFill>
+                  <a:srgbClr val="000000"/>
+                </a:solidFill>
+                <a:latin typeface="Arial"/>
+                <a:cs typeface="Arial"/>
+              </a:endParaRPr>
             </a:p>
           </p:txBody>
         </p:sp>
         <p:sp>
           <p:nvSpPr>
-            <p:cNvPr id="63" name="Rectangle 62"/>
+            <p:cNvPr id="185" name="Rectangle 184"/>
             <p:cNvSpPr/>
             <p:nvPr/>
           </p:nvSpPr>
           <p:spPr>
             <a:xfrm>
-              <a:off x="4478249" y="4105847"/>
-              <a:ext cx="541484" cy="264632"/>
+              <a:off x="4478249" y="4105848"/>
+              <a:ext cx="727035" cy="264632"/>
             </a:xfrm>
             <a:prstGeom prst="rect">
               <a:avLst/>
@@ -30090,21 +30143,28 @@
             <a:lstStyle/>
             <a:p>
               <a:r>
-                <a:rPr lang="en-US" sz="900" b="1" dirty="0">
+                <a:rPr lang="en-US" sz="900" b="1" dirty="0" smtClean="0">
                   <a:solidFill>
                     <a:srgbClr val="000000"/>
                   </a:solidFill>
                   <a:latin typeface="Arial"/>
                   <a:cs typeface="Arial"/>
                 </a:rPr>
-                <a:t>LPS 2</a:t>
+                <a:t>Cluster 2</a:t>
               </a:r>
+              <a:endParaRPr lang="en-US" sz="900" b="1" dirty="0">
+                <a:solidFill>
+                  <a:srgbClr val="000000"/>
+                </a:solidFill>
+                <a:latin typeface="Arial"/>
+                <a:cs typeface="Arial"/>
+              </a:endParaRPr>
             </a:p>
           </p:txBody>
         </p:sp>
         <p:grpSp>
           <p:nvGrpSpPr>
-            <p:cNvPr id="46" name="Group 45"/>
+            <p:cNvPr id="186" name="Group 185"/>
             <p:cNvGrpSpPr/>
             <p:nvPr/>
           </p:nvGrpSpPr>
@@ -30118,7 +30178,7 @@
           </p:grpSpPr>
           <p:sp>
             <p:nvSpPr>
-              <p:cNvPr id="56" name="Rectangle 55"/>
+              <p:cNvPr id="218" name="Rectangle 217"/>
               <p:cNvSpPr/>
               <p:nvPr/>
             </p:nvSpPr>
@@ -30149,7 +30209,7 @@
           </p:sp>
           <p:sp>
             <p:nvSpPr>
-              <p:cNvPr id="57" name="Rectangle 56"/>
+              <p:cNvPr id="219" name="Rectangle 218"/>
               <p:cNvSpPr/>
               <p:nvPr/>
             </p:nvSpPr>
@@ -30180,7 +30240,7 @@
           </p:sp>
           <p:sp>
             <p:nvSpPr>
-              <p:cNvPr id="59" name="Rectangle 58"/>
+              <p:cNvPr id="220" name="Rectangle 219"/>
               <p:cNvSpPr/>
               <p:nvPr/>
             </p:nvSpPr>
@@ -30211,7 +30271,7 @@
           </p:sp>
           <p:sp>
             <p:nvSpPr>
-              <p:cNvPr id="60" name="Rectangle 59"/>
+              <p:cNvPr id="221" name="Rectangle 220"/>
               <p:cNvSpPr/>
               <p:nvPr/>
             </p:nvSpPr>
@@ -30242,7 +30302,7 @@
           </p:sp>
           <p:sp>
             <p:nvSpPr>
-              <p:cNvPr id="61" name="Rectangle 60"/>
+              <p:cNvPr id="222" name="Rectangle 221"/>
               <p:cNvSpPr/>
               <p:nvPr/>
             </p:nvSpPr>
@@ -30273,7 +30333,7 @@
           </p:sp>
           <p:sp>
             <p:nvSpPr>
-              <p:cNvPr id="64" name="Rectangle 63"/>
+              <p:cNvPr id="223" name="Rectangle 222"/>
               <p:cNvSpPr/>
               <p:nvPr/>
             </p:nvSpPr>
@@ -30304,7 +30364,7 @@
           </p:sp>
           <p:sp>
             <p:nvSpPr>
-              <p:cNvPr id="66" name="Rectangle 65"/>
+              <p:cNvPr id="224" name="Rectangle 223"/>
               <p:cNvSpPr/>
               <p:nvPr/>
             </p:nvSpPr>
@@ -30335,7 +30395,7 @@
           </p:sp>
           <p:sp>
             <p:nvSpPr>
-              <p:cNvPr id="67" name="Rectangle 66"/>
+              <p:cNvPr id="225" name="Rectangle 224"/>
               <p:cNvSpPr/>
               <p:nvPr/>
             </p:nvSpPr>
@@ -30366,7 +30426,7 @@
           </p:sp>
           <p:sp>
             <p:nvSpPr>
-              <p:cNvPr id="68" name="Rectangle 67"/>
+              <p:cNvPr id="226" name="Rectangle 225"/>
               <p:cNvSpPr/>
               <p:nvPr/>
             </p:nvSpPr>
@@ -30397,7 +30457,7 @@
           </p:sp>
           <p:sp>
             <p:nvSpPr>
-              <p:cNvPr id="69" name="Rectangle 68"/>
+              <p:cNvPr id="227" name="Rectangle 226"/>
               <p:cNvSpPr/>
               <p:nvPr/>
             </p:nvSpPr>
@@ -30428,7 +30488,7 @@
           </p:sp>
           <p:sp>
             <p:nvSpPr>
-              <p:cNvPr id="70" name="Rectangle 69"/>
+              <p:cNvPr id="228" name="Rectangle 227"/>
               <p:cNvSpPr/>
               <p:nvPr/>
             </p:nvSpPr>
@@ -30459,7 +30519,7 @@
           </p:sp>
           <p:sp>
             <p:nvSpPr>
-              <p:cNvPr id="71" name="Rectangle 70"/>
+              <p:cNvPr id="229" name="Rectangle 228"/>
               <p:cNvSpPr/>
               <p:nvPr/>
             </p:nvSpPr>
@@ -30490,7 +30550,7 @@
           </p:sp>
           <p:sp>
             <p:nvSpPr>
-              <p:cNvPr id="72" name="Rectangle 71"/>
+              <p:cNvPr id="230" name="Rectangle 229"/>
               <p:cNvSpPr/>
               <p:nvPr/>
             </p:nvSpPr>
@@ -30521,7 +30581,7 @@
           </p:sp>
           <p:sp>
             <p:nvSpPr>
-              <p:cNvPr id="73" name="Rectangle 72"/>
+              <p:cNvPr id="231" name="Rectangle 230"/>
               <p:cNvSpPr/>
               <p:nvPr/>
             </p:nvSpPr>
@@ -30552,7 +30612,7 @@
           </p:sp>
           <p:sp>
             <p:nvSpPr>
-              <p:cNvPr id="74" name="Rectangle 73"/>
+              <p:cNvPr id="232" name="Rectangle 231"/>
               <p:cNvSpPr/>
               <p:nvPr/>
             </p:nvSpPr>
@@ -30583,7 +30643,7 @@
           </p:sp>
           <p:sp>
             <p:nvSpPr>
-              <p:cNvPr id="75" name="Rectangle 74"/>
+              <p:cNvPr id="233" name="Rectangle 232"/>
               <p:cNvSpPr/>
               <p:nvPr/>
             </p:nvSpPr>
@@ -30614,7 +30674,7 @@
           </p:sp>
           <p:sp>
             <p:nvSpPr>
-              <p:cNvPr id="76" name="Rectangle 75"/>
+              <p:cNvPr id="234" name="Rectangle 233"/>
               <p:cNvSpPr/>
               <p:nvPr/>
             </p:nvSpPr>
@@ -30645,7 +30705,7 @@
           </p:sp>
           <p:sp>
             <p:nvSpPr>
-              <p:cNvPr id="77" name="Rectangle 76"/>
+              <p:cNvPr id="235" name="Rectangle 234"/>
               <p:cNvSpPr/>
               <p:nvPr/>
             </p:nvSpPr>
@@ -30678,7 +30738,7 @@
         </p:grpSp>
         <p:sp>
           <p:nvSpPr>
-            <p:cNvPr id="78" name="Rectangle 77"/>
+            <p:cNvPr id="187" name="Rectangle 186"/>
             <p:cNvSpPr/>
             <p:nvPr/>
           </p:nvSpPr>
@@ -30740,7 +30800,7 @@
         </p:sp>
         <p:sp>
           <p:nvSpPr>
-            <p:cNvPr id="79" name="Rectangle 78"/>
+            <p:cNvPr id="188" name="Rectangle 187"/>
             <p:cNvSpPr/>
             <p:nvPr/>
           </p:nvSpPr>
@@ -30801,7 +30861,7 @@
         </p:sp>
         <p:sp>
           <p:nvSpPr>
-            <p:cNvPr id="80" name="Rectangle 79"/>
+            <p:cNvPr id="189" name="Rectangle 188"/>
             <p:cNvSpPr/>
             <p:nvPr/>
           </p:nvSpPr>
@@ -30837,7 +30897,7 @@
         </p:sp>
         <p:sp>
           <p:nvSpPr>
-            <p:cNvPr id="81" name="Rectangle 80"/>
+            <p:cNvPr id="190" name="Rectangle 189"/>
             <p:cNvSpPr/>
             <p:nvPr/>
           </p:nvSpPr>
@@ -30873,7 +30933,7 @@
         </p:sp>
         <p:sp>
           <p:nvSpPr>
-            <p:cNvPr id="82" name="Rectangle 81"/>
+            <p:cNvPr id="191" name="Rectangle 190"/>
             <p:cNvSpPr/>
             <p:nvPr/>
           </p:nvSpPr>
@@ -30905,7 +30965,7 @@
         </p:sp>
         <p:sp>
           <p:nvSpPr>
-            <p:cNvPr id="83" name="Rectangle 82"/>
+            <p:cNvPr id="192" name="Rectangle 191"/>
             <p:cNvSpPr/>
             <p:nvPr/>
           </p:nvSpPr>
@@ -30937,7 +30997,7 @@
         </p:sp>
         <p:sp>
           <p:nvSpPr>
-            <p:cNvPr id="89" name="Rectangle 88"/>
+            <p:cNvPr id="193" name="Rectangle 192"/>
             <p:cNvSpPr/>
             <p:nvPr/>
           </p:nvSpPr>
@@ -30999,7 +31059,7 @@
         </p:sp>
         <p:sp>
           <p:nvSpPr>
-            <p:cNvPr id="97" name="Rectangle 96"/>
+            <p:cNvPr id="194" name="Rectangle 193"/>
             <p:cNvSpPr/>
             <p:nvPr/>
           </p:nvSpPr>
@@ -31060,7 +31120,7 @@
         </p:sp>
         <p:sp>
           <p:nvSpPr>
-            <p:cNvPr id="98" name="Rectangle 97"/>
+            <p:cNvPr id="195" name="Rectangle 194"/>
             <p:cNvSpPr/>
             <p:nvPr/>
           </p:nvSpPr>
@@ -31096,7 +31156,7 @@
         </p:sp>
         <p:sp>
           <p:nvSpPr>
-            <p:cNvPr id="99" name="Rectangle 98"/>
+            <p:cNvPr id="196" name="Rectangle 195"/>
             <p:cNvSpPr/>
             <p:nvPr/>
           </p:nvSpPr>
@@ -31132,7 +31192,7 @@
         </p:sp>
         <p:sp>
           <p:nvSpPr>
-            <p:cNvPr id="100" name="Rectangle 99"/>
+            <p:cNvPr id="197" name="Rectangle 196"/>
             <p:cNvSpPr/>
             <p:nvPr/>
           </p:nvSpPr>
@@ -31164,7 +31224,7 @@
         </p:sp>
         <p:sp>
           <p:nvSpPr>
-            <p:cNvPr id="101" name="Rectangle 100"/>
+            <p:cNvPr id="198" name="Rectangle 197"/>
             <p:cNvSpPr/>
             <p:nvPr/>
           </p:nvSpPr>
@@ -31196,7 +31256,7 @@
         </p:sp>
         <p:grpSp>
           <p:nvGrpSpPr>
-            <p:cNvPr id="102" name="Group 101"/>
+            <p:cNvPr id="199" name="Group 198"/>
             <p:cNvGrpSpPr/>
             <p:nvPr/>
           </p:nvGrpSpPr>
@@ -31210,7 +31270,7 @@
           </p:grpSpPr>
           <p:sp>
             <p:nvSpPr>
-              <p:cNvPr id="103" name="Rectangle 102"/>
+              <p:cNvPr id="200" name="Rectangle 199"/>
               <p:cNvSpPr/>
               <p:nvPr/>
             </p:nvSpPr>
@@ -31241,7 +31301,7 @@
           </p:sp>
           <p:sp>
             <p:nvSpPr>
-              <p:cNvPr id="104" name="Rectangle 103"/>
+              <p:cNvPr id="201" name="Rectangle 200"/>
               <p:cNvSpPr/>
               <p:nvPr/>
             </p:nvSpPr>
@@ -31272,7 +31332,7 @@
           </p:sp>
           <p:sp>
             <p:nvSpPr>
-              <p:cNvPr id="105" name="Rectangle 104"/>
+              <p:cNvPr id="202" name="Rectangle 201"/>
               <p:cNvSpPr/>
               <p:nvPr/>
             </p:nvSpPr>
@@ -31303,7 +31363,7 @@
           </p:sp>
           <p:sp>
             <p:nvSpPr>
-              <p:cNvPr id="106" name="Rectangle 105"/>
+              <p:cNvPr id="203" name="Rectangle 202"/>
               <p:cNvSpPr/>
               <p:nvPr/>
             </p:nvSpPr>
@@ -31334,7 +31394,7 @@
           </p:sp>
           <p:sp>
             <p:nvSpPr>
-              <p:cNvPr id="107" name="Rectangle 106"/>
+              <p:cNvPr id="204" name="Rectangle 203"/>
               <p:cNvSpPr/>
               <p:nvPr/>
             </p:nvSpPr>
@@ -31365,7 +31425,7 @@
           </p:sp>
           <p:sp>
             <p:nvSpPr>
-              <p:cNvPr id="108" name="Rectangle 107"/>
+              <p:cNvPr id="205" name="Rectangle 204"/>
               <p:cNvSpPr/>
               <p:nvPr/>
             </p:nvSpPr>
@@ -31396,7 +31456,7 @@
           </p:sp>
           <p:sp>
             <p:nvSpPr>
-              <p:cNvPr id="109" name="Rectangle 108"/>
+              <p:cNvPr id="206" name="Rectangle 205"/>
               <p:cNvSpPr/>
               <p:nvPr/>
             </p:nvSpPr>
@@ -31427,7 +31487,7 @@
           </p:sp>
           <p:sp>
             <p:nvSpPr>
-              <p:cNvPr id="110" name="Rectangle 109"/>
+              <p:cNvPr id="207" name="Rectangle 206"/>
               <p:cNvSpPr/>
               <p:nvPr/>
             </p:nvSpPr>
@@ -31458,7 +31518,7 @@
           </p:sp>
           <p:sp>
             <p:nvSpPr>
-              <p:cNvPr id="111" name="Rectangle 110"/>
+              <p:cNvPr id="208" name="Rectangle 207"/>
               <p:cNvSpPr/>
               <p:nvPr/>
             </p:nvSpPr>
@@ -31489,7 +31549,7 @@
           </p:sp>
           <p:sp>
             <p:nvSpPr>
-              <p:cNvPr id="112" name="Rectangle 111"/>
+              <p:cNvPr id="209" name="Rectangle 208"/>
               <p:cNvSpPr/>
               <p:nvPr/>
             </p:nvSpPr>
@@ -31520,7 +31580,7 @@
           </p:sp>
           <p:sp>
             <p:nvSpPr>
-              <p:cNvPr id="113" name="Rectangle 112"/>
+              <p:cNvPr id="210" name="Rectangle 209"/>
               <p:cNvSpPr/>
               <p:nvPr/>
             </p:nvSpPr>
@@ -31551,7 +31611,7 @@
           </p:sp>
           <p:sp>
             <p:nvSpPr>
-              <p:cNvPr id="114" name="Rectangle 113"/>
+              <p:cNvPr id="211" name="Rectangle 210"/>
               <p:cNvSpPr/>
               <p:nvPr/>
             </p:nvSpPr>
@@ -31582,7 +31642,7 @@
           </p:sp>
           <p:sp>
             <p:nvSpPr>
-              <p:cNvPr id="115" name="Rectangle 114"/>
+              <p:cNvPr id="212" name="Rectangle 211"/>
               <p:cNvSpPr/>
               <p:nvPr/>
             </p:nvSpPr>
@@ -31613,7 +31673,7 @@
           </p:sp>
           <p:sp>
             <p:nvSpPr>
-              <p:cNvPr id="116" name="Rectangle 115"/>
+              <p:cNvPr id="213" name="Rectangle 212"/>
               <p:cNvSpPr/>
               <p:nvPr/>
             </p:nvSpPr>
@@ -31644,7 +31704,7 @@
           </p:sp>
           <p:sp>
             <p:nvSpPr>
-              <p:cNvPr id="117" name="Rectangle 116"/>
+              <p:cNvPr id="214" name="Rectangle 213"/>
               <p:cNvSpPr/>
               <p:nvPr/>
             </p:nvSpPr>
@@ -31675,7 +31735,7 @@
           </p:sp>
           <p:sp>
             <p:nvSpPr>
-              <p:cNvPr id="118" name="Rectangle 117"/>
+              <p:cNvPr id="215" name="Rectangle 214"/>
               <p:cNvSpPr/>
               <p:nvPr/>
             </p:nvSpPr>
@@ -31706,7 +31766,7 @@
           </p:sp>
           <p:sp>
             <p:nvSpPr>
-              <p:cNvPr id="119" name="Rectangle 118"/>
+              <p:cNvPr id="216" name="Rectangle 215"/>
               <p:cNvSpPr/>
               <p:nvPr/>
             </p:nvSpPr>
@@ -31737,7 +31797,7 @@
           </p:sp>
           <p:sp>
             <p:nvSpPr>
-              <p:cNvPr id="120" name="Rectangle 119"/>
+              <p:cNvPr id="217" name="Rectangle 216"/>
               <p:cNvSpPr/>
               <p:nvPr/>
             </p:nvSpPr>
@@ -31771,14 +31831,194 @@
       </p:grpSp>
       <p:sp>
         <p:nvSpPr>
-          <p:cNvPr id="121" name="Rectangle 120"/>
-          <p:cNvSpPr/>
-          <p:nvPr/>
-        </p:nvSpPr>
-        <p:spPr>
-          <a:xfrm>
-            <a:off x="1037676" y="102870"/>
-            <a:ext cx="306747" cy="329062"/>
+          <p:cNvPr id="236" name="Rectangle 235"/>
+          <p:cNvSpPr/>
+          <p:nvPr/>
+        </p:nvSpPr>
+        <p:spPr>
+          <a:xfrm>
+            <a:off x="1277486" y="2328696"/>
+            <a:ext cx="1269047" cy="276999"/>
+          </a:xfrm>
+          <a:prstGeom prst="rect">
+            <a:avLst/>
+          </a:prstGeom>
+        </p:spPr>
+        <p:txBody>
+          <a:bodyPr wrap="none">
+            <a:spAutoFit/>
+          </a:bodyPr>
+          <a:lstStyle/>
+          <a:p>
+            <a:r>
+              <a:rPr lang="en-US" altLang="zh-CN" sz="1200" i="1" dirty="0" smtClean="0"/>
+              <a:t>Before clustering</a:t>
+            </a:r>
+            <a:endParaRPr lang="en-US" sz="1200" i="1" dirty="0"/>
+          </a:p>
+        </p:txBody>
+      </p:sp>
+      <p:sp>
+        <p:nvSpPr>
+          <p:cNvPr id="237" name="Rectangle 236"/>
+          <p:cNvSpPr/>
+          <p:nvPr/>
+        </p:nvSpPr>
+        <p:spPr>
+          <a:xfrm>
+            <a:off x="3652843" y="2339583"/>
+            <a:ext cx="1171064" cy="276999"/>
+          </a:xfrm>
+          <a:prstGeom prst="rect">
+            <a:avLst/>
+          </a:prstGeom>
+        </p:spPr>
+        <p:txBody>
+          <a:bodyPr wrap="none">
+            <a:spAutoFit/>
+          </a:bodyPr>
+          <a:lstStyle/>
+          <a:p>
+            <a:r>
+              <a:rPr lang="en-US" altLang="zh-CN" sz="1200" i="1" dirty="0" smtClean="0"/>
+              <a:t>After clustering</a:t>
+            </a:r>
+            <a:endParaRPr lang="en-US" sz="1200" i="1" dirty="0"/>
+          </a:p>
+        </p:txBody>
+      </p:sp>
+      <p:sp>
+        <p:nvSpPr>
+          <p:cNvPr id="238" name="Rectangle 237"/>
+          <p:cNvSpPr/>
+          <p:nvPr/>
+        </p:nvSpPr>
+        <p:spPr>
+          <a:xfrm>
+            <a:off x="4233755" y="2983302"/>
+            <a:ext cx="678566" cy="230832"/>
+          </a:xfrm>
+          <a:prstGeom prst="rect">
+            <a:avLst/>
+          </a:prstGeom>
+        </p:spPr>
+        <p:txBody>
+          <a:bodyPr wrap="none">
+            <a:spAutoFit/>
+          </a:bodyPr>
+          <a:lstStyle/>
+          <a:p>
+            <a:r>
+              <a:rPr lang="en-US" sz="900" b="1" dirty="0" err="1" smtClean="0">
+                <a:solidFill>
+                  <a:srgbClr val="FF0000"/>
+                </a:solidFill>
+                <a:latin typeface="Arial"/>
+                <a:cs typeface="Arial"/>
+              </a:rPr>
+              <a:t>Cuslter</a:t>
+            </a:r>
+            <a:r>
+              <a:rPr lang="en-US" sz="900" b="1" dirty="0" smtClean="0">
+                <a:solidFill>
+                  <a:srgbClr val="FF0000"/>
+                </a:solidFill>
+                <a:latin typeface="Arial"/>
+                <a:cs typeface="Arial"/>
+              </a:rPr>
+              <a:t> 1</a:t>
+            </a:r>
+            <a:endParaRPr lang="en-US" sz="900" b="1" dirty="0">
+              <a:solidFill>
+                <a:srgbClr val="FF0000"/>
+              </a:solidFill>
+              <a:latin typeface="Arial"/>
+              <a:cs typeface="Arial"/>
+            </a:endParaRPr>
+          </a:p>
+        </p:txBody>
+      </p:sp>
+      <p:sp>
+        <p:nvSpPr>
+          <p:cNvPr id="239" name="Rectangle 238"/>
+          <p:cNvSpPr/>
+          <p:nvPr/>
+        </p:nvSpPr>
+        <p:spPr>
+          <a:xfrm>
+            <a:off x="4257411" y="3694137"/>
+            <a:ext cx="678566" cy="230832"/>
+          </a:xfrm>
+          <a:prstGeom prst="rect">
+            <a:avLst/>
+          </a:prstGeom>
+        </p:spPr>
+        <p:txBody>
+          <a:bodyPr wrap="none">
+            <a:spAutoFit/>
+          </a:bodyPr>
+          <a:lstStyle/>
+          <a:p>
+            <a:r>
+              <a:rPr lang="en-US" sz="900" b="1" dirty="0" smtClean="0">
+                <a:solidFill>
+                  <a:srgbClr val="FF0000"/>
+                </a:solidFill>
+                <a:latin typeface="Arial"/>
+                <a:cs typeface="Arial"/>
+              </a:rPr>
+              <a:t>Cluster 2</a:t>
+            </a:r>
+            <a:endParaRPr lang="en-US" sz="900" b="1" dirty="0">
+              <a:solidFill>
+                <a:srgbClr val="FF0000"/>
+              </a:solidFill>
+              <a:latin typeface="Arial"/>
+              <a:cs typeface="Arial"/>
+            </a:endParaRPr>
+          </a:p>
+        </p:txBody>
+      </p:sp>
+      <p:pic>
+        <p:nvPicPr>
+          <p:cNvPr id="240" name="Picture 239" descr="untitled.pdf"/>
+          <p:cNvPicPr>
+            <a:picLocks noChangeAspect="1"/>
+          </p:cNvPicPr>
+          <p:nvPr/>
+        </p:nvPicPr>
+        <p:blipFill>
+          <a:blip r:embed="rId4">
+            <a:extLst>
+              <a:ext uri="{28A0092B-C50C-407E-A947-70E740481C1C}">
+                <a14:useLocalDpi xmlns:a14="http://schemas.microsoft.com/office/drawing/2010/main" val="0"/>
+              </a:ext>
+            </a:extLst>
+          </a:blip>
+          <a:stretch>
+            <a:fillRect/>
+          </a:stretch>
+        </p:blipFill>
+        <p:spPr>
+          <a:xfrm>
+            <a:off x="1002211" y="2585555"/>
+            <a:ext cx="1554992" cy="1805400"/>
+          </a:xfrm>
+          <a:prstGeom prst="rect">
+            <a:avLst/>
+          </a:prstGeom>
+        </p:spPr>
+      </p:pic>
+      <p:sp>
+        <p:nvSpPr>
+          <p:cNvPr id="242" name="Rectangle 241"/>
+          <p:cNvSpPr/>
+          <p:nvPr/>
+        </p:nvSpPr>
+        <p:spPr>
+          <a:xfrm>
+            <a:off x="3046754" y="4514303"/>
+            <a:ext cx="302539" cy="329062"/>
           </a:xfrm>
           <a:prstGeom prst="rect">
             <a:avLst/>
@@ -31795,7 +32035,7 @@
                 <a:latin typeface="Arial"/>
                 <a:cs typeface="Arial"/>
               </a:rPr>
-              <a:t>A</a:t>
+              <a:t>E</a:t>
             </a:r>
             <a:endParaRPr lang="en-US" b="1" dirty="0">
               <a:latin typeface="Arial"/>
@@ -32169,7 +32409,21 @@
                 <a:latin typeface="Arial"/>
                 <a:cs typeface="Arial"/>
               </a:rPr>
-              <a:t>), nuclear NF-κB (</a:t>
+              <a:t>), nuclear </a:t>
+            </a:r>
+            <a:r>
+              <a:rPr lang="en-US" sz="1100" dirty="0" smtClean="0">
+                <a:latin typeface="Arial"/>
+                <a:cs typeface="Arial"/>
+              </a:rPr>
+              <a:t>NFκB </a:t>
+            </a:r>
+            <a:r>
+              <a:rPr lang="en-US" sz="1100" dirty="0">
+                <a:latin typeface="Arial"/>
+                <a:cs typeface="Arial"/>
+              </a:rPr>
+              <a:t>(</a:t>
             </a:r>
             <a:r>
               <a:rPr lang="en-US" sz="1100" i="1" dirty="0">

--- a/TLR_ver4.5_new_PNAS.pptx
+++ b/TLR_ver4.5_new_PNAS.pptx
@@ -1041,8 +1041,8 @@
         <c:manualLayout>
           <c:xMode val="edge"/>
           <c:yMode val="edge"/>
-          <c:x val="0.569098184056633"/>
-          <c:y val="0.375403203634029"/>
+          <c:x val="0.618564012414482"/>
+          <c:y val="0.444341776870121"/>
           <c:w val="0.219298245614035"/>
           <c:h val="0.225520960997009"/>
         </c:manualLayout>
@@ -32726,7 +32726,7 @@
           <p:nvPr>
             <p:extLst>
               <p:ext uri="{D42A27DB-BD31-4B8C-83A1-F6EECF244321}">
-                <p14:modId xmlns:p14="http://schemas.microsoft.com/office/powerpoint/2010/main" val="1172887593"/>
+                <p14:modId xmlns:p14="http://schemas.microsoft.com/office/powerpoint/2010/main" val="2629274092"/>
               </p:ext>
             </p:extLst>
           </p:nvPr>
